--- a/Presentation.pptx
+++ b/Presentation.pptx
@@ -134,7 +134,18 @@
   </p:defaultTextStyle>
   <p:extLst>
     <p:ext uri="{EFAFB233-063F-42B5-8137-9DF3F51BA10A}">
-      <p15:sldGuideLst xmlns="" xmlns:p15="http://schemas.microsoft.com/office/powerpoint/2012/main"/>
+      <p15:sldGuideLst xmlns:p15="http://schemas.microsoft.com/office/powerpoint/2012/main">
+        <p15:guide id="1" orient="horz" pos="2160">
+          <p15:clr>
+            <a:srgbClr val="A4A3A4"/>
+          </p15:clr>
+        </p15:guide>
+        <p15:guide id="2" pos="3840">
+          <p15:clr>
+            <a:srgbClr val="A4A3A4"/>
+          </p15:clr>
+        </p15:guide>
+      </p15:sldGuideLst>
     </p:ext>
   </p:extLst>
 </p:presentation>
@@ -222,7 +233,7 @@
           <a:p>
             <a:fld id="{2F74BFF9-153E-4930-97EA-96E120421479}" type="datetimeFigureOut">
               <a:rPr lang="he-IL" smtClean="0"/>
-              <a:t>י"ח/טבת/תש"פ</a:t>
+              <a:t>י"ט/טבת/תש"פ</a:t>
             </a:fld>
             <a:endParaRPr lang="he-IL"/>
           </a:p>
@@ -631,7 +642,7 @@
           <a:p>
             <a:fld id="{2E22E7AC-EA99-400C-BE10-A8DB78B836C1}" type="datetimeFigureOut">
               <a:rPr lang="en-US" smtClean="0"/>
-              <a:t>1/15/2020</a:t>
+              <a:t>16-Jan-20</a:t>
             </a:fld>
             <a:endParaRPr lang="en-US"/>
           </a:p>
@@ -801,7 +812,7 @@
           <a:p>
             <a:fld id="{2E22E7AC-EA99-400C-BE10-A8DB78B836C1}" type="datetimeFigureOut">
               <a:rPr lang="en-US" smtClean="0"/>
-              <a:t>1/15/2020</a:t>
+              <a:t>16-Jan-20</a:t>
             </a:fld>
             <a:endParaRPr lang="en-US"/>
           </a:p>
@@ -981,7 +992,7 @@
           <a:p>
             <a:fld id="{2E22E7AC-EA99-400C-BE10-A8DB78B836C1}" type="datetimeFigureOut">
               <a:rPr lang="en-US" smtClean="0"/>
-              <a:t>1/15/2020</a:t>
+              <a:t>16-Jan-20</a:t>
             </a:fld>
             <a:endParaRPr lang="en-US"/>
           </a:p>
@@ -1268,7 +1279,7 @@
           <a:p>
             <a:fld id="{2E22E7AC-EA99-400C-BE10-A8DB78B836C1}" type="datetimeFigureOut">
               <a:rPr lang="en-US" smtClean="0"/>
-              <a:t>1/15/2020</a:t>
+              <a:t>16-Jan-20</a:t>
             </a:fld>
             <a:endParaRPr lang="en-US"/>
           </a:p>
@@ -1480,7 +1491,7 @@
           <a:p>
             <a:fld id="{2E22E7AC-EA99-400C-BE10-A8DB78B836C1}" type="datetimeFigureOut">
               <a:rPr lang="en-US" smtClean="0"/>
-              <a:t>1/15/2020</a:t>
+              <a:t>16-Jan-20</a:t>
             </a:fld>
             <a:endParaRPr lang="en-US"/>
           </a:p>
@@ -1823,7 +1834,7 @@
           <a:p>
             <a:fld id="{2E22E7AC-EA99-400C-BE10-A8DB78B836C1}" type="datetimeFigureOut">
               <a:rPr lang="en-US" smtClean="0"/>
-              <a:t>1/15/2020</a:t>
+              <a:t>16-Jan-20</a:t>
             </a:fld>
             <a:endParaRPr lang="en-US"/>
           </a:p>
@@ -2098,7 +2109,7 @@
           <a:p>
             <a:fld id="{2E22E7AC-EA99-400C-BE10-A8DB78B836C1}" type="datetimeFigureOut">
               <a:rPr lang="en-US" smtClean="0"/>
-              <a:t>1/15/2020</a:t>
+              <a:t>16-Jan-20</a:t>
             </a:fld>
             <a:endParaRPr lang="en-US"/>
           </a:p>
@@ -2477,7 +2488,7 @@
           <a:p>
             <a:fld id="{2E22E7AC-EA99-400C-BE10-A8DB78B836C1}" type="datetimeFigureOut">
               <a:rPr lang="en-US" smtClean="0"/>
-              <a:t>1/15/2020</a:t>
+              <a:t>16-Jan-20</a:t>
             </a:fld>
             <a:endParaRPr lang="en-US"/>
           </a:p>
@@ -2595,7 +2606,7 @@
           <a:p>
             <a:fld id="{2E22E7AC-EA99-400C-BE10-A8DB78B836C1}" type="datetimeFigureOut">
               <a:rPr lang="en-US" smtClean="0"/>
-              <a:t>1/15/2020</a:t>
+              <a:t>16-Jan-20</a:t>
             </a:fld>
             <a:endParaRPr lang="en-US"/>
           </a:p>
@@ -2766,7 +2777,7 @@
           <a:p>
             <a:fld id="{2E22E7AC-EA99-400C-BE10-A8DB78B836C1}" type="datetimeFigureOut">
               <a:rPr lang="en-US" smtClean="0"/>
-              <a:t>1/15/2020</a:t>
+              <a:t>16-Jan-20</a:t>
             </a:fld>
             <a:endParaRPr lang="en-US"/>
           </a:p>
@@ -3120,7 +3131,7 @@
           <a:p>
             <a:fld id="{2E22E7AC-EA99-400C-BE10-A8DB78B836C1}" type="datetimeFigureOut">
               <a:rPr lang="en-US" smtClean="0"/>
-              <a:t>1/15/2020</a:t>
+              <a:t>16-Jan-20</a:t>
             </a:fld>
             <a:endParaRPr lang="en-US"/>
           </a:p>
@@ -3311,7 +3322,7 @@
           <a:p>
             <a:fld id="{2E22E7AC-EA99-400C-BE10-A8DB78B836C1}" type="datetimeFigureOut">
               <a:rPr lang="en-US" smtClean="0"/>
-              <a:t>1/15/2020</a:t>
+              <a:t>16-Jan-20</a:t>
             </a:fld>
             <a:endParaRPr lang="en-US"/>
           </a:p>
@@ -3672,7 +3683,7 @@
           <a:p>
             <a:fld id="{2E22E7AC-EA99-400C-BE10-A8DB78B836C1}" type="datetimeFigureOut">
               <a:rPr lang="en-US" smtClean="0"/>
-              <a:t>1/15/2020</a:t>
+              <a:t>16-Jan-20</a:t>
             </a:fld>
             <a:endParaRPr lang="en-US"/>
           </a:p>
@@ -3842,7 +3853,7 @@
           <a:p>
             <a:fld id="{2E22E7AC-EA99-400C-BE10-A8DB78B836C1}" type="datetimeFigureOut">
               <a:rPr lang="en-US" smtClean="0"/>
-              <a:t>1/15/2020</a:t>
+              <a:t>16-Jan-20</a:t>
             </a:fld>
             <a:endParaRPr lang="en-US"/>
           </a:p>
@@ -4098,7 +4109,7 @@
           <a:p>
             <a:fld id="{2E22E7AC-EA99-400C-BE10-A8DB78B836C1}" type="datetimeFigureOut">
               <a:rPr lang="en-US" smtClean="0"/>
-              <a:t>1/15/2020</a:t>
+              <a:t>16-Jan-20</a:t>
             </a:fld>
             <a:endParaRPr lang="en-US"/>
           </a:p>
@@ -4349,7 +4360,7 @@
           <a:p>
             <a:fld id="{2E22E7AC-EA99-400C-BE10-A8DB78B836C1}" type="datetimeFigureOut">
               <a:rPr lang="en-US" smtClean="0"/>
-              <a:t>1/15/2020</a:t>
+              <a:t>16-Jan-20</a:t>
             </a:fld>
             <a:endParaRPr lang="en-US"/>
           </a:p>
@@ -4581,7 +4592,7 @@
           <a:p>
             <a:fld id="{2E22E7AC-EA99-400C-BE10-A8DB78B836C1}" type="datetimeFigureOut">
               <a:rPr lang="en-US" smtClean="0"/>
-              <a:t>1/15/2020</a:t>
+              <a:t>16-Jan-20</a:t>
             </a:fld>
             <a:endParaRPr lang="en-US"/>
           </a:p>
@@ -4928,7 +4939,7 @@
           <a:p>
             <a:fld id="{2E22E7AC-EA99-400C-BE10-A8DB78B836C1}" type="datetimeFigureOut">
               <a:rPr lang="en-US" smtClean="0"/>
-              <a:t>1/15/2020</a:t>
+              <a:t>16-Jan-20</a:t>
             </a:fld>
             <a:endParaRPr lang="en-US"/>
           </a:p>
@@ -5046,7 +5057,7 @@
           <a:p>
             <a:fld id="{2E22E7AC-EA99-400C-BE10-A8DB78B836C1}" type="datetimeFigureOut">
               <a:rPr lang="en-US" smtClean="0"/>
-              <a:t>1/15/2020</a:t>
+              <a:t>16-Jan-20</a:t>
             </a:fld>
             <a:endParaRPr lang="en-US"/>
           </a:p>
@@ -5164,7 +5175,7 @@
           <a:p>
             <a:fld id="{2E22E7AC-EA99-400C-BE10-A8DB78B836C1}" type="datetimeFigureOut">
               <a:rPr lang="en-US" smtClean="0"/>
-              <a:t>1/15/2020</a:t>
+              <a:t>16-Jan-20</a:t>
             </a:fld>
             <a:endParaRPr lang="en-US"/>
           </a:p>
@@ -5448,7 +5459,7 @@
           <a:p>
             <a:fld id="{2E22E7AC-EA99-400C-BE10-A8DB78B836C1}" type="datetimeFigureOut">
               <a:rPr lang="en-US" smtClean="0"/>
-              <a:t>1/15/2020</a:t>
+              <a:t>16-Jan-20</a:t>
             </a:fld>
             <a:endParaRPr lang="en-US"/>
           </a:p>
@@ -5712,7 +5723,7 @@
           <a:p>
             <a:fld id="{2E22E7AC-EA99-400C-BE10-A8DB78B836C1}" type="datetimeFigureOut">
               <a:rPr lang="en-US" smtClean="0"/>
-              <a:t>1/15/2020</a:t>
+              <a:t>16-Jan-20</a:t>
             </a:fld>
             <a:endParaRPr lang="en-US"/>
           </a:p>
@@ -5926,7 +5937,7 @@
           <a:p>
             <a:fld id="{2E22E7AC-EA99-400C-BE10-A8DB78B836C1}" type="datetimeFigureOut">
               <a:rPr lang="en-US" smtClean="0"/>
-              <a:t>1/15/2020</a:t>
+              <a:t>16-Jan-20</a:t>
             </a:fld>
             <a:endParaRPr lang="en-US"/>
           </a:p>
@@ -6529,7 +6540,7 @@
           <a:p>
             <a:fld id="{2E22E7AC-EA99-400C-BE10-A8DB78B836C1}" type="datetimeFigureOut">
               <a:rPr lang="en-US" smtClean="0"/>
-              <a:t>1/15/2020</a:t>
+              <a:t>16-Jan-20</a:t>
             </a:fld>
             <a:endParaRPr lang="en-US"/>
           </a:p>
@@ -7066,10 +7077,10 @@
           <p:cNvPr id="27" name="Rectangle 18">
             <a:extLst>
               <a:ext uri="{FF2B5EF4-FFF2-40B4-BE49-F238E27FC236}">
-                <a16:creationId xmlns="" xmlns:a16="http://schemas.microsoft.com/office/drawing/2014/main" id="{FBDCECDC-EEE3-4128-AA5E-82A8C08796E8}"/>
+                <a16:creationId xmlns:a16="http://schemas.microsoft.com/office/drawing/2014/main" id="{FBDCECDC-EEE3-4128-AA5E-82A8C08796E8}"/>
               </a:ext>
               <a:ext uri="{C183D7F6-B498-43B3-948B-1728B52AA6E4}">
-                <adec:decorative xmlns="" xmlns:adec="http://schemas.microsoft.com/office/drawing/2017/decorative" val="1"/>
+                <adec:decorative xmlns:adec="http://schemas.microsoft.com/office/drawing/2017/decorative" val="1"/>
               </a:ext>
             </a:extLst>
           </p:cNvPr>
@@ -7079,7 +7090,7 @@
           <p:nvPr>
             <p:extLst>
               <p:ext uri="{386F3935-93C4-4BCD-93E2-E3B085C9AB24}">
-                <p16:designElem xmlns="" xmlns:p16="http://schemas.microsoft.com/office/powerpoint/2015/main" val="1"/>
+                <p16:designElem xmlns:p16="http://schemas.microsoft.com/office/powerpoint/2015/main" val="1"/>
               </p:ext>
             </p:extLst>
           </p:nvPr>
@@ -7126,7 +7137,7 @@
           <p:cNvPr id="2" name="כותרת 1">
             <a:extLst>
               <a:ext uri="{FF2B5EF4-FFF2-40B4-BE49-F238E27FC236}">
-                <a16:creationId xmlns="" xmlns:a16="http://schemas.microsoft.com/office/drawing/2014/main" id="{F46A4DF5-F146-4265-9F90-F6C5702BB59E}"/>
+                <a16:creationId xmlns:a16="http://schemas.microsoft.com/office/drawing/2014/main" id="{F46A4DF5-F146-4265-9F90-F6C5702BB59E}"/>
               </a:ext>
             </a:extLst>
           </p:cNvPr>
@@ -7162,10 +7173,10 @@
           <p:cNvPr id="28" name="Rectangle 20">
             <a:extLst>
               <a:ext uri="{FF2B5EF4-FFF2-40B4-BE49-F238E27FC236}">
-                <a16:creationId xmlns="" xmlns:a16="http://schemas.microsoft.com/office/drawing/2014/main" id="{4260EDE0-989C-4E16-AF94-F652294D828E}"/>
+                <a16:creationId xmlns:a16="http://schemas.microsoft.com/office/drawing/2014/main" id="{4260EDE0-989C-4E16-AF94-F652294D828E}"/>
               </a:ext>
               <a:ext uri="{C183D7F6-B498-43B3-948B-1728B52AA6E4}">
-                <adec:decorative xmlns="" xmlns:adec="http://schemas.microsoft.com/office/drawing/2017/decorative" val="1"/>
+                <adec:decorative xmlns:adec="http://schemas.microsoft.com/office/drawing/2017/decorative" val="1"/>
               </a:ext>
             </a:extLst>
           </p:cNvPr>
@@ -7175,7 +7186,7 @@
           <p:nvPr>
             <p:extLst>
               <p:ext uri="{386F3935-93C4-4BCD-93E2-E3B085C9AB24}">
-                <p16:designElem xmlns="" xmlns:p16="http://schemas.microsoft.com/office/powerpoint/2015/main" val="1"/>
+                <p16:designElem xmlns:p16="http://schemas.microsoft.com/office/powerpoint/2015/main" val="1"/>
               </p:ext>
             </p:extLst>
           </p:nvPr>
@@ -7217,7 +7228,7 @@
           <p:cNvPr id="3" name="כותרת משנה 2">
             <a:extLst>
               <a:ext uri="{FF2B5EF4-FFF2-40B4-BE49-F238E27FC236}">
-                <a16:creationId xmlns="" xmlns:a16="http://schemas.microsoft.com/office/drawing/2014/main" id="{8811C02B-688C-47D0-BB89-5B1AFA70B6AC}"/>
+                <a16:creationId xmlns:a16="http://schemas.microsoft.com/office/drawing/2014/main" id="{8811C02B-688C-47D0-BB89-5B1AFA70B6AC}"/>
               </a:ext>
             </a:extLst>
           </p:cNvPr>
@@ -7266,10 +7277,10 @@
           <p:cNvPr id="29" name="Rectangle 22">
             <a:extLst>
               <a:ext uri="{FF2B5EF4-FFF2-40B4-BE49-F238E27FC236}">
-                <a16:creationId xmlns="" xmlns:a16="http://schemas.microsoft.com/office/drawing/2014/main" id="{1F3985C0-E548-44D2-B30E-F3E42DADE133}"/>
+                <a16:creationId xmlns:a16="http://schemas.microsoft.com/office/drawing/2014/main" id="{1F3985C0-E548-44D2-B30E-F3E42DADE133}"/>
               </a:ext>
               <a:ext uri="{C183D7F6-B498-43B3-948B-1728B52AA6E4}">
-                <adec:decorative xmlns="" xmlns:adec="http://schemas.microsoft.com/office/drawing/2017/decorative" val="1"/>
+                <adec:decorative xmlns:adec="http://schemas.microsoft.com/office/drawing/2017/decorative" val="1"/>
               </a:ext>
             </a:extLst>
           </p:cNvPr>
@@ -7279,7 +7290,7 @@
           <p:nvPr>
             <p:extLst>
               <p:ext uri="{386F3935-93C4-4BCD-93E2-E3B085C9AB24}">
-                <p16:designElem xmlns="" xmlns:p16="http://schemas.microsoft.com/office/powerpoint/2015/main" val="1"/>
+                <p16:designElem xmlns:p16="http://schemas.microsoft.com/office/powerpoint/2015/main" val="1"/>
               </p:ext>
             </p:extLst>
           </p:nvPr>
@@ -7359,10 +7370,10 @@
           <p:cNvPr id="10" name="Rectangle 9">
             <a:extLst>
               <a:ext uri="{FF2B5EF4-FFF2-40B4-BE49-F238E27FC236}">
-                <a16:creationId xmlns="" xmlns:a16="http://schemas.microsoft.com/office/drawing/2014/main" id="{4E4490D0-3672-446A-AC12-B4830333BDDD}"/>
+                <a16:creationId xmlns:a16="http://schemas.microsoft.com/office/drawing/2014/main" id="{4E4490D0-3672-446A-AC12-B4830333BDDD}"/>
               </a:ext>
               <a:ext uri="{C183D7F6-B498-43B3-948B-1728B52AA6E4}">
-                <adec:decorative xmlns="" xmlns:adec="http://schemas.microsoft.com/office/drawing/2017/decorative" val="1"/>
+                <adec:decorative xmlns:adec="http://schemas.microsoft.com/office/drawing/2017/decorative" val="1"/>
               </a:ext>
             </a:extLst>
           </p:cNvPr>
@@ -7372,7 +7383,7 @@
           <p:nvPr>
             <p:extLst>
               <p:ext uri="{386F3935-93C4-4BCD-93E2-E3B085C9AB24}">
-                <p16:designElem xmlns="" xmlns:p16="http://schemas.microsoft.com/office/powerpoint/2015/main" val="1"/>
+                <p16:designElem xmlns:p16="http://schemas.microsoft.com/office/powerpoint/2015/main" val="1"/>
               </p:ext>
             </p:extLst>
           </p:nvPr>
@@ -7414,10 +7425,10 @@
           <p:cNvPr id="12" name="Rectangle 11">
             <a:extLst>
               <a:ext uri="{FF2B5EF4-FFF2-40B4-BE49-F238E27FC236}">
-                <a16:creationId xmlns="" xmlns:a16="http://schemas.microsoft.com/office/drawing/2014/main" id="{39CB82C2-DF65-4EC1-8280-F201D50F570B}"/>
+                <a16:creationId xmlns:a16="http://schemas.microsoft.com/office/drawing/2014/main" id="{39CB82C2-DF65-4EC1-8280-F201D50F570B}"/>
               </a:ext>
               <a:ext uri="{C183D7F6-B498-43B3-948B-1728B52AA6E4}">
-                <adec:decorative xmlns="" xmlns:adec="http://schemas.microsoft.com/office/drawing/2017/decorative" val="1"/>
+                <adec:decorative xmlns:adec="http://schemas.microsoft.com/office/drawing/2017/decorative" val="1"/>
               </a:ext>
             </a:extLst>
           </p:cNvPr>
@@ -7427,7 +7438,7 @@
           <p:nvPr>
             <p:extLst>
               <p:ext uri="{386F3935-93C4-4BCD-93E2-E3B085C9AB24}">
-                <p16:designElem xmlns="" xmlns:p16="http://schemas.microsoft.com/office/powerpoint/2015/main" val="1"/>
+                <p16:designElem xmlns:p16="http://schemas.microsoft.com/office/powerpoint/2015/main" val="1"/>
               </p:ext>
             </p:extLst>
           </p:nvPr>
@@ -7469,10 +7480,10 @@
           <p:cNvPr id="14" name="Straight Connector 13">
             <a:extLst>
               <a:ext uri="{FF2B5EF4-FFF2-40B4-BE49-F238E27FC236}">
-                <a16:creationId xmlns="" xmlns:a16="http://schemas.microsoft.com/office/drawing/2014/main" id="{7E1D4427-852B-4B37-8E76-0E9F1810BA2A}"/>
+                <a16:creationId xmlns:a16="http://schemas.microsoft.com/office/drawing/2014/main" id="{7E1D4427-852B-4B37-8E76-0E9F1810BA2A}"/>
               </a:ext>
               <a:ext uri="{C183D7F6-B498-43B3-948B-1728B52AA6E4}">
-                <adec:decorative xmlns="" xmlns:adec="http://schemas.microsoft.com/office/drawing/2017/decorative" val="1"/>
+                <adec:decorative xmlns:adec="http://schemas.microsoft.com/office/drawing/2017/decorative" val="1"/>
               </a:ext>
             </a:extLst>
           </p:cNvPr>
@@ -7482,7 +7493,7 @@
           <p:nvPr>
             <p:extLst>
               <p:ext uri="{386F3935-93C4-4BCD-93E2-E3B085C9AB24}">
-                <p16:designElem xmlns="" xmlns:p16="http://schemas.microsoft.com/office/powerpoint/2015/main" val="1"/>
+                <p16:designElem xmlns:p16="http://schemas.microsoft.com/office/powerpoint/2015/main" val="1"/>
               </p:ext>
             </p:extLst>
           </p:nvPr>
@@ -7524,10 +7535,10 @@
           <p:cNvPr id="16" name="Rectangle 15">
             <a:extLst>
               <a:ext uri="{FF2B5EF4-FFF2-40B4-BE49-F238E27FC236}">
-                <a16:creationId xmlns="" xmlns:a16="http://schemas.microsoft.com/office/drawing/2014/main" id="{FA4CD5CB-D209-4D70-8CA4-629731C59219}"/>
+                <a16:creationId xmlns:a16="http://schemas.microsoft.com/office/drawing/2014/main" id="{FA4CD5CB-D209-4D70-8CA4-629731C59219}"/>
               </a:ext>
               <a:ext uri="{C183D7F6-B498-43B3-948B-1728B52AA6E4}">
-                <adec:decorative xmlns="" xmlns:adec="http://schemas.microsoft.com/office/drawing/2017/decorative" val="1"/>
+                <adec:decorative xmlns:adec="http://schemas.microsoft.com/office/drawing/2017/decorative" val="1"/>
               </a:ext>
             </a:extLst>
           </p:cNvPr>
@@ -7537,7 +7548,7 @@
           <p:nvPr>
             <p:extLst>
               <p:ext uri="{386F3935-93C4-4BCD-93E2-E3B085C9AB24}">
-                <p16:designElem xmlns="" xmlns:p16="http://schemas.microsoft.com/office/powerpoint/2015/main" val="1"/>
+                <p16:designElem xmlns:p16="http://schemas.microsoft.com/office/powerpoint/2015/main" val="1"/>
               </p:ext>
             </p:extLst>
           </p:nvPr>
@@ -7584,7 +7595,7 @@
           <p:cNvPr id="5" name="TextBox 4">
             <a:extLst>
               <a:ext uri="{FF2B5EF4-FFF2-40B4-BE49-F238E27FC236}">
-                <a16:creationId xmlns="" xmlns:a16="http://schemas.microsoft.com/office/drawing/2014/main" id="{B768DD4C-6FF2-4C85-A543-AA79933E76A6}"/>
+                <a16:creationId xmlns:a16="http://schemas.microsoft.com/office/drawing/2014/main" id="{B768DD4C-6FF2-4C85-A543-AA79933E76A6}"/>
               </a:ext>
             </a:extLst>
           </p:cNvPr>
@@ -7639,7 +7650,7 @@
           <p:cNvPr id="4" name="Picture 3">
             <a:extLst>
               <a:ext uri="{FF2B5EF4-FFF2-40B4-BE49-F238E27FC236}">
-                <a16:creationId xmlns="" xmlns:a16="http://schemas.microsoft.com/office/drawing/2014/main" id="{D60F6278-187B-4552-A8DE-398A0BDB1F59}"/>
+                <a16:creationId xmlns:a16="http://schemas.microsoft.com/office/drawing/2014/main" id="{D60F6278-187B-4552-A8DE-398A0BDB1F59}"/>
               </a:ext>
             </a:extLst>
           </p:cNvPr>
@@ -7669,10 +7680,10 @@
           <p:cNvPr id="18" name="Straight Connector 17">
             <a:extLst>
               <a:ext uri="{FF2B5EF4-FFF2-40B4-BE49-F238E27FC236}">
-                <a16:creationId xmlns="" xmlns:a16="http://schemas.microsoft.com/office/drawing/2014/main" id="{5C6A2BAE-B461-4B55-8E1F-0722ABDD1393}"/>
+                <a16:creationId xmlns:a16="http://schemas.microsoft.com/office/drawing/2014/main" id="{5C6A2BAE-B461-4B55-8E1F-0722ABDD1393}"/>
               </a:ext>
               <a:ext uri="{C183D7F6-B498-43B3-948B-1728B52AA6E4}">
-                <adec:decorative xmlns="" xmlns:adec="http://schemas.microsoft.com/office/drawing/2017/decorative" val="1"/>
+                <adec:decorative xmlns:adec="http://schemas.microsoft.com/office/drawing/2017/decorative" val="1"/>
               </a:ext>
             </a:extLst>
           </p:cNvPr>
@@ -7682,7 +7693,7 @@
           <p:nvPr>
             <p:extLst>
               <p:ext uri="{386F3935-93C4-4BCD-93E2-E3B085C9AB24}">
-                <p16:designElem xmlns="" xmlns:p16="http://schemas.microsoft.com/office/powerpoint/2015/main" val="1"/>
+                <p16:designElem xmlns:p16="http://schemas.microsoft.com/office/powerpoint/2015/main" val="1"/>
               </p:ext>
             </p:extLst>
           </p:nvPr>
@@ -7723,10 +7734,10 @@
           <p:cNvPr id="20" name="Rectangle 19">
             <a:extLst>
               <a:ext uri="{FF2B5EF4-FFF2-40B4-BE49-F238E27FC236}">
-                <a16:creationId xmlns="" xmlns:a16="http://schemas.microsoft.com/office/drawing/2014/main" id="{B4C27B90-DF2B-4D00-BA07-18ED774CD2F1}"/>
+                <a16:creationId xmlns:a16="http://schemas.microsoft.com/office/drawing/2014/main" id="{B4C27B90-DF2B-4D00-BA07-18ED774CD2F1}"/>
               </a:ext>
               <a:ext uri="{C183D7F6-B498-43B3-948B-1728B52AA6E4}">
-                <adec:decorative xmlns="" xmlns:adec="http://schemas.microsoft.com/office/drawing/2017/decorative" val="1"/>
+                <adec:decorative xmlns:adec="http://schemas.microsoft.com/office/drawing/2017/decorative" val="1"/>
               </a:ext>
             </a:extLst>
           </p:cNvPr>
@@ -7736,7 +7747,7 @@
           <p:nvPr>
             <p:extLst>
               <p:ext uri="{386F3935-93C4-4BCD-93E2-E3B085C9AB24}">
-                <p16:designElem xmlns="" xmlns:p16="http://schemas.microsoft.com/office/powerpoint/2015/main" val="1"/>
+                <p16:designElem xmlns:p16="http://schemas.microsoft.com/office/powerpoint/2015/main" val="1"/>
               </p:ext>
             </p:extLst>
           </p:nvPr>
@@ -7778,10 +7789,10 @@
           <p:cNvPr id="22" name="Rectangle 21">
             <a:extLst>
               <a:ext uri="{FF2B5EF4-FFF2-40B4-BE49-F238E27FC236}">
-                <a16:creationId xmlns="" xmlns:a16="http://schemas.microsoft.com/office/drawing/2014/main" id="{593ACC25-C262-417A-8AA9-0641C772BDB6}"/>
+                <a16:creationId xmlns:a16="http://schemas.microsoft.com/office/drawing/2014/main" id="{593ACC25-C262-417A-8AA9-0641C772BDB6}"/>
               </a:ext>
               <a:ext uri="{C183D7F6-B498-43B3-948B-1728B52AA6E4}">
-                <adec:decorative xmlns="" xmlns:adec="http://schemas.microsoft.com/office/drawing/2017/decorative" val="1"/>
+                <adec:decorative xmlns:adec="http://schemas.microsoft.com/office/drawing/2017/decorative" val="1"/>
               </a:ext>
             </a:extLst>
           </p:cNvPr>
@@ -7791,7 +7802,7 @@
           <p:nvPr>
             <p:extLst>
               <p:ext uri="{386F3935-93C4-4BCD-93E2-E3B085C9AB24}">
-                <p16:designElem xmlns="" xmlns:p16="http://schemas.microsoft.com/office/powerpoint/2015/main" val="1"/>
+                <p16:designElem xmlns:p16="http://schemas.microsoft.com/office/powerpoint/2015/main" val="1"/>
               </p:ext>
             </p:extLst>
           </p:nvPr>
@@ -7871,10 +7882,10 @@
           <p:cNvPr id="10" name="Rectangle 9">
             <a:extLst>
               <a:ext uri="{FF2B5EF4-FFF2-40B4-BE49-F238E27FC236}">
-                <a16:creationId xmlns="" xmlns:a16="http://schemas.microsoft.com/office/drawing/2014/main" id="{4E4490D0-3672-446A-AC12-B4830333BDDD}"/>
+                <a16:creationId xmlns:a16="http://schemas.microsoft.com/office/drawing/2014/main" id="{4E4490D0-3672-446A-AC12-B4830333BDDD}"/>
               </a:ext>
               <a:ext uri="{C183D7F6-B498-43B3-948B-1728B52AA6E4}">
-                <adec:decorative xmlns="" xmlns:adec="http://schemas.microsoft.com/office/drawing/2017/decorative" val="1"/>
+                <adec:decorative xmlns:adec="http://schemas.microsoft.com/office/drawing/2017/decorative" val="1"/>
               </a:ext>
             </a:extLst>
           </p:cNvPr>
@@ -7884,7 +7895,7 @@
           <p:nvPr>
             <p:extLst>
               <p:ext uri="{386F3935-93C4-4BCD-93E2-E3B085C9AB24}">
-                <p16:designElem xmlns="" xmlns:p16="http://schemas.microsoft.com/office/powerpoint/2015/main" val="1"/>
+                <p16:designElem xmlns:p16="http://schemas.microsoft.com/office/powerpoint/2015/main" val="1"/>
               </p:ext>
             </p:extLst>
           </p:nvPr>
@@ -7926,10 +7937,10 @@
           <p:cNvPr id="12" name="Rectangle 11">
             <a:extLst>
               <a:ext uri="{FF2B5EF4-FFF2-40B4-BE49-F238E27FC236}">
-                <a16:creationId xmlns="" xmlns:a16="http://schemas.microsoft.com/office/drawing/2014/main" id="{39CB82C2-DF65-4EC1-8280-F201D50F570B}"/>
+                <a16:creationId xmlns:a16="http://schemas.microsoft.com/office/drawing/2014/main" id="{39CB82C2-DF65-4EC1-8280-F201D50F570B}"/>
               </a:ext>
               <a:ext uri="{C183D7F6-B498-43B3-948B-1728B52AA6E4}">
-                <adec:decorative xmlns="" xmlns:adec="http://schemas.microsoft.com/office/drawing/2017/decorative" val="1"/>
+                <adec:decorative xmlns:adec="http://schemas.microsoft.com/office/drawing/2017/decorative" val="1"/>
               </a:ext>
             </a:extLst>
           </p:cNvPr>
@@ -7939,7 +7950,7 @@
           <p:nvPr>
             <p:extLst>
               <p:ext uri="{386F3935-93C4-4BCD-93E2-E3B085C9AB24}">
-                <p16:designElem xmlns="" xmlns:p16="http://schemas.microsoft.com/office/powerpoint/2015/main" val="1"/>
+                <p16:designElem xmlns:p16="http://schemas.microsoft.com/office/powerpoint/2015/main" val="1"/>
               </p:ext>
             </p:extLst>
           </p:nvPr>
@@ -7981,10 +7992,10 @@
           <p:cNvPr id="14" name="Straight Connector 13">
             <a:extLst>
               <a:ext uri="{FF2B5EF4-FFF2-40B4-BE49-F238E27FC236}">
-                <a16:creationId xmlns="" xmlns:a16="http://schemas.microsoft.com/office/drawing/2014/main" id="{7E1D4427-852B-4B37-8E76-0E9F1810BA2A}"/>
+                <a16:creationId xmlns:a16="http://schemas.microsoft.com/office/drawing/2014/main" id="{7E1D4427-852B-4B37-8E76-0E9F1810BA2A}"/>
               </a:ext>
               <a:ext uri="{C183D7F6-B498-43B3-948B-1728B52AA6E4}">
-                <adec:decorative xmlns="" xmlns:adec="http://schemas.microsoft.com/office/drawing/2017/decorative" val="1"/>
+                <adec:decorative xmlns:adec="http://schemas.microsoft.com/office/drawing/2017/decorative" val="1"/>
               </a:ext>
             </a:extLst>
           </p:cNvPr>
@@ -7994,7 +8005,7 @@
           <p:nvPr>
             <p:extLst>
               <p:ext uri="{386F3935-93C4-4BCD-93E2-E3B085C9AB24}">
-                <p16:designElem xmlns="" xmlns:p16="http://schemas.microsoft.com/office/powerpoint/2015/main" val="1"/>
+                <p16:designElem xmlns:p16="http://schemas.microsoft.com/office/powerpoint/2015/main" val="1"/>
               </p:ext>
             </p:extLst>
           </p:nvPr>
@@ -8036,10 +8047,10 @@
           <p:cNvPr id="16" name="Rectangle 15">
             <a:extLst>
               <a:ext uri="{FF2B5EF4-FFF2-40B4-BE49-F238E27FC236}">
-                <a16:creationId xmlns="" xmlns:a16="http://schemas.microsoft.com/office/drawing/2014/main" id="{FA4CD5CB-D209-4D70-8CA4-629731C59219}"/>
+                <a16:creationId xmlns:a16="http://schemas.microsoft.com/office/drawing/2014/main" id="{FA4CD5CB-D209-4D70-8CA4-629731C59219}"/>
               </a:ext>
               <a:ext uri="{C183D7F6-B498-43B3-948B-1728B52AA6E4}">
-                <adec:decorative xmlns="" xmlns:adec="http://schemas.microsoft.com/office/drawing/2017/decorative" val="1"/>
+                <adec:decorative xmlns:adec="http://schemas.microsoft.com/office/drawing/2017/decorative" val="1"/>
               </a:ext>
             </a:extLst>
           </p:cNvPr>
@@ -8049,7 +8060,7 @@
           <p:nvPr>
             <p:extLst>
               <p:ext uri="{386F3935-93C4-4BCD-93E2-E3B085C9AB24}">
-                <p16:designElem xmlns="" xmlns:p16="http://schemas.microsoft.com/office/powerpoint/2015/main" val="1"/>
+                <p16:designElem xmlns:p16="http://schemas.microsoft.com/office/powerpoint/2015/main" val="1"/>
               </p:ext>
             </p:extLst>
           </p:nvPr>
@@ -8096,7 +8107,7 @@
           <p:cNvPr id="5" name="TextBox 4">
             <a:extLst>
               <a:ext uri="{FF2B5EF4-FFF2-40B4-BE49-F238E27FC236}">
-                <a16:creationId xmlns="" xmlns:a16="http://schemas.microsoft.com/office/drawing/2014/main" id="{AFBB741F-B845-4A55-AD94-2DD42560AB8B}"/>
+                <a16:creationId xmlns:a16="http://schemas.microsoft.com/office/drawing/2014/main" id="{AFBB741F-B845-4A55-AD94-2DD42560AB8B}"/>
               </a:ext>
             </a:extLst>
           </p:cNvPr>
@@ -8151,7 +8162,7 @@
           <p:cNvPr id="4" name="Picture 3">
             <a:extLst>
               <a:ext uri="{FF2B5EF4-FFF2-40B4-BE49-F238E27FC236}">
-                <a16:creationId xmlns="" xmlns:a16="http://schemas.microsoft.com/office/drawing/2014/main" id="{8347E1A1-28AD-4D1F-BB9C-0D5EC063B829}"/>
+                <a16:creationId xmlns:a16="http://schemas.microsoft.com/office/drawing/2014/main" id="{8347E1A1-28AD-4D1F-BB9C-0D5EC063B829}"/>
               </a:ext>
             </a:extLst>
           </p:cNvPr>
@@ -8181,10 +8192,10 @@
           <p:cNvPr id="18" name="Straight Connector 17">
             <a:extLst>
               <a:ext uri="{FF2B5EF4-FFF2-40B4-BE49-F238E27FC236}">
-                <a16:creationId xmlns="" xmlns:a16="http://schemas.microsoft.com/office/drawing/2014/main" id="{5C6A2BAE-B461-4B55-8E1F-0722ABDD1393}"/>
+                <a16:creationId xmlns:a16="http://schemas.microsoft.com/office/drawing/2014/main" id="{5C6A2BAE-B461-4B55-8E1F-0722ABDD1393}"/>
               </a:ext>
               <a:ext uri="{C183D7F6-B498-43B3-948B-1728B52AA6E4}">
-                <adec:decorative xmlns="" xmlns:adec="http://schemas.microsoft.com/office/drawing/2017/decorative" val="1"/>
+                <adec:decorative xmlns:adec="http://schemas.microsoft.com/office/drawing/2017/decorative" val="1"/>
               </a:ext>
             </a:extLst>
           </p:cNvPr>
@@ -8194,7 +8205,7 @@
           <p:nvPr>
             <p:extLst>
               <p:ext uri="{386F3935-93C4-4BCD-93E2-E3B085C9AB24}">
-                <p16:designElem xmlns="" xmlns:p16="http://schemas.microsoft.com/office/powerpoint/2015/main" val="1"/>
+                <p16:designElem xmlns:p16="http://schemas.microsoft.com/office/powerpoint/2015/main" val="1"/>
               </p:ext>
             </p:extLst>
           </p:nvPr>
@@ -8235,10 +8246,10 @@
           <p:cNvPr id="20" name="Rectangle 19">
             <a:extLst>
               <a:ext uri="{FF2B5EF4-FFF2-40B4-BE49-F238E27FC236}">
-                <a16:creationId xmlns="" xmlns:a16="http://schemas.microsoft.com/office/drawing/2014/main" id="{B4C27B90-DF2B-4D00-BA07-18ED774CD2F1}"/>
+                <a16:creationId xmlns:a16="http://schemas.microsoft.com/office/drawing/2014/main" id="{B4C27B90-DF2B-4D00-BA07-18ED774CD2F1}"/>
               </a:ext>
               <a:ext uri="{C183D7F6-B498-43B3-948B-1728B52AA6E4}">
-                <adec:decorative xmlns="" xmlns:adec="http://schemas.microsoft.com/office/drawing/2017/decorative" val="1"/>
+                <adec:decorative xmlns:adec="http://schemas.microsoft.com/office/drawing/2017/decorative" val="1"/>
               </a:ext>
             </a:extLst>
           </p:cNvPr>
@@ -8248,7 +8259,7 @@
           <p:nvPr>
             <p:extLst>
               <p:ext uri="{386F3935-93C4-4BCD-93E2-E3B085C9AB24}">
-                <p16:designElem xmlns="" xmlns:p16="http://schemas.microsoft.com/office/powerpoint/2015/main" val="1"/>
+                <p16:designElem xmlns:p16="http://schemas.microsoft.com/office/powerpoint/2015/main" val="1"/>
               </p:ext>
             </p:extLst>
           </p:nvPr>
@@ -8290,10 +8301,10 @@
           <p:cNvPr id="22" name="Rectangle 21">
             <a:extLst>
               <a:ext uri="{FF2B5EF4-FFF2-40B4-BE49-F238E27FC236}">
-                <a16:creationId xmlns="" xmlns:a16="http://schemas.microsoft.com/office/drawing/2014/main" id="{593ACC25-C262-417A-8AA9-0641C772BDB6}"/>
+                <a16:creationId xmlns:a16="http://schemas.microsoft.com/office/drawing/2014/main" id="{593ACC25-C262-417A-8AA9-0641C772BDB6}"/>
               </a:ext>
               <a:ext uri="{C183D7F6-B498-43B3-948B-1728B52AA6E4}">
-                <adec:decorative xmlns="" xmlns:adec="http://schemas.microsoft.com/office/drawing/2017/decorative" val="1"/>
+                <adec:decorative xmlns:adec="http://schemas.microsoft.com/office/drawing/2017/decorative" val="1"/>
               </a:ext>
             </a:extLst>
           </p:cNvPr>
@@ -8303,7 +8314,7 @@
           <p:nvPr>
             <p:extLst>
               <p:ext uri="{386F3935-93C4-4BCD-93E2-E3B085C9AB24}">
-                <p16:designElem xmlns="" xmlns:p16="http://schemas.microsoft.com/office/powerpoint/2015/main" val="1"/>
+                <p16:designElem xmlns:p16="http://schemas.microsoft.com/office/powerpoint/2015/main" val="1"/>
               </p:ext>
             </p:extLst>
           </p:nvPr>
@@ -8383,10 +8394,10 @@
           <p:cNvPr id="9" name="Rectangle 8">
             <a:extLst>
               <a:ext uri="{FF2B5EF4-FFF2-40B4-BE49-F238E27FC236}">
-                <a16:creationId xmlns="" xmlns:a16="http://schemas.microsoft.com/office/drawing/2014/main" id="{52C0B2E1-0268-42EC-ABD3-94F81A05BCBD}"/>
+                <a16:creationId xmlns:a16="http://schemas.microsoft.com/office/drawing/2014/main" id="{52C0B2E1-0268-42EC-ABD3-94F81A05BCBD}"/>
               </a:ext>
               <a:ext uri="{C183D7F6-B498-43B3-948B-1728B52AA6E4}">
-                <adec:decorative xmlns="" xmlns:adec="http://schemas.microsoft.com/office/drawing/2017/decorative" val="1"/>
+                <adec:decorative xmlns:adec="http://schemas.microsoft.com/office/drawing/2017/decorative" val="1"/>
               </a:ext>
             </a:extLst>
           </p:cNvPr>
@@ -8396,7 +8407,7 @@
           <p:nvPr>
             <p:extLst>
               <p:ext uri="{386F3935-93C4-4BCD-93E2-E3B085C9AB24}">
-                <p16:designElem xmlns="" xmlns:p16="http://schemas.microsoft.com/office/powerpoint/2015/main" val="1"/>
+                <p16:designElem xmlns:p16="http://schemas.microsoft.com/office/powerpoint/2015/main" val="1"/>
               </p:ext>
             </p:extLst>
           </p:nvPr>
@@ -8438,10 +8449,10 @@
           <p:cNvPr id="11" name="Rectangle 10">
             <a:extLst>
               <a:ext uri="{FF2B5EF4-FFF2-40B4-BE49-F238E27FC236}">
-                <a16:creationId xmlns="" xmlns:a16="http://schemas.microsoft.com/office/drawing/2014/main" id="{7D2256B4-48EA-40FC-BBC0-AA1EE6E0080C}"/>
+                <a16:creationId xmlns:a16="http://schemas.microsoft.com/office/drawing/2014/main" id="{7D2256B4-48EA-40FC-BBC0-AA1EE6E0080C}"/>
               </a:ext>
               <a:ext uri="{C183D7F6-B498-43B3-948B-1728B52AA6E4}">
-                <adec:decorative xmlns="" xmlns:adec="http://schemas.microsoft.com/office/drawing/2017/decorative" val="1"/>
+                <adec:decorative xmlns:adec="http://schemas.microsoft.com/office/drawing/2017/decorative" val="1"/>
               </a:ext>
             </a:extLst>
           </p:cNvPr>
@@ -8451,7 +8462,7 @@
           <p:nvPr>
             <p:extLst>
               <p:ext uri="{386F3935-93C4-4BCD-93E2-E3B085C9AB24}">
-                <p16:designElem xmlns="" xmlns:p16="http://schemas.microsoft.com/office/powerpoint/2015/main" val="1"/>
+                <p16:designElem xmlns:p16="http://schemas.microsoft.com/office/powerpoint/2015/main" val="1"/>
               </p:ext>
             </p:extLst>
           </p:nvPr>
@@ -8493,10 +8504,10 @@
           <p:cNvPr id="13" name="Straight Connector 12">
             <a:extLst>
               <a:ext uri="{FF2B5EF4-FFF2-40B4-BE49-F238E27FC236}">
-                <a16:creationId xmlns="" xmlns:a16="http://schemas.microsoft.com/office/drawing/2014/main" id="{3D44BCCA-102D-4A9D-B1E4-2450CAF0B05E}"/>
+                <a16:creationId xmlns:a16="http://schemas.microsoft.com/office/drawing/2014/main" id="{3D44BCCA-102D-4A9D-B1E4-2450CAF0B05E}"/>
               </a:ext>
               <a:ext uri="{C183D7F6-B498-43B3-948B-1728B52AA6E4}">
-                <adec:decorative xmlns="" xmlns:adec="http://schemas.microsoft.com/office/drawing/2017/decorative" val="1"/>
+                <adec:decorative xmlns:adec="http://schemas.microsoft.com/office/drawing/2017/decorative" val="1"/>
               </a:ext>
             </a:extLst>
           </p:cNvPr>
@@ -8506,7 +8517,7 @@
           <p:nvPr>
             <p:extLst>
               <p:ext uri="{386F3935-93C4-4BCD-93E2-E3B085C9AB24}">
-                <p16:designElem xmlns="" xmlns:p16="http://schemas.microsoft.com/office/powerpoint/2015/main" val="1"/>
+                <p16:designElem xmlns:p16="http://schemas.microsoft.com/office/powerpoint/2015/main" val="1"/>
               </p:ext>
             </p:extLst>
           </p:nvPr>
@@ -8548,10 +8559,10 @@
           <p:cNvPr id="15" name="Rectangle 14">
             <a:extLst>
               <a:ext uri="{FF2B5EF4-FFF2-40B4-BE49-F238E27FC236}">
-                <a16:creationId xmlns="" xmlns:a16="http://schemas.microsoft.com/office/drawing/2014/main" id="{FBDCECDC-EEE3-4128-AA5E-82A8C08796E8}"/>
+                <a16:creationId xmlns:a16="http://schemas.microsoft.com/office/drawing/2014/main" id="{FBDCECDC-EEE3-4128-AA5E-82A8C08796E8}"/>
               </a:ext>
               <a:ext uri="{C183D7F6-B498-43B3-948B-1728B52AA6E4}">
-                <adec:decorative xmlns="" xmlns:adec="http://schemas.microsoft.com/office/drawing/2017/decorative" val="1"/>
+                <adec:decorative xmlns:adec="http://schemas.microsoft.com/office/drawing/2017/decorative" val="1"/>
               </a:ext>
             </a:extLst>
           </p:cNvPr>
@@ -8561,7 +8572,7 @@
           <p:nvPr>
             <p:extLst>
               <p:ext uri="{386F3935-93C4-4BCD-93E2-E3B085C9AB24}">
-                <p16:designElem xmlns="" xmlns:p16="http://schemas.microsoft.com/office/powerpoint/2015/main" val="1"/>
+                <p16:designElem xmlns:p16="http://schemas.microsoft.com/office/powerpoint/2015/main" val="1"/>
               </p:ext>
             </p:extLst>
           </p:nvPr>
@@ -8608,7 +8619,7 @@
           <p:cNvPr id="4" name="כותרת 3">
             <a:extLst>
               <a:ext uri="{FF2B5EF4-FFF2-40B4-BE49-F238E27FC236}">
-                <a16:creationId xmlns="" xmlns:a16="http://schemas.microsoft.com/office/drawing/2014/main" id="{6C737423-B584-4C64-856F-34D609358AE8}"/>
+                <a16:creationId xmlns:a16="http://schemas.microsoft.com/office/drawing/2014/main" id="{6C737423-B584-4C64-856F-34D609358AE8}"/>
               </a:ext>
             </a:extLst>
           </p:cNvPr>
@@ -8641,7 +8652,29 @@
                   </a:schemeClr>
                 </a:solidFill>
               </a:rPr>
-              <a:t>תכולת</a:t>
+              <a:t>תכ</a:t>
+            </a:r>
+            <a:r>
+              <a:rPr lang="he-IL" sz="8000" dirty="0">
+                <a:solidFill>
+                  <a:schemeClr val="tx1">
+                    <a:lumMod val="85000"/>
+                    <a:lumOff val="15000"/>
+                  </a:schemeClr>
+                </a:solidFill>
+              </a:rPr>
+              <a:t>ו</a:t>
+            </a:r>
+            <a:r>
+              <a:rPr lang="en-US" sz="8000" dirty="0" err="1">
+                <a:solidFill>
+                  <a:schemeClr val="tx1">
+                    <a:lumMod val="85000"/>
+                    <a:lumOff val="15000"/>
+                  </a:schemeClr>
+                </a:solidFill>
+              </a:rPr>
+              <a:t>לת</a:t>
             </a:r>
             <a:r>
               <a:rPr lang="en-US" sz="8000" dirty="0">
@@ -8663,7 +8696,7 @@
                   </a:schemeClr>
                 </a:solidFill>
               </a:rPr>
-              <a:t>הפרוייקט</a:t>
+              <a:t>הפרויקט</a:t>
             </a:r>
             <a:endParaRPr lang="en-US" sz="8000" dirty="0">
               <a:solidFill>
@@ -8681,10 +8714,10 @@
           <p:cNvPr id="17" name="Rectangle 16">
             <a:extLst>
               <a:ext uri="{FF2B5EF4-FFF2-40B4-BE49-F238E27FC236}">
-                <a16:creationId xmlns="" xmlns:a16="http://schemas.microsoft.com/office/drawing/2014/main" id="{4260EDE0-989C-4E16-AF94-F652294D828E}"/>
+                <a16:creationId xmlns:a16="http://schemas.microsoft.com/office/drawing/2014/main" id="{4260EDE0-989C-4E16-AF94-F652294D828E}"/>
               </a:ext>
               <a:ext uri="{C183D7F6-B498-43B3-948B-1728B52AA6E4}">
-                <adec:decorative xmlns="" xmlns:adec="http://schemas.microsoft.com/office/drawing/2017/decorative" val="1"/>
+                <adec:decorative xmlns:adec="http://schemas.microsoft.com/office/drawing/2017/decorative" val="1"/>
               </a:ext>
             </a:extLst>
           </p:cNvPr>
@@ -8694,7 +8727,7 @@
           <p:nvPr>
             <p:extLst>
               <p:ext uri="{386F3935-93C4-4BCD-93E2-E3B085C9AB24}">
-                <p16:designElem xmlns="" xmlns:p16="http://schemas.microsoft.com/office/powerpoint/2015/main" val="1"/>
+                <p16:designElem xmlns:p16="http://schemas.microsoft.com/office/powerpoint/2015/main" val="1"/>
               </p:ext>
             </p:extLst>
           </p:nvPr>
@@ -8736,10 +8769,10 @@
           <p:cNvPr id="19" name="Rectangle 18">
             <a:extLst>
               <a:ext uri="{FF2B5EF4-FFF2-40B4-BE49-F238E27FC236}">
-                <a16:creationId xmlns="" xmlns:a16="http://schemas.microsoft.com/office/drawing/2014/main" id="{1F3985C0-E548-44D2-B30E-F3E42DADE133}"/>
+                <a16:creationId xmlns:a16="http://schemas.microsoft.com/office/drawing/2014/main" id="{1F3985C0-E548-44D2-B30E-F3E42DADE133}"/>
               </a:ext>
               <a:ext uri="{C183D7F6-B498-43B3-948B-1728B52AA6E4}">
-                <adec:decorative xmlns="" xmlns:adec="http://schemas.microsoft.com/office/drawing/2017/decorative" val="1"/>
+                <adec:decorative xmlns:adec="http://schemas.microsoft.com/office/drawing/2017/decorative" val="1"/>
               </a:ext>
             </a:extLst>
           </p:cNvPr>
@@ -8749,7 +8782,7 @@
           <p:nvPr>
             <p:extLst>
               <p:ext uri="{386F3935-93C4-4BCD-93E2-E3B085C9AB24}">
-                <p16:designElem xmlns="" xmlns:p16="http://schemas.microsoft.com/office/powerpoint/2015/main" val="1"/>
+                <p16:designElem xmlns:p16="http://schemas.microsoft.com/office/powerpoint/2015/main" val="1"/>
               </p:ext>
             </p:extLst>
           </p:nvPr>
@@ -8829,7 +8862,7 @@
           <p:cNvPr id="3" name="כותרת 2">
             <a:extLst>
               <a:ext uri="{FF2B5EF4-FFF2-40B4-BE49-F238E27FC236}">
-                <a16:creationId xmlns="" xmlns:a16="http://schemas.microsoft.com/office/drawing/2014/main" id="{009F1594-FC6F-4C04-9B76-4A29FEF74D99}"/>
+                <a16:creationId xmlns:a16="http://schemas.microsoft.com/office/drawing/2014/main" id="{009F1594-FC6F-4C04-9B76-4A29FEF74D99}"/>
               </a:ext>
             </a:extLst>
           </p:cNvPr>
@@ -8855,15 +8888,7 @@
             <a:pPr algn="r"/>
             <a:r>
               <a:rPr lang="he-IL" dirty="0"/>
-              <a:t>תכולת </a:t>
-            </a:r>
-            <a:r>
-              <a:rPr lang="he-IL" dirty="0" err="1"/>
-              <a:t>הפרוייקט</a:t>
-            </a:r>
-            <a:r>
-              <a:rPr lang="he-IL" dirty="0"/>
-              <a:t>:</a:t>
+              <a:t>תכולת הפרויקט:</a:t>
             </a:r>
           </a:p>
         </p:txBody>
@@ -8873,7 +8898,7 @@
           <p:cNvPr id="8" name="Graphic 7">
             <a:extLst>
               <a:ext uri="{FF2B5EF4-FFF2-40B4-BE49-F238E27FC236}">
-                <a16:creationId xmlns="" xmlns:a16="http://schemas.microsoft.com/office/drawing/2014/main" id="{B056BBDD-4071-4A1A-814B-296B658C851F}"/>
+                <a16:creationId xmlns:a16="http://schemas.microsoft.com/office/drawing/2014/main" id="{B056BBDD-4071-4A1A-814B-296B658C851F}"/>
               </a:ext>
             </a:extLst>
           </p:cNvPr>
@@ -8889,7 +8914,7 @@
                 <a14:useLocalDpi xmlns:a14="http://schemas.microsoft.com/office/drawing/2010/main" val="0"/>
               </a:ext>
               <a:ext uri="{96DAC541-7B7A-43D3-8B79-37D633B846F1}">
-                <asvg:svgBlip xmlns="" xmlns:asvg="http://schemas.microsoft.com/office/drawing/2016/SVG/main" r:embed="rId3"/>
+                <asvg:svgBlip xmlns:asvg="http://schemas.microsoft.com/office/drawing/2016/SVG/main" r:embed="rId3"/>
               </a:ext>
             </a:extLst>
           </a:blip>
@@ -8912,7 +8937,7 @@
           <p:cNvPr id="17" name="מציין מיקום תוכן 3">
             <a:extLst>
               <a:ext uri="{FF2B5EF4-FFF2-40B4-BE49-F238E27FC236}">
-                <a16:creationId xmlns="" xmlns:a16="http://schemas.microsoft.com/office/drawing/2014/main" id="{B844BB58-7946-4BB6-A2C1-DA56AB31002E}"/>
+                <a16:creationId xmlns:a16="http://schemas.microsoft.com/office/drawing/2014/main" id="{B844BB58-7946-4BB6-A2C1-DA56AB31002E}"/>
               </a:ext>
             </a:extLst>
           </p:cNvPr>
@@ -9044,15 +9069,7 @@
             </a:pPr>
             <a:r>
               <a:rPr lang="he-IL" sz="1400" dirty="0"/>
-              <a:t> שימוש ב3 </a:t>
-            </a:r>
-            <a:r>
-              <a:rPr lang="he-IL" sz="1400" dirty="0" err="1"/>
-              <a:t>פיטצ'רים</a:t>
-            </a:r>
-            <a:r>
-              <a:rPr lang="he-IL" sz="1400" dirty="0"/>
-              <a:t>:</a:t>
+              <a:t> שימוש ב3 פיצ'רים:</a:t>
             </a:r>
           </a:p>
           <a:p>
@@ -9141,10 +9158,10 @@
           <p:cNvPr id="9" name="Rectangle 8">
             <a:extLst>
               <a:ext uri="{FF2B5EF4-FFF2-40B4-BE49-F238E27FC236}">
-                <a16:creationId xmlns="" xmlns:a16="http://schemas.microsoft.com/office/drawing/2014/main" id="{52C0B2E1-0268-42EC-ABD3-94F81A05BCBD}"/>
+                <a16:creationId xmlns:a16="http://schemas.microsoft.com/office/drawing/2014/main" id="{52C0B2E1-0268-42EC-ABD3-94F81A05BCBD}"/>
               </a:ext>
               <a:ext uri="{C183D7F6-B498-43B3-948B-1728B52AA6E4}">
-                <adec:decorative xmlns="" xmlns:adec="http://schemas.microsoft.com/office/drawing/2017/decorative" val="1"/>
+                <adec:decorative xmlns:adec="http://schemas.microsoft.com/office/drawing/2017/decorative" val="1"/>
               </a:ext>
             </a:extLst>
           </p:cNvPr>
@@ -9154,7 +9171,7 @@
           <p:nvPr>
             <p:extLst>
               <p:ext uri="{386F3935-93C4-4BCD-93E2-E3B085C9AB24}">
-                <p16:designElem xmlns="" xmlns:p16="http://schemas.microsoft.com/office/powerpoint/2015/main" val="1"/>
+                <p16:designElem xmlns:p16="http://schemas.microsoft.com/office/powerpoint/2015/main" val="1"/>
               </p:ext>
             </p:extLst>
           </p:nvPr>
@@ -9196,10 +9213,10 @@
           <p:cNvPr id="11" name="Rectangle 10">
             <a:extLst>
               <a:ext uri="{FF2B5EF4-FFF2-40B4-BE49-F238E27FC236}">
-                <a16:creationId xmlns="" xmlns:a16="http://schemas.microsoft.com/office/drawing/2014/main" id="{7D2256B4-48EA-40FC-BBC0-AA1EE6E0080C}"/>
+                <a16:creationId xmlns:a16="http://schemas.microsoft.com/office/drawing/2014/main" id="{7D2256B4-48EA-40FC-BBC0-AA1EE6E0080C}"/>
               </a:ext>
               <a:ext uri="{C183D7F6-B498-43B3-948B-1728B52AA6E4}">
-                <adec:decorative xmlns="" xmlns:adec="http://schemas.microsoft.com/office/drawing/2017/decorative" val="1"/>
+                <adec:decorative xmlns:adec="http://schemas.microsoft.com/office/drawing/2017/decorative" val="1"/>
               </a:ext>
             </a:extLst>
           </p:cNvPr>
@@ -9209,7 +9226,7 @@
           <p:nvPr>
             <p:extLst>
               <p:ext uri="{386F3935-93C4-4BCD-93E2-E3B085C9AB24}">
-                <p16:designElem xmlns="" xmlns:p16="http://schemas.microsoft.com/office/powerpoint/2015/main" val="1"/>
+                <p16:designElem xmlns:p16="http://schemas.microsoft.com/office/powerpoint/2015/main" val="1"/>
               </p:ext>
             </p:extLst>
           </p:nvPr>
@@ -9251,10 +9268,10 @@
           <p:cNvPr id="13" name="Straight Connector 12">
             <a:extLst>
               <a:ext uri="{FF2B5EF4-FFF2-40B4-BE49-F238E27FC236}">
-                <a16:creationId xmlns="" xmlns:a16="http://schemas.microsoft.com/office/drawing/2014/main" id="{3D44BCCA-102D-4A9D-B1E4-2450CAF0B05E}"/>
+                <a16:creationId xmlns:a16="http://schemas.microsoft.com/office/drawing/2014/main" id="{3D44BCCA-102D-4A9D-B1E4-2450CAF0B05E}"/>
               </a:ext>
               <a:ext uri="{C183D7F6-B498-43B3-948B-1728B52AA6E4}">
-                <adec:decorative xmlns="" xmlns:adec="http://schemas.microsoft.com/office/drawing/2017/decorative" val="1"/>
+                <adec:decorative xmlns:adec="http://schemas.microsoft.com/office/drawing/2017/decorative" val="1"/>
               </a:ext>
             </a:extLst>
           </p:cNvPr>
@@ -9264,7 +9281,7 @@
           <p:nvPr>
             <p:extLst>
               <p:ext uri="{386F3935-93C4-4BCD-93E2-E3B085C9AB24}">
-                <p16:designElem xmlns="" xmlns:p16="http://schemas.microsoft.com/office/powerpoint/2015/main" val="1"/>
+                <p16:designElem xmlns:p16="http://schemas.microsoft.com/office/powerpoint/2015/main" val="1"/>
               </p:ext>
             </p:extLst>
           </p:nvPr>
@@ -9306,10 +9323,10 @@
           <p:cNvPr id="15" name="Rectangle 14">
             <a:extLst>
               <a:ext uri="{FF2B5EF4-FFF2-40B4-BE49-F238E27FC236}">
-                <a16:creationId xmlns="" xmlns:a16="http://schemas.microsoft.com/office/drawing/2014/main" id="{FBDCECDC-EEE3-4128-AA5E-82A8C08796E8}"/>
+                <a16:creationId xmlns:a16="http://schemas.microsoft.com/office/drawing/2014/main" id="{FBDCECDC-EEE3-4128-AA5E-82A8C08796E8}"/>
               </a:ext>
               <a:ext uri="{C183D7F6-B498-43B3-948B-1728B52AA6E4}">
-                <adec:decorative xmlns="" xmlns:adec="http://schemas.microsoft.com/office/drawing/2017/decorative" val="1"/>
+                <adec:decorative xmlns:adec="http://schemas.microsoft.com/office/drawing/2017/decorative" val="1"/>
               </a:ext>
             </a:extLst>
           </p:cNvPr>
@@ -9319,7 +9336,7 @@
           <p:nvPr>
             <p:extLst>
               <p:ext uri="{386F3935-93C4-4BCD-93E2-E3B085C9AB24}">
-                <p16:designElem xmlns="" xmlns:p16="http://schemas.microsoft.com/office/powerpoint/2015/main" val="1"/>
+                <p16:designElem xmlns:p16="http://schemas.microsoft.com/office/powerpoint/2015/main" val="1"/>
               </p:ext>
             </p:extLst>
           </p:nvPr>
@@ -9366,7 +9383,7 @@
           <p:cNvPr id="4" name="כותרת 3">
             <a:extLst>
               <a:ext uri="{FF2B5EF4-FFF2-40B4-BE49-F238E27FC236}">
-                <a16:creationId xmlns="" xmlns:a16="http://schemas.microsoft.com/office/drawing/2014/main" id="{8F6545F3-43D0-42B4-BB47-8B96B4CD9C60}"/>
+                <a16:creationId xmlns:a16="http://schemas.microsoft.com/office/drawing/2014/main" id="{8F6545F3-43D0-42B4-BB47-8B96B4CD9C60}"/>
               </a:ext>
             </a:extLst>
           </p:cNvPr>
@@ -9471,10 +9488,10 @@
           <p:cNvPr id="17" name="Rectangle 16">
             <a:extLst>
               <a:ext uri="{FF2B5EF4-FFF2-40B4-BE49-F238E27FC236}">
-                <a16:creationId xmlns="" xmlns:a16="http://schemas.microsoft.com/office/drawing/2014/main" id="{4260EDE0-989C-4E16-AF94-F652294D828E}"/>
+                <a16:creationId xmlns:a16="http://schemas.microsoft.com/office/drawing/2014/main" id="{4260EDE0-989C-4E16-AF94-F652294D828E}"/>
               </a:ext>
               <a:ext uri="{C183D7F6-B498-43B3-948B-1728B52AA6E4}">
-                <adec:decorative xmlns="" xmlns:adec="http://schemas.microsoft.com/office/drawing/2017/decorative" val="1"/>
+                <adec:decorative xmlns:adec="http://schemas.microsoft.com/office/drawing/2017/decorative" val="1"/>
               </a:ext>
             </a:extLst>
           </p:cNvPr>
@@ -9484,7 +9501,7 @@
           <p:nvPr>
             <p:extLst>
               <p:ext uri="{386F3935-93C4-4BCD-93E2-E3B085C9AB24}">
-                <p16:designElem xmlns="" xmlns:p16="http://schemas.microsoft.com/office/powerpoint/2015/main" val="1"/>
+                <p16:designElem xmlns:p16="http://schemas.microsoft.com/office/powerpoint/2015/main" val="1"/>
               </p:ext>
             </p:extLst>
           </p:nvPr>
@@ -9526,10 +9543,10 @@
           <p:cNvPr id="19" name="Rectangle 18">
             <a:extLst>
               <a:ext uri="{FF2B5EF4-FFF2-40B4-BE49-F238E27FC236}">
-                <a16:creationId xmlns="" xmlns:a16="http://schemas.microsoft.com/office/drawing/2014/main" id="{1F3985C0-E548-44D2-B30E-F3E42DADE133}"/>
+                <a16:creationId xmlns:a16="http://schemas.microsoft.com/office/drawing/2014/main" id="{1F3985C0-E548-44D2-B30E-F3E42DADE133}"/>
               </a:ext>
               <a:ext uri="{C183D7F6-B498-43B3-948B-1728B52AA6E4}">
-                <adec:decorative xmlns="" xmlns:adec="http://schemas.microsoft.com/office/drawing/2017/decorative" val="1"/>
+                <adec:decorative xmlns:adec="http://schemas.microsoft.com/office/drawing/2017/decorative" val="1"/>
               </a:ext>
             </a:extLst>
           </p:cNvPr>
@@ -9539,7 +9556,7 @@
           <p:nvPr>
             <p:extLst>
               <p:ext uri="{386F3935-93C4-4BCD-93E2-E3B085C9AB24}">
-                <p16:designElem xmlns="" xmlns:p16="http://schemas.microsoft.com/office/powerpoint/2015/main" val="1"/>
+                <p16:designElem xmlns:p16="http://schemas.microsoft.com/office/powerpoint/2015/main" val="1"/>
               </p:ext>
             </p:extLst>
           </p:nvPr>
@@ -9619,7 +9636,7 @@
           <p:cNvPr id="2" name="Title 1">
             <a:extLst>
               <a:ext uri="{FF2B5EF4-FFF2-40B4-BE49-F238E27FC236}">
-                <a16:creationId xmlns="" xmlns:a16="http://schemas.microsoft.com/office/drawing/2014/main" id="{2D7B17AA-6FA0-43AB-BB97-D579C0C43E33}"/>
+                <a16:creationId xmlns:a16="http://schemas.microsoft.com/office/drawing/2014/main" id="{2D7B17AA-6FA0-43AB-BB97-D579C0C43E33}"/>
               </a:ext>
             </a:extLst>
           </p:cNvPr>
@@ -9656,7 +9673,7 @@
           <p:cNvPr id="34" name="Content Placeholder 33" descr="A screenshot of a cell phone&#10;&#10;Description automatically generated">
             <a:extLst>
               <a:ext uri="{FF2B5EF4-FFF2-40B4-BE49-F238E27FC236}">
-                <a16:creationId xmlns="" xmlns:a16="http://schemas.microsoft.com/office/drawing/2014/main" id="{7001CD10-6F4B-4886-AB48-F3B70C3DAB8D}"/>
+                <a16:creationId xmlns:a16="http://schemas.microsoft.com/office/drawing/2014/main" id="{7001CD10-6F4B-4886-AB48-F3B70C3DAB8D}"/>
               </a:ext>
             </a:extLst>
           </p:cNvPr>
@@ -9691,7 +9708,7 @@
           <p:cNvPr id="42" name="Picture 41" descr="A screenshot of a cell phone&#10;&#10;Description automatically generated">
             <a:extLst>
               <a:ext uri="{FF2B5EF4-FFF2-40B4-BE49-F238E27FC236}">
-                <a16:creationId xmlns="" xmlns:a16="http://schemas.microsoft.com/office/drawing/2014/main" id="{313D8641-4ED0-4F58-9B92-A3448C51220F}"/>
+                <a16:creationId xmlns:a16="http://schemas.microsoft.com/office/drawing/2014/main" id="{313D8641-4ED0-4F58-9B92-A3448C51220F}"/>
               </a:ext>
             </a:extLst>
           </p:cNvPr>
@@ -9727,7 +9744,7 @@
           <p:cNvPr id="44" name="Picture 43" descr="A screenshot of a cell phone&#10;&#10;Description automatically generated">
             <a:extLst>
               <a:ext uri="{FF2B5EF4-FFF2-40B4-BE49-F238E27FC236}">
-                <a16:creationId xmlns="" xmlns:a16="http://schemas.microsoft.com/office/drawing/2014/main" id="{81174951-B70D-428A-B89E-1DD6610E2A59}"/>
+                <a16:creationId xmlns:a16="http://schemas.microsoft.com/office/drawing/2014/main" id="{81174951-B70D-428A-B89E-1DD6610E2A59}"/>
               </a:ext>
             </a:extLst>
           </p:cNvPr>
@@ -9763,7 +9780,7 @@
           <p:cNvPr id="46" name="Picture 45" descr="A screenshot of a cell phone&#10;&#10;Description automatically generated">
             <a:extLst>
               <a:ext uri="{FF2B5EF4-FFF2-40B4-BE49-F238E27FC236}">
-                <a16:creationId xmlns="" xmlns:a16="http://schemas.microsoft.com/office/drawing/2014/main" id="{F271E0E6-6A1D-46F3-A7A1-1397DF9AF80C}"/>
+                <a16:creationId xmlns:a16="http://schemas.microsoft.com/office/drawing/2014/main" id="{F271E0E6-6A1D-46F3-A7A1-1397DF9AF80C}"/>
               </a:ext>
             </a:extLst>
           </p:cNvPr>
@@ -9965,7 +9982,7 @@
           <p:cNvPr id="2" name="Title 1">
             <a:extLst>
               <a:ext uri="{FF2B5EF4-FFF2-40B4-BE49-F238E27FC236}">
-                <a16:creationId xmlns="" xmlns:a16="http://schemas.microsoft.com/office/drawing/2014/main" id="{06E06E47-BE20-4C3F-939A-F172D4A932A3}"/>
+                <a16:creationId xmlns:a16="http://schemas.microsoft.com/office/drawing/2014/main" id="{06E06E47-BE20-4C3F-939A-F172D4A932A3}"/>
               </a:ext>
             </a:extLst>
           </p:cNvPr>
@@ -10002,7 +10019,7 @@
           <p:cNvPr id="9" name="Picture 8" descr="A screenshot of a cell phone&#10;&#10;Description automatically generated">
             <a:extLst>
               <a:ext uri="{FF2B5EF4-FFF2-40B4-BE49-F238E27FC236}">
-                <a16:creationId xmlns="" xmlns:a16="http://schemas.microsoft.com/office/drawing/2014/main" id="{E06F55B6-7E1B-418B-ABBF-6F88D095C6CD}"/>
+                <a16:creationId xmlns:a16="http://schemas.microsoft.com/office/drawing/2014/main" id="{E06F55B6-7E1B-418B-ABBF-6F88D095C6CD}"/>
               </a:ext>
             </a:extLst>
           </p:cNvPr>
@@ -10038,7 +10055,7 @@
           <p:cNvPr id="11" name="Picture 10" descr="A screenshot of a cell phone&#10;&#10;Description automatically generated">
             <a:extLst>
               <a:ext uri="{FF2B5EF4-FFF2-40B4-BE49-F238E27FC236}">
-                <a16:creationId xmlns="" xmlns:a16="http://schemas.microsoft.com/office/drawing/2014/main" id="{E29948F6-98EC-4968-AE5D-D5AD61D6B061}"/>
+                <a16:creationId xmlns:a16="http://schemas.microsoft.com/office/drawing/2014/main" id="{E29948F6-98EC-4968-AE5D-D5AD61D6B061}"/>
               </a:ext>
             </a:extLst>
           </p:cNvPr>
@@ -10074,7 +10091,7 @@
           <p:cNvPr id="13" name="Picture 12" descr="A screenshot of a cell phone&#10;&#10;Description automatically generated">
             <a:extLst>
               <a:ext uri="{FF2B5EF4-FFF2-40B4-BE49-F238E27FC236}">
-                <a16:creationId xmlns="" xmlns:a16="http://schemas.microsoft.com/office/drawing/2014/main" id="{20C078E5-34B5-443B-9E9E-15E6D0241785}"/>
+                <a16:creationId xmlns:a16="http://schemas.microsoft.com/office/drawing/2014/main" id="{20C078E5-34B5-443B-9E9E-15E6D0241785}"/>
               </a:ext>
             </a:extLst>
           </p:cNvPr>
@@ -10258,7 +10275,7 @@
           <p:cNvPr id="2" name="Title 1">
             <a:extLst>
               <a:ext uri="{FF2B5EF4-FFF2-40B4-BE49-F238E27FC236}">
-                <a16:creationId xmlns="" xmlns:a16="http://schemas.microsoft.com/office/drawing/2014/main" id="{C2ED858B-C75D-435D-B55F-7E3BBE37DE5F}"/>
+                <a16:creationId xmlns:a16="http://schemas.microsoft.com/office/drawing/2014/main" id="{C2ED858B-C75D-435D-B55F-7E3BBE37DE5F}"/>
               </a:ext>
             </a:extLst>
           </p:cNvPr>
@@ -10311,7 +10328,7 @@
           <p:cNvPr id="5" name="מציין מיקום תוכן 4" descr="תמונה שמכילה צילום מסך&#10;&#10;התיאור נוצר באופן אוטומטי">
             <a:extLst>
               <a:ext uri="{FF2B5EF4-FFF2-40B4-BE49-F238E27FC236}">
-                <a16:creationId xmlns="" xmlns:a16="http://schemas.microsoft.com/office/drawing/2014/main" id="{30ED1875-4913-4DED-BB3A-5143FD7A31AD}"/>
+                <a16:creationId xmlns:a16="http://schemas.microsoft.com/office/drawing/2014/main" id="{30ED1875-4913-4DED-BB3A-5143FD7A31AD}"/>
               </a:ext>
             </a:extLst>
           </p:cNvPr>
@@ -10349,7 +10366,7 @@
           <p:cNvPr id="11" name="תמונה 10" descr="תמונה שמכילה צילום מסך&#10;&#10;התיאור נוצר באופן אוטומטי">
             <a:extLst>
               <a:ext uri="{FF2B5EF4-FFF2-40B4-BE49-F238E27FC236}">
-                <a16:creationId xmlns="" xmlns:a16="http://schemas.microsoft.com/office/drawing/2014/main" id="{C32FD41E-C19A-4D6F-952F-2C2028DC7B99}"/>
+                <a16:creationId xmlns:a16="http://schemas.microsoft.com/office/drawing/2014/main" id="{C32FD41E-C19A-4D6F-952F-2C2028DC7B99}"/>
               </a:ext>
             </a:extLst>
           </p:cNvPr>
@@ -10385,7 +10402,7 @@
           <p:cNvPr id="9" name="תמונה 8">
             <a:extLst>
               <a:ext uri="{FF2B5EF4-FFF2-40B4-BE49-F238E27FC236}">
-                <a16:creationId xmlns="" xmlns:a16="http://schemas.microsoft.com/office/drawing/2014/main" id="{3E715CC3-8FB6-4737-9725-0AAAA674DA87}"/>
+                <a16:creationId xmlns:a16="http://schemas.microsoft.com/office/drawing/2014/main" id="{3E715CC3-8FB6-4737-9725-0AAAA674DA87}"/>
               </a:ext>
             </a:extLst>
           </p:cNvPr>
@@ -10421,7 +10438,7 @@
           <p:cNvPr id="7" name="תמונה 6" descr="תמונה שמכילה צילום מסך&#10;&#10;התיאור נוצר באופן אוטומטי">
             <a:extLst>
               <a:ext uri="{FF2B5EF4-FFF2-40B4-BE49-F238E27FC236}">
-                <a16:creationId xmlns="" xmlns:a16="http://schemas.microsoft.com/office/drawing/2014/main" id="{7C25B885-154C-4B06-9975-434939D58E86}"/>
+                <a16:creationId xmlns:a16="http://schemas.microsoft.com/office/drawing/2014/main" id="{7C25B885-154C-4B06-9975-434939D58E86}"/>
               </a:ext>
             </a:extLst>
           </p:cNvPr>
@@ -10559,7 +10576,7 @@
           <p:cNvPr id="2" name="Title 1">
             <a:extLst>
               <a:ext uri="{FF2B5EF4-FFF2-40B4-BE49-F238E27FC236}">
-                <a16:creationId xmlns="" xmlns:a16="http://schemas.microsoft.com/office/drawing/2014/main" id="{DC9BD4DD-5E90-4ABC-A62A-100456B56E01}"/>
+                <a16:creationId xmlns:a16="http://schemas.microsoft.com/office/drawing/2014/main" id="{DC9BD4DD-5E90-4ABC-A62A-100456B56E01}"/>
               </a:ext>
             </a:extLst>
           </p:cNvPr>
@@ -10676,7 +10693,7 @@
           <p:cNvPr id="82" name="תמונה 81" descr="תמונה שמכילה צילום מסך&#10;&#10;התיאור נוצר באופן אוטומטי">
             <a:extLst>
               <a:ext uri="{FF2B5EF4-FFF2-40B4-BE49-F238E27FC236}">
-                <a16:creationId xmlns="" xmlns:a16="http://schemas.microsoft.com/office/drawing/2014/main" id="{AB99367D-C1B8-4385-94FE-770D69267769}"/>
+                <a16:creationId xmlns:a16="http://schemas.microsoft.com/office/drawing/2014/main" id="{AB99367D-C1B8-4385-94FE-770D69267769}"/>
               </a:ext>
             </a:extLst>
           </p:cNvPr>
@@ -10712,7 +10729,7 @@
           <p:cNvPr id="84" name="תמונה 83" descr="תמונה שמכילה צילום מסך&#10;&#10;התיאור נוצר באופן אוטומטי">
             <a:extLst>
               <a:ext uri="{FF2B5EF4-FFF2-40B4-BE49-F238E27FC236}">
-                <a16:creationId xmlns="" xmlns:a16="http://schemas.microsoft.com/office/drawing/2014/main" id="{EDBE7183-74D2-470E-8457-3D395C32BCDA}"/>
+                <a16:creationId xmlns:a16="http://schemas.microsoft.com/office/drawing/2014/main" id="{EDBE7183-74D2-470E-8457-3D395C32BCDA}"/>
               </a:ext>
             </a:extLst>
           </p:cNvPr>
@@ -10748,7 +10765,7 @@
           <p:cNvPr id="86" name="תמונה 85" descr="תמונה שמכילה צילום מסך&#10;&#10;התיאור נוצר באופן אוטומטי">
             <a:extLst>
               <a:ext uri="{FF2B5EF4-FFF2-40B4-BE49-F238E27FC236}">
-                <a16:creationId xmlns="" xmlns:a16="http://schemas.microsoft.com/office/drawing/2014/main" id="{2269275B-75A7-45B3-AABB-F8D780048135}"/>
+                <a16:creationId xmlns:a16="http://schemas.microsoft.com/office/drawing/2014/main" id="{2269275B-75A7-45B3-AABB-F8D780048135}"/>
               </a:ext>
             </a:extLst>
           </p:cNvPr>
@@ -10784,7 +10801,7 @@
           <p:cNvPr id="88" name="תמונה 87" descr="תמונה שמכילה צילום מסך&#10;&#10;התיאור נוצר באופן אוטומטי">
             <a:extLst>
               <a:ext uri="{FF2B5EF4-FFF2-40B4-BE49-F238E27FC236}">
-                <a16:creationId xmlns="" xmlns:a16="http://schemas.microsoft.com/office/drawing/2014/main" id="{A6B701CE-5B9E-47F4-9C3B-82EA83769830}"/>
+                <a16:creationId xmlns:a16="http://schemas.microsoft.com/office/drawing/2014/main" id="{A6B701CE-5B9E-47F4-9C3B-82EA83769830}"/>
               </a:ext>
             </a:extLst>
           </p:cNvPr>
@@ -10820,7 +10837,7 @@
           <p:cNvPr id="90" name="תמונה 89" descr="תמונה שמכילה צילום מסך, מחשב&#10;&#10;התיאור נוצר באופן אוטומטי">
             <a:extLst>
               <a:ext uri="{FF2B5EF4-FFF2-40B4-BE49-F238E27FC236}">
-                <a16:creationId xmlns="" xmlns:a16="http://schemas.microsoft.com/office/drawing/2014/main" id="{7B83D79D-D072-47F2-9D78-53E2DA7A8E73}"/>
+                <a16:creationId xmlns:a16="http://schemas.microsoft.com/office/drawing/2014/main" id="{7B83D79D-D072-47F2-9D78-53E2DA7A8E73}"/>
               </a:ext>
             </a:extLst>
           </p:cNvPr>
@@ -10856,7 +10873,7 @@
           <p:cNvPr id="92" name="תמונה 91" descr="תמונה שמכילה צילום מסך&#10;&#10;התיאור נוצר באופן אוטומטי">
             <a:extLst>
               <a:ext uri="{FF2B5EF4-FFF2-40B4-BE49-F238E27FC236}">
-                <a16:creationId xmlns="" xmlns:a16="http://schemas.microsoft.com/office/drawing/2014/main" id="{F0080E69-83E0-4E05-AD18-97D511A884BE}"/>
+                <a16:creationId xmlns:a16="http://schemas.microsoft.com/office/drawing/2014/main" id="{F0080E69-83E0-4E05-AD18-97D511A884BE}"/>
               </a:ext>
             </a:extLst>
           </p:cNvPr>
@@ -10922,7 +10939,7 @@
           <p:cNvPr id="2" name="Title 1">
             <a:extLst>
               <a:ext uri="{FF2B5EF4-FFF2-40B4-BE49-F238E27FC236}">
-                <a16:creationId xmlns="" xmlns:a16="http://schemas.microsoft.com/office/drawing/2014/main" id="{63157459-B96A-488B-B105-B3AFE08A4A3E}"/>
+                <a16:creationId xmlns:a16="http://schemas.microsoft.com/office/drawing/2014/main" id="{63157459-B96A-488B-B105-B3AFE08A4A3E}"/>
               </a:ext>
             </a:extLst>
           </p:cNvPr>
@@ -10957,7 +10974,7 @@
           <p:cNvPr id="85" name="מציין מיקום תוכן 84" descr="תמונה שמכילה צילום מסך&#10;&#10;התיאור נוצר באופן אוטומטי">
             <a:extLst>
               <a:ext uri="{FF2B5EF4-FFF2-40B4-BE49-F238E27FC236}">
-                <a16:creationId xmlns="" xmlns:a16="http://schemas.microsoft.com/office/drawing/2014/main" id="{D19A1BDF-807F-413F-B233-0DC7F831FA72}"/>
+                <a16:creationId xmlns:a16="http://schemas.microsoft.com/office/drawing/2014/main" id="{D19A1BDF-807F-413F-B233-0DC7F831FA72}"/>
               </a:ext>
             </a:extLst>
           </p:cNvPr>
@@ -10992,7 +11009,7 @@
           <p:cNvPr id="87" name="תמונה 86" descr="תמונה שמכילה צילום מסך&#10;&#10;התיאור נוצר באופן אוטומטי">
             <a:extLst>
               <a:ext uri="{FF2B5EF4-FFF2-40B4-BE49-F238E27FC236}">
-                <a16:creationId xmlns="" xmlns:a16="http://schemas.microsoft.com/office/drawing/2014/main" id="{91F5779A-9BD3-4D7D-970F-2D0870FBA3D2}"/>
+                <a16:creationId xmlns:a16="http://schemas.microsoft.com/office/drawing/2014/main" id="{91F5779A-9BD3-4D7D-970F-2D0870FBA3D2}"/>
               </a:ext>
             </a:extLst>
           </p:cNvPr>
@@ -11028,7 +11045,7 @@
           <p:cNvPr id="89" name="תמונה 88" descr="תמונה שמכילה צילום מסך&#10;&#10;התיאור נוצר באופן אוטומטי">
             <a:extLst>
               <a:ext uri="{FF2B5EF4-FFF2-40B4-BE49-F238E27FC236}">
-                <a16:creationId xmlns="" xmlns:a16="http://schemas.microsoft.com/office/drawing/2014/main" id="{EECC3350-5B65-4944-8EB9-EAABAB735DC7}"/>
+                <a16:creationId xmlns:a16="http://schemas.microsoft.com/office/drawing/2014/main" id="{EECC3350-5B65-4944-8EB9-EAABAB735DC7}"/>
               </a:ext>
             </a:extLst>
           </p:cNvPr>
@@ -11094,7 +11111,7 @@
           <p:cNvPr id="8" name="Table 7">
             <a:extLst>
               <a:ext uri="{FF2B5EF4-FFF2-40B4-BE49-F238E27FC236}">
-                <a16:creationId xmlns="" xmlns:a16="http://schemas.microsoft.com/office/drawing/2014/main" id="{C40E65C8-44D7-476B-AC44-85BE3257C364}"/>
+                <a16:creationId xmlns:a16="http://schemas.microsoft.com/office/drawing/2014/main" id="{C40E65C8-44D7-476B-AC44-85BE3257C364}"/>
               </a:ext>
             </a:extLst>
           </p:cNvPr>
@@ -11111,7 +11128,7 @@
         </p:nvGraphicFramePr>
         <p:xfrm>
           <a:off x="409574" y="214421"/>
-          <a:ext cx="6080760" cy="1173988"/>
+          <a:ext cx="6080760" cy="1114808"/>
         </p:xfrm>
         <a:graphic>
           <a:graphicData uri="http://schemas.openxmlformats.org/drawingml/2006/table">
@@ -11123,21 +11140,21 @@
                 <a:gridCol w="2026920">
                   <a:extLst>
                     <a:ext uri="{9D8B030D-6E8A-4147-A177-3AD203B41FA5}">
-                      <a16:colId xmlns="" xmlns:a16="http://schemas.microsoft.com/office/drawing/2014/main" val="40926759"/>
+                      <a16:colId xmlns:a16="http://schemas.microsoft.com/office/drawing/2014/main" val="40926759"/>
                     </a:ext>
                   </a:extLst>
                 </a:gridCol>
                 <a:gridCol w="2026920">
                   <a:extLst>
                     <a:ext uri="{9D8B030D-6E8A-4147-A177-3AD203B41FA5}">
-                      <a16:colId xmlns="" xmlns:a16="http://schemas.microsoft.com/office/drawing/2014/main" val="366659124"/>
+                      <a16:colId xmlns:a16="http://schemas.microsoft.com/office/drawing/2014/main" val="366659124"/>
                     </a:ext>
                   </a:extLst>
                 </a:gridCol>
                 <a:gridCol w="2026920">
                   <a:extLst>
                     <a:ext uri="{9D8B030D-6E8A-4147-A177-3AD203B41FA5}">
-                      <a16:colId xmlns="" xmlns:a16="http://schemas.microsoft.com/office/drawing/2014/main" val="670880479"/>
+                      <a16:colId xmlns:a16="http://schemas.microsoft.com/office/drawing/2014/main" val="670880479"/>
                     </a:ext>
                   </a:extLst>
                 </a:gridCol>
@@ -11241,7 +11258,7 @@
                 </a:tc>
                 <a:extLst>
                   <a:ext uri="{0D108BD9-81ED-4DB2-BD59-A6C34878D82A}">
-                    <a16:rowId xmlns="" xmlns:a16="http://schemas.microsoft.com/office/drawing/2014/main" val="3254126547"/>
+                    <a16:rowId xmlns:a16="http://schemas.microsoft.com/office/drawing/2014/main" val="3254126547"/>
                   </a:ext>
                 </a:extLst>
               </a:tr>
@@ -11344,7 +11361,7 @@
                 </a:tc>
                 <a:extLst>
                   <a:ext uri="{0D108BD9-81ED-4DB2-BD59-A6C34878D82A}">
-                    <a16:rowId xmlns="" xmlns:a16="http://schemas.microsoft.com/office/drawing/2014/main" val="2951860511"/>
+                    <a16:rowId xmlns:a16="http://schemas.microsoft.com/office/drawing/2014/main" val="2951860511"/>
                   </a:ext>
                 </a:extLst>
               </a:tr>
@@ -11447,7 +11464,7 @@
                 </a:tc>
                 <a:extLst>
                   <a:ext uri="{0D108BD9-81ED-4DB2-BD59-A6C34878D82A}">
-                    <a16:rowId xmlns="" xmlns:a16="http://schemas.microsoft.com/office/drawing/2014/main" val="4035806821"/>
+                    <a16:rowId xmlns:a16="http://schemas.microsoft.com/office/drawing/2014/main" val="4035806821"/>
                   </a:ext>
                 </a:extLst>
               </a:tr>
@@ -11550,7 +11567,7 @@
                 </a:tc>
                 <a:extLst>
                   <a:ext uri="{0D108BD9-81ED-4DB2-BD59-A6C34878D82A}">
-                    <a16:rowId xmlns="" xmlns:a16="http://schemas.microsoft.com/office/drawing/2014/main" val="2414134720"/>
+                    <a16:rowId xmlns:a16="http://schemas.microsoft.com/office/drawing/2014/main" val="2414134720"/>
                   </a:ext>
                 </a:extLst>
               </a:tr>
@@ -11563,7 +11580,7 @@
           <p:cNvPr id="9" name="Rectangle 5">
             <a:extLst>
               <a:ext uri="{FF2B5EF4-FFF2-40B4-BE49-F238E27FC236}">
-                <a16:creationId xmlns="" xmlns:a16="http://schemas.microsoft.com/office/drawing/2014/main" id="{483CB257-3E00-415C-BA78-C4862D7B73EB}"/>
+                <a16:creationId xmlns:a16="http://schemas.microsoft.com/office/drawing/2014/main" id="{483CB257-3E00-415C-BA78-C4862D7B73EB}"/>
               </a:ext>
             </a:extLst>
           </p:cNvPr>
@@ -11811,37 +11828,7 @@
                 <a:ea typeface="Calibri" panose="020F0502020204030204" pitchFamily="34" charset="0"/>
                 <a:cs typeface="Arial" panose="020B0604020202020204" pitchFamily="34" charset="0"/>
               </a:rPr>
-              <a:t>לספק שירות נוח </a:t>
-            </a:r>
-            <a:r>
-              <a:rPr kumimoji="0" lang="he-IL" altLang="en-US" sz="1600" b="0" i="0" u="none" strike="noStrike" cap="none" normalizeH="0" baseline="0" dirty="0" err="1">
-                <a:ln>
-                  <a:noFill/>
-                </a:ln>
-                <a:solidFill>
-                  <a:schemeClr val="tx1"/>
-                </a:solidFill>
-                <a:effectLst/>
-                <a:latin typeface="Calibri" panose="020F0502020204030204" pitchFamily="34" charset="0"/>
-                <a:ea typeface="Calibri" panose="020F0502020204030204" pitchFamily="34" charset="0"/>
-                <a:cs typeface="Arial" panose="020B0604020202020204" pitchFamily="34" charset="0"/>
-              </a:rPr>
-              <a:t>ללוקוחות</a:t>
-            </a:r>
-            <a:r>
-              <a:rPr kumimoji="0" lang="he-IL" altLang="en-US" sz="1600" b="0" i="0" u="none" strike="noStrike" cap="none" normalizeH="0" baseline="0" dirty="0">
-                <a:ln>
-                  <a:noFill/>
-                </a:ln>
-                <a:solidFill>
-                  <a:schemeClr val="tx1"/>
-                </a:solidFill>
-                <a:effectLst/>
-                <a:latin typeface="Calibri" panose="020F0502020204030204" pitchFamily="34" charset="0"/>
-                <a:ea typeface="Calibri" panose="020F0502020204030204" pitchFamily="34" charset="0"/>
-                <a:cs typeface="Arial" panose="020B0604020202020204" pitchFamily="34" charset="0"/>
-              </a:rPr>
-              <a:t> חדר כושר ומערכת ניהול אפקטיבית לעובדי המקום</a:t>
+              <a:t>לספק שירות נוח ללקוחות חדר כושר ומערכת ניהול אפקטיבית לעובדי המקום</a:t>
             </a:r>
             <a:r>
               <a:rPr kumimoji="0" lang="en-US" altLang="en-US" sz="1600" b="0" i="0" u="none" strike="noStrike" cap="none" normalizeH="0" baseline="0" dirty="0">
@@ -12072,21 +12059,6 @@
               <a:t> </a:t>
             </a:r>
             <a:r>
-              <a:rPr kumimoji="0" lang="he-IL" altLang="en-US" sz="1600" b="0" i="0" u="none" strike="noStrike" cap="none" normalizeH="0" baseline="0" dirty="0" err="1">
-                <a:ln>
-                  <a:noFill/>
-                </a:ln>
-                <a:solidFill>
-                  <a:schemeClr val="tx1"/>
-                </a:solidFill>
-                <a:effectLst/>
-                <a:latin typeface="Calibri" panose="020F0502020204030204" pitchFamily="34" charset="0"/>
-                <a:ea typeface="Calibri" panose="020F0502020204030204" pitchFamily="34" charset="0"/>
-                <a:cs typeface="Arial" panose="020B0604020202020204" pitchFamily="34" charset="0"/>
-              </a:rPr>
-              <a:t>המעכרת</a:t>
-            </a:r>
-            <a:r>
               <a:rPr kumimoji="0" lang="he-IL" altLang="en-US" sz="1600" b="0" i="0" u="none" strike="noStrike" cap="none" normalizeH="0" baseline="0" dirty="0">
                 <a:ln>
                   <a:noFill/>
@@ -12099,7 +12071,7 @@
                 <a:ea typeface="Calibri" panose="020F0502020204030204" pitchFamily="34" charset="0"/>
                 <a:cs typeface="Arial" panose="020B0604020202020204" pitchFamily="34" charset="0"/>
               </a:rPr>
-              <a:t> מאפשרת זיהוי בין 'אורח', 'חבר', </a:t>
+              <a:t>המערכת מאפשרת זיהוי בין 'אורח', 'חבר', </a:t>
             </a:r>
             <a:r>
               <a:rPr kumimoji="0" lang="en-US" altLang="en-US" sz="1600" b="0" i="0" u="none" strike="noStrike" cap="none" normalizeH="0" baseline="0" dirty="0">
@@ -12306,7 +12278,7 @@
           <p:cNvPr id="10" name="Rectangle 6">
             <a:extLst>
               <a:ext uri="{FF2B5EF4-FFF2-40B4-BE49-F238E27FC236}">
-                <a16:creationId xmlns="" xmlns:a16="http://schemas.microsoft.com/office/drawing/2014/main" id="{04EC9030-5029-4B93-AC73-41B517F2D3B1}"/>
+                <a16:creationId xmlns:a16="http://schemas.microsoft.com/office/drawing/2014/main" id="{04EC9030-5029-4B93-AC73-41B517F2D3B1}"/>
               </a:ext>
             </a:extLst>
           </p:cNvPr>
@@ -12413,10 +12385,10 @@
           <p:cNvPr id="9" name="Rectangle 8">
             <a:extLst>
               <a:ext uri="{FF2B5EF4-FFF2-40B4-BE49-F238E27FC236}">
-                <a16:creationId xmlns="" xmlns:a16="http://schemas.microsoft.com/office/drawing/2014/main" id="{52C0B2E1-0268-42EC-ABD3-94F81A05BCBD}"/>
+                <a16:creationId xmlns:a16="http://schemas.microsoft.com/office/drawing/2014/main" id="{52C0B2E1-0268-42EC-ABD3-94F81A05BCBD}"/>
               </a:ext>
               <a:ext uri="{C183D7F6-B498-43B3-948B-1728B52AA6E4}">
-                <adec:decorative xmlns="" xmlns:adec="http://schemas.microsoft.com/office/drawing/2017/decorative" val="1"/>
+                <adec:decorative xmlns:adec="http://schemas.microsoft.com/office/drawing/2017/decorative" val="1"/>
               </a:ext>
             </a:extLst>
           </p:cNvPr>
@@ -12426,7 +12398,7 @@
           <p:nvPr>
             <p:extLst>
               <p:ext uri="{386F3935-93C4-4BCD-93E2-E3B085C9AB24}">
-                <p16:designElem xmlns="" xmlns:p16="http://schemas.microsoft.com/office/powerpoint/2015/main" val="1"/>
+                <p16:designElem xmlns:p16="http://schemas.microsoft.com/office/powerpoint/2015/main" val="1"/>
               </p:ext>
             </p:extLst>
           </p:nvPr>
@@ -12468,10 +12440,10 @@
           <p:cNvPr id="11" name="Rectangle 10">
             <a:extLst>
               <a:ext uri="{FF2B5EF4-FFF2-40B4-BE49-F238E27FC236}">
-                <a16:creationId xmlns="" xmlns:a16="http://schemas.microsoft.com/office/drawing/2014/main" id="{7D2256B4-48EA-40FC-BBC0-AA1EE6E0080C}"/>
+                <a16:creationId xmlns:a16="http://schemas.microsoft.com/office/drawing/2014/main" id="{7D2256B4-48EA-40FC-BBC0-AA1EE6E0080C}"/>
               </a:ext>
               <a:ext uri="{C183D7F6-B498-43B3-948B-1728B52AA6E4}">
-                <adec:decorative xmlns="" xmlns:adec="http://schemas.microsoft.com/office/drawing/2017/decorative" val="1"/>
+                <adec:decorative xmlns:adec="http://schemas.microsoft.com/office/drawing/2017/decorative" val="1"/>
               </a:ext>
             </a:extLst>
           </p:cNvPr>
@@ -12481,7 +12453,7 @@
           <p:nvPr>
             <p:extLst>
               <p:ext uri="{386F3935-93C4-4BCD-93E2-E3B085C9AB24}">
-                <p16:designElem xmlns="" xmlns:p16="http://schemas.microsoft.com/office/powerpoint/2015/main" val="1"/>
+                <p16:designElem xmlns:p16="http://schemas.microsoft.com/office/powerpoint/2015/main" val="1"/>
               </p:ext>
             </p:extLst>
           </p:nvPr>
@@ -12523,10 +12495,10 @@
           <p:cNvPr id="13" name="Straight Connector 12">
             <a:extLst>
               <a:ext uri="{FF2B5EF4-FFF2-40B4-BE49-F238E27FC236}">
-                <a16:creationId xmlns="" xmlns:a16="http://schemas.microsoft.com/office/drawing/2014/main" id="{3D44BCCA-102D-4A9D-B1E4-2450CAF0B05E}"/>
+                <a16:creationId xmlns:a16="http://schemas.microsoft.com/office/drawing/2014/main" id="{3D44BCCA-102D-4A9D-B1E4-2450CAF0B05E}"/>
               </a:ext>
               <a:ext uri="{C183D7F6-B498-43B3-948B-1728B52AA6E4}">
-                <adec:decorative xmlns="" xmlns:adec="http://schemas.microsoft.com/office/drawing/2017/decorative" val="1"/>
+                <adec:decorative xmlns:adec="http://schemas.microsoft.com/office/drawing/2017/decorative" val="1"/>
               </a:ext>
             </a:extLst>
           </p:cNvPr>
@@ -12536,7 +12508,7 @@
           <p:nvPr>
             <p:extLst>
               <p:ext uri="{386F3935-93C4-4BCD-93E2-E3B085C9AB24}">
-                <p16:designElem xmlns="" xmlns:p16="http://schemas.microsoft.com/office/powerpoint/2015/main" val="1"/>
+                <p16:designElem xmlns:p16="http://schemas.microsoft.com/office/powerpoint/2015/main" val="1"/>
               </p:ext>
             </p:extLst>
           </p:nvPr>
@@ -12578,10 +12550,10 @@
           <p:cNvPr id="15" name="Rectangle 14">
             <a:extLst>
               <a:ext uri="{FF2B5EF4-FFF2-40B4-BE49-F238E27FC236}">
-                <a16:creationId xmlns="" xmlns:a16="http://schemas.microsoft.com/office/drawing/2014/main" id="{FBDCECDC-EEE3-4128-AA5E-82A8C08796E8}"/>
+                <a16:creationId xmlns:a16="http://schemas.microsoft.com/office/drawing/2014/main" id="{FBDCECDC-EEE3-4128-AA5E-82A8C08796E8}"/>
               </a:ext>
               <a:ext uri="{C183D7F6-B498-43B3-948B-1728B52AA6E4}">
-                <adec:decorative xmlns="" xmlns:adec="http://schemas.microsoft.com/office/drawing/2017/decorative" val="1"/>
+                <adec:decorative xmlns:adec="http://schemas.microsoft.com/office/drawing/2017/decorative" val="1"/>
               </a:ext>
             </a:extLst>
           </p:cNvPr>
@@ -12591,7 +12563,7 @@
           <p:nvPr>
             <p:extLst>
               <p:ext uri="{386F3935-93C4-4BCD-93E2-E3B085C9AB24}">
-                <p16:designElem xmlns="" xmlns:p16="http://schemas.microsoft.com/office/powerpoint/2015/main" val="1"/>
+                <p16:designElem xmlns:p16="http://schemas.microsoft.com/office/powerpoint/2015/main" val="1"/>
               </p:ext>
             </p:extLst>
           </p:nvPr>
@@ -12638,7 +12610,7 @@
           <p:cNvPr id="4" name="כותרת 3">
             <a:extLst>
               <a:ext uri="{FF2B5EF4-FFF2-40B4-BE49-F238E27FC236}">
-                <a16:creationId xmlns="" xmlns:a16="http://schemas.microsoft.com/office/drawing/2014/main" id="{88B5AD9E-56B1-4D09-9A8F-F0DB585F762E}"/>
+                <a16:creationId xmlns:a16="http://schemas.microsoft.com/office/drawing/2014/main" id="{88B5AD9E-56B1-4D09-9A8F-F0DB585F762E}"/>
               </a:ext>
             </a:extLst>
           </p:cNvPr>
@@ -12689,10 +12661,10 @@
           <p:cNvPr id="17" name="Rectangle 16">
             <a:extLst>
               <a:ext uri="{FF2B5EF4-FFF2-40B4-BE49-F238E27FC236}">
-                <a16:creationId xmlns="" xmlns:a16="http://schemas.microsoft.com/office/drawing/2014/main" id="{4260EDE0-989C-4E16-AF94-F652294D828E}"/>
+                <a16:creationId xmlns:a16="http://schemas.microsoft.com/office/drawing/2014/main" id="{4260EDE0-989C-4E16-AF94-F652294D828E}"/>
               </a:ext>
               <a:ext uri="{C183D7F6-B498-43B3-948B-1728B52AA6E4}">
-                <adec:decorative xmlns="" xmlns:adec="http://schemas.microsoft.com/office/drawing/2017/decorative" val="1"/>
+                <adec:decorative xmlns:adec="http://schemas.microsoft.com/office/drawing/2017/decorative" val="1"/>
               </a:ext>
             </a:extLst>
           </p:cNvPr>
@@ -12702,7 +12674,7 @@
           <p:nvPr>
             <p:extLst>
               <p:ext uri="{386F3935-93C4-4BCD-93E2-E3B085C9AB24}">
-                <p16:designElem xmlns="" xmlns:p16="http://schemas.microsoft.com/office/powerpoint/2015/main" val="1"/>
+                <p16:designElem xmlns:p16="http://schemas.microsoft.com/office/powerpoint/2015/main" val="1"/>
               </p:ext>
             </p:extLst>
           </p:nvPr>
@@ -12744,10 +12716,10 @@
           <p:cNvPr id="19" name="Rectangle 18">
             <a:extLst>
               <a:ext uri="{FF2B5EF4-FFF2-40B4-BE49-F238E27FC236}">
-                <a16:creationId xmlns="" xmlns:a16="http://schemas.microsoft.com/office/drawing/2014/main" id="{1F3985C0-E548-44D2-B30E-F3E42DADE133}"/>
+                <a16:creationId xmlns:a16="http://schemas.microsoft.com/office/drawing/2014/main" id="{1F3985C0-E548-44D2-B30E-F3E42DADE133}"/>
               </a:ext>
               <a:ext uri="{C183D7F6-B498-43B3-948B-1728B52AA6E4}">
-                <adec:decorative xmlns="" xmlns:adec="http://schemas.microsoft.com/office/drawing/2017/decorative" val="1"/>
+                <adec:decorative xmlns:adec="http://schemas.microsoft.com/office/drawing/2017/decorative" val="1"/>
               </a:ext>
             </a:extLst>
           </p:cNvPr>
@@ -12757,7 +12729,7 @@
           <p:nvPr>
             <p:extLst>
               <p:ext uri="{386F3935-93C4-4BCD-93E2-E3B085C9AB24}">
-                <p16:designElem xmlns="" xmlns:p16="http://schemas.microsoft.com/office/powerpoint/2015/main" val="1"/>
+                <p16:designElem xmlns:p16="http://schemas.microsoft.com/office/powerpoint/2015/main" val="1"/>
               </p:ext>
             </p:extLst>
           </p:nvPr>
@@ -12837,7 +12809,7 @@
           <p:cNvPr id="2" name="Title 1">
             <a:extLst>
               <a:ext uri="{FF2B5EF4-FFF2-40B4-BE49-F238E27FC236}">
-                <a16:creationId xmlns="" xmlns:a16="http://schemas.microsoft.com/office/drawing/2014/main" id="{FB70B02B-B75A-4AC3-A333-18F5BFA02B4B}"/>
+                <a16:creationId xmlns:a16="http://schemas.microsoft.com/office/drawing/2014/main" id="{FB70B02B-B75A-4AC3-A333-18F5BFA02B4B}"/>
               </a:ext>
             </a:extLst>
           </p:cNvPr>
@@ -12878,7 +12850,7 @@
           <p:cNvPr id="3" name="Content Placeholder 2">
             <a:extLst>
               <a:ext uri="{FF2B5EF4-FFF2-40B4-BE49-F238E27FC236}">
-                <a16:creationId xmlns="" xmlns:a16="http://schemas.microsoft.com/office/drawing/2014/main" id="{EF14906B-BB1F-453F-809F-C0E9672F7B20}"/>
+                <a16:creationId xmlns:a16="http://schemas.microsoft.com/office/drawing/2014/main" id="{EF14906B-BB1F-453F-809F-C0E9672F7B20}"/>
               </a:ext>
             </a:extLst>
           </p:cNvPr>
@@ -12957,13 +12929,9 @@
             </a:pPr>
             <a:r>
               <a:rPr lang="he-IL" dirty="0"/>
-              <a:t>לא קיימות הוספת תמונות (בפרופיל</a:t>
-            </a:r>
-            <a:r>
-              <a:rPr lang="he-IL" dirty="0" smtClean="0"/>
-              <a:t>).</a:t>
-            </a:r>
-            <a:endParaRPr lang="en-US" dirty="0" smtClean="0"/>
+              <a:t>לא קיימות הוספת תמונות (בפרופיל).</a:t>
+            </a:r>
+            <a:endParaRPr lang="en-US" dirty="0"/>
           </a:p>
           <a:p>
             <a:pPr>
@@ -12971,8 +12939,8 @@
               <a:buChar char="§"/>
             </a:pPr>
             <a:r>
-              <a:rPr lang="he-IL" dirty="0" smtClean="0"/>
-              <a:t>אין מערכת לאישור טפסי בריאות ע"י עובדי המקום.</a:t>
+              <a:rPr lang="he-IL" dirty="0"/>
+              <a:t>אין מערכת לאישור או מילוי טפסי בריאות ע"י עובדי המקום.</a:t>
             </a:r>
             <a:endParaRPr lang="en-US" dirty="0"/>
           </a:p>
@@ -12983,7 +12951,7 @@
           <p:cNvPr id="7" name="Graphic 6">
             <a:extLst>
               <a:ext uri="{FF2B5EF4-FFF2-40B4-BE49-F238E27FC236}">
-                <a16:creationId xmlns="" xmlns:a16="http://schemas.microsoft.com/office/drawing/2014/main" id="{1570D02F-62D3-4A37-981D-BB67701F4B3A}"/>
+                <a16:creationId xmlns:a16="http://schemas.microsoft.com/office/drawing/2014/main" id="{1570D02F-62D3-4A37-981D-BB67701F4B3A}"/>
               </a:ext>
             </a:extLst>
           </p:cNvPr>
@@ -12999,7 +12967,7 @@
                 <a14:useLocalDpi xmlns:a14="http://schemas.microsoft.com/office/drawing/2010/main" val="0"/>
               </a:ext>
               <a:ext uri="{96DAC541-7B7A-43D3-8B79-37D633B846F1}">
-                <asvg:svgBlip xmlns="" xmlns:asvg="http://schemas.microsoft.com/office/drawing/2016/SVG/main" r:embed="rId3"/>
+                <asvg:svgBlip xmlns:asvg="http://schemas.microsoft.com/office/drawing/2016/SVG/main" r:embed="rId3"/>
               </a:ext>
             </a:extLst>
           </a:blip>
@@ -13060,10 +13028,10 @@
           <p:cNvPr id="9" name="Rectangle 8">
             <a:extLst>
               <a:ext uri="{FF2B5EF4-FFF2-40B4-BE49-F238E27FC236}">
-                <a16:creationId xmlns="" xmlns:a16="http://schemas.microsoft.com/office/drawing/2014/main" id="{52C0B2E1-0268-42EC-ABD3-94F81A05BCBD}"/>
+                <a16:creationId xmlns:a16="http://schemas.microsoft.com/office/drawing/2014/main" id="{52C0B2E1-0268-42EC-ABD3-94F81A05BCBD}"/>
               </a:ext>
               <a:ext uri="{C183D7F6-B498-43B3-948B-1728B52AA6E4}">
-                <adec:decorative xmlns="" xmlns:adec="http://schemas.microsoft.com/office/drawing/2017/decorative" val="1"/>
+                <adec:decorative xmlns:adec="http://schemas.microsoft.com/office/drawing/2017/decorative" val="1"/>
               </a:ext>
             </a:extLst>
           </p:cNvPr>
@@ -13073,7 +13041,7 @@
           <p:nvPr>
             <p:extLst>
               <p:ext uri="{386F3935-93C4-4BCD-93E2-E3B085C9AB24}">
-                <p16:designElem xmlns="" xmlns:p16="http://schemas.microsoft.com/office/powerpoint/2015/main" val="1"/>
+                <p16:designElem xmlns:p16="http://schemas.microsoft.com/office/powerpoint/2015/main" val="1"/>
               </p:ext>
             </p:extLst>
           </p:nvPr>
@@ -13115,10 +13083,10 @@
           <p:cNvPr id="11" name="Rectangle 10">
             <a:extLst>
               <a:ext uri="{FF2B5EF4-FFF2-40B4-BE49-F238E27FC236}">
-                <a16:creationId xmlns="" xmlns:a16="http://schemas.microsoft.com/office/drawing/2014/main" id="{7D2256B4-48EA-40FC-BBC0-AA1EE6E0080C}"/>
+                <a16:creationId xmlns:a16="http://schemas.microsoft.com/office/drawing/2014/main" id="{7D2256B4-48EA-40FC-BBC0-AA1EE6E0080C}"/>
               </a:ext>
               <a:ext uri="{C183D7F6-B498-43B3-948B-1728B52AA6E4}">
-                <adec:decorative xmlns="" xmlns:adec="http://schemas.microsoft.com/office/drawing/2017/decorative" val="1"/>
+                <adec:decorative xmlns:adec="http://schemas.microsoft.com/office/drawing/2017/decorative" val="1"/>
               </a:ext>
             </a:extLst>
           </p:cNvPr>
@@ -13128,7 +13096,7 @@
           <p:nvPr>
             <p:extLst>
               <p:ext uri="{386F3935-93C4-4BCD-93E2-E3B085C9AB24}">
-                <p16:designElem xmlns="" xmlns:p16="http://schemas.microsoft.com/office/powerpoint/2015/main" val="1"/>
+                <p16:designElem xmlns:p16="http://schemas.microsoft.com/office/powerpoint/2015/main" val="1"/>
               </p:ext>
             </p:extLst>
           </p:nvPr>
@@ -13170,10 +13138,10 @@
           <p:cNvPr id="13" name="Straight Connector 12">
             <a:extLst>
               <a:ext uri="{FF2B5EF4-FFF2-40B4-BE49-F238E27FC236}">
-                <a16:creationId xmlns="" xmlns:a16="http://schemas.microsoft.com/office/drawing/2014/main" id="{3D44BCCA-102D-4A9D-B1E4-2450CAF0B05E}"/>
+                <a16:creationId xmlns:a16="http://schemas.microsoft.com/office/drawing/2014/main" id="{3D44BCCA-102D-4A9D-B1E4-2450CAF0B05E}"/>
               </a:ext>
               <a:ext uri="{C183D7F6-B498-43B3-948B-1728B52AA6E4}">
-                <adec:decorative xmlns="" xmlns:adec="http://schemas.microsoft.com/office/drawing/2017/decorative" val="1"/>
+                <adec:decorative xmlns:adec="http://schemas.microsoft.com/office/drawing/2017/decorative" val="1"/>
               </a:ext>
             </a:extLst>
           </p:cNvPr>
@@ -13183,7 +13151,7 @@
           <p:nvPr>
             <p:extLst>
               <p:ext uri="{386F3935-93C4-4BCD-93E2-E3B085C9AB24}">
-                <p16:designElem xmlns="" xmlns:p16="http://schemas.microsoft.com/office/powerpoint/2015/main" val="1"/>
+                <p16:designElem xmlns:p16="http://schemas.microsoft.com/office/powerpoint/2015/main" val="1"/>
               </p:ext>
             </p:extLst>
           </p:nvPr>
@@ -13225,10 +13193,10 @@
           <p:cNvPr id="15" name="Rectangle 14">
             <a:extLst>
               <a:ext uri="{FF2B5EF4-FFF2-40B4-BE49-F238E27FC236}">
-                <a16:creationId xmlns="" xmlns:a16="http://schemas.microsoft.com/office/drawing/2014/main" id="{FBDCECDC-EEE3-4128-AA5E-82A8C08796E8}"/>
+                <a16:creationId xmlns:a16="http://schemas.microsoft.com/office/drawing/2014/main" id="{FBDCECDC-EEE3-4128-AA5E-82A8C08796E8}"/>
               </a:ext>
               <a:ext uri="{C183D7F6-B498-43B3-948B-1728B52AA6E4}">
-                <adec:decorative xmlns="" xmlns:adec="http://schemas.microsoft.com/office/drawing/2017/decorative" val="1"/>
+                <adec:decorative xmlns:adec="http://schemas.microsoft.com/office/drawing/2017/decorative" val="1"/>
               </a:ext>
             </a:extLst>
           </p:cNvPr>
@@ -13238,7 +13206,7 @@
           <p:nvPr>
             <p:extLst>
               <p:ext uri="{386F3935-93C4-4BCD-93E2-E3B085C9AB24}">
-                <p16:designElem xmlns="" xmlns:p16="http://schemas.microsoft.com/office/powerpoint/2015/main" val="1"/>
+                <p16:designElem xmlns:p16="http://schemas.microsoft.com/office/powerpoint/2015/main" val="1"/>
               </p:ext>
             </p:extLst>
           </p:nvPr>
@@ -13285,7 +13253,7 @@
           <p:cNvPr id="4" name="כותרת 3">
             <a:extLst>
               <a:ext uri="{FF2B5EF4-FFF2-40B4-BE49-F238E27FC236}">
-                <a16:creationId xmlns="" xmlns:a16="http://schemas.microsoft.com/office/drawing/2014/main" id="{A9D94D15-AD94-4009-BBA6-A839F230436F}"/>
+                <a16:creationId xmlns:a16="http://schemas.microsoft.com/office/drawing/2014/main" id="{A9D94D15-AD94-4009-BBA6-A839F230436F}"/>
               </a:ext>
             </a:extLst>
           </p:cNvPr>
@@ -13328,10 +13296,10 @@
           <p:cNvPr id="17" name="Rectangle 16">
             <a:extLst>
               <a:ext uri="{FF2B5EF4-FFF2-40B4-BE49-F238E27FC236}">
-                <a16:creationId xmlns="" xmlns:a16="http://schemas.microsoft.com/office/drawing/2014/main" id="{4260EDE0-989C-4E16-AF94-F652294D828E}"/>
+                <a16:creationId xmlns:a16="http://schemas.microsoft.com/office/drawing/2014/main" id="{4260EDE0-989C-4E16-AF94-F652294D828E}"/>
               </a:ext>
               <a:ext uri="{C183D7F6-B498-43B3-948B-1728B52AA6E4}">
-                <adec:decorative xmlns="" xmlns:adec="http://schemas.microsoft.com/office/drawing/2017/decorative" val="1"/>
+                <adec:decorative xmlns:adec="http://schemas.microsoft.com/office/drawing/2017/decorative" val="1"/>
               </a:ext>
             </a:extLst>
           </p:cNvPr>
@@ -13341,7 +13309,7 @@
           <p:nvPr>
             <p:extLst>
               <p:ext uri="{386F3935-93C4-4BCD-93E2-E3B085C9AB24}">
-                <p16:designElem xmlns="" xmlns:p16="http://schemas.microsoft.com/office/powerpoint/2015/main" val="1"/>
+                <p16:designElem xmlns:p16="http://schemas.microsoft.com/office/powerpoint/2015/main" val="1"/>
               </p:ext>
             </p:extLst>
           </p:nvPr>
@@ -13383,10 +13351,10 @@
           <p:cNvPr id="19" name="Rectangle 18">
             <a:extLst>
               <a:ext uri="{FF2B5EF4-FFF2-40B4-BE49-F238E27FC236}">
-                <a16:creationId xmlns="" xmlns:a16="http://schemas.microsoft.com/office/drawing/2014/main" id="{1F3985C0-E548-44D2-B30E-F3E42DADE133}"/>
+                <a16:creationId xmlns:a16="http://schemas.microsoft.com/office/drawing/2014/main" id="{1F3985C0-E548-44D2-B30E-F3E42DADE133}"/>
               </a:ext>
               <a:ext uri="{C183D7F6-B498-43B3-948B-1728B52AA6E4}">
-                <adec:decorative xmlns="" xmlns:adec="http://schemas.microsoft.com/office/drawing/2017/decorative" val="1"/>
+                <adec:decorative xmlns:adec="http://schemas.microsoft.com/office/drawing/2017/decorative" val="1"/>
               </a:ext>
             </a:extLst>
           </p:cNvPr>
@@ -13396,7 +13364,7 @@
           <p:nvPr>
             <p:extLst>
               <p:ext uri="{386F3935-93C4-4BCD-93E2-E3B085C9AB24}">
-                <p16:designElem xmlns="" xmlns:p16="http://schemas.microsoft.com/office/powerpoint/2015/main" val="1"/>
+                <p16:designElem xmlns:p16="http://schemas.microsoft.com/office/powerpoint/2015/main" val="1"/>
               </p:ext>
             </p:extLst>
           </p:nvPr>
@@ -13476,10 +13444,10 @@
           <p:cNvPr id="14" name="Rectangle 13">
             <a:extLst>
               <a:ext uri="{FF2B5EF4-FFF2-40B4-BE49-F238E27FC236}">
-                <a16:creationId xmlns="" xmlns:a16="http://schemas.microsoft.com/office/drawing/2014/main" id="{3F87243A-F810-42AD-AA74-3FA38B1D8A8F}"/>
+                <a16:creationId xmlns:a16="http://schemas.microsoft.com/office/drawing/2014/main" id="{3F87243A-F810-42AD-AA74-3FA38B1D8A8F}"/>
               </a:ext>
               <a:ext uri="{C183D7F6-B498-43B3-948B-1728B52AA6E4}">
-                <adec:decorative xmlns="" xmlns:adec="http://schemas.microsoft.com/office/drawing/2017/decorative" val="1"/>
+                <adec:decorative xmlns:adec="http://schemas.microsoft.com/office/drawing/2017/decorative" val="1"/>
               </a:ext>
             </a:extLst>
           </p:cNvPr>
@@ -13489,7 +13457,7 @@
           <p:nvPr>
             <p:extLst>
               <p:ext uri="{386F3935-93C4-4BCD-93E2-E3B085C9AB24}">
-                <p16:designElem xmlns="" xmlns:p16="http://schemas.microsoft.com/office/powerpoint/2015/main" val="1"/>
+                <p16:designElem xmlns:p16="http://schemas.microsoft.com/office/powerpoint/2015/main" val="1"/>
               </p:ext>
             </p:extLst>
           </p:nvPr>
@@ -13531,10 +13499,10 @@
           <p:cNvPr id="16" name="Rectangle 15">
             <a:extLst>
               <a:ext uri="{FF2B5EF4-FFF2-40B4-BE49-F238E27FC236}">
-                <a16:creationId xmlns="" xmlns:a16="http://schemas.microsoft.com/office/drawing/2014/main" id="{E4710C0A-057C-4274-BA2D-001F1025E83E}"/>
+                <a16:creationId xmlns:a16="http://schemas.microsoft.com/office/drawing/2014/main" id="{E4710C0A-057C-4274-BA2D-001F1025E83E}"/>
               </a:ext>
               <a:ext uri="{C183D7F6-B498-43B3-948B-1728B52AA6E4}">
-                <adec:decorative xmlns="" xmlns:adec="http://schemas.microsoft.com/office/drawing/2017/decorative" val="1"/>
+                <adec:decorative xmlns:adec="http://schemas.microsoft.com/office/drawing/2017/decorative" val="1"/>
               </a:ext>
             </a:extLst>
           </p:cNvPr>
@@ -13544,7 +13512,7 @@
           <p:nvPr>
             <p:extLst>
               <p:ext uri="{386F3935-93C4-4BCD-93E2-E3B085C9AB24}">
-                <p16:designElem xmlns="" xmlns:p16="http://schemas.microsoft.com/office/powerpoint/2015/main" val="1"/>
+                <p16:designElem xmlns:p16="http://schemas.microsoft.com/office/powerpoint/2015/main" val="1"/>
               </p:ext>
             </p:extLst>
           </p:nvPr>
@@ -13586,10 +13554,10 @@
           <p:cNvPr id="18" name="Straight Connector 17">
             <a:extLst>
               <a:ext uri="{FF2B5EF4-FFF2-40B4-BE49-F238E27FC236}">
-                <a16:creationId xmlns="" xmlns:a16="http://schemas.microsoft.com/office/drawing/2014/main" id="{BEFAE2A0-B30D-40C7-BB2F-AE3D6D5D001F}"/>
+                <a16:creationId xmlns:a16="http://schemas.microsoft.com/office/drawing/2014/main" id="{BEFAE2A0-B30D-40C7-BB2F-AE3D6D5D001F}"/>
               </a:ext>
               <a:ext uri="{C183D7F6-B498-43B3-948B-1728B52AA6E4}">
-                <adec:decorative xmlns="" xmlns:adec="http://schemas.microsoft.com/office/drawing/2017/decorative" val="1"/>
+                <adec:decorative xmlns:adec="http://schemas.microsoft.com/office/drawing/2017/decorative" val="1"/>
               </a:ext>
             </a:extLst>
           </p:cNvPr>
@@ -13599,7 +13567,7 @@
           <p:nvPr>
             <p:extLst>
               <p:ext uri="{386F3935-93C4-4BCD-93E2-E3B085C9AB24}">
-                <p16:designElem xmlns="" xmlns:p16="http://schemas.microsoft.com/office/powerpoint/2015/main" val="1"/>
+                <p16:designElem xmlns:p16="http://schemas.microsoft.com/office/powerpoint/2015/main" val="1"/>
               </p:ext>
             </p:extLst>
           </p:nvPr>
@@ -13641,10 +13609,10 @@
           <p:cNvPr id="20" name="Rectangle 19">
             <a:extLst>
               <a:ext uri="{FF2B5EF4-FFF2-40B4-BE49-F238E27FC236}">
-                <a16:creationId xmlns="" xmlns:a16="http://schemas.microsoft.com/office/drawing/2014/main" id="{401AB748-B9E7-4AEC-AAB9-0EABDE63F84B}"/>
+                <a16:creationId xmlns:a16="http://schemas.microsoft.com/office/drawing/2014/main" id="{401AB748-B9E7-4AEC-AAB9-0EABDE63F84B}"/>
               </a:ext>
               <a:ext uri="{C183D7F6-B498-43B3-948B-1728B52AA6E4}">
-                <adec:decorative xmlns="" xmlns:adec="http://schemas.microsoft.com/office/drawing/2017/decorative" val="1"/>
+                <adec:decorative xmlns:adec="http://schemas.microsoft.com/office/drawing/2017/decorative" val="1"/>
               </a:ext>
             </a:extLst>
           </p:cNvPr>
@@ -13654,7 +13622,7 @@
           <p:nvPr>
             <p:extLst>
               <p:ext uri="{386F3935-93C4-4BCD-93E2-E3B085C9AB24}">
-                <p16:designElem xmlns="" xmlns:p16="http://schemas.microsoft.com/office/powerpoint/2015/main" val="1"/>
+                <p16:designElem xmlns:p16="http://schemas.microsoft.com/office/powerpoint/2015/main" val="1"/>
               </p:ext>
             </p:extLst>
           </p:nvPr>
@@ -13701,7 +13669,7 @@
           <p:cNvPr id="2" name="תיבת טקסט 1">
             <a:extLst>
               <a:ext uri="{FF2B5EF4-FFF2-40B4-BE49-F238E27FC236}">
-                <a16:creationId xmlns="" xmlns:a16="http://schemas.microsoft.com/office/drawing/2014/main" id="{EA6D733B-EF4D-407F-BBD7-9AE030B5BE10}"/>
+                <a16:creationId xmlns:a16="http://schemas.microsoft.com/office/drawing/2014/main" id="{EA6D733B-EF4D-407F-BBD7-9AE030B5BE10}"/>
               </a:ext>
             </a:extLst>
           </p:cNvPr>
@@ -13823,7 +13791,7 @@
           <p:cNvPr id="7" name="תמונה 6" descr="תמונה שמכילה טקסט&#10;&#10;התיאור נוצר באופן אוטומטי">
             <a:extLst>
               <a:ext uri="{FF2B5EF4-FFF2-40B4-BE49-F238E27FC236}">
-                <a16:creationId xmlns="" xmlns:a16="http://schemas.microsoft.com/office/drawing/2014/main" id="{A0D951F6-2FB7-4B9F-9203-CE20E3225E68}"/>
+                <a16:creationId xmlns:a16="http://schemas.microsoft.com/office/drawing/2014/main" id="{A0D951F6-2FB7-4B9F-9203-CE20E3225E68}"/>
               </a:ext>
             </a:extLst>
           </p:cNvPr>
@@ -13859,10 +13827,10 @@
           <p:cNvPr id="22" name="Rectangle 21">
             <a:extLst>
               <a:ext uri="{FF2B5EF4-FFF2-40B4-BE49-F238E27FC236}">
-                <a16:creationId xmlns="" xmlns:a16="http://schemas.microsoft.com/office/drawing/2014/main" id="{E0954B38-9C23-4C8B-AC5D-0E80CEA3BD48}"/>
+                <a16:creationId xmlns:a16="http://schemas.microsoft.com/office/drawing/2014/main" id="{E0954B38-9C23-4C8B-AC5D-0E80CEA3BD48}"/>
               </a:ext>
               <a:ext uri="{C183D7F6-B498-43B3-948B-1728B52AA6E4}">
-                <adec:decorative xmlns="" xmlns:adec="http://schemas.microsoft.com/office/drawing/2017/decorative" val="1"/>
+                <adec:decorative xmlns:adec="http://schemas.microsoft.com/office/drawing/2017/decorative" val="1"/>
               </a:ext>
             </a:extLst>
           </p:cNvPr>
@@ -13872,7 +13840,7 @@
           <p:nvPr>
             <p:extLst>
               <p:ext uri="{386F3935-93C4-4BCD-93E2-E3B085C9AB24}">
-                <p16:designElem xmlns="" xmlns:p16="http://schemas.microsoft.com/office/powerpoint/2015/main" val="1"/>
+                <p16:designElem xmlns:p16="http://schemas.microsoft.com/office/powerpoint/2015/main" val="1"/>
               </p:ext>
             </p:extLst>
           </p:nvPr>
@@ -13919,7 +13887,7 @@
           <p:cNvPr id="9" name="תמונה 8" descr="תמונה שמכילה צילום מסך&#10;&#10;התיאור נוצר באופן אוטומטי">
             <a:extLst>
               <a:ext uri="{FF2B5EF4-FFF2-40B4-BE49-F238E27FC236}">
-                <a16:creationId xmlns="" xmlns:a16="http://schemas.microsoft.com/office/drawing/2014/main" id="{F197EDEF-B71A-4CE2-B6FB-BB06A6906802}"/>
+                <a16:creationId xmlns:a16="http://schemas.microsoft.com/office/drawing/2014/main" id="{F197EDEF-B71A-4CE2-B6FB-BB06A6906802}"/>
               </a:ext>
             </a:extLst>
           </p:cNvPr>
@@ -13955,10 +13923,10 @@
           <p:cNvPr id="24" name="Rectangle 23">
             <a:extLst>
               <a:ext uri="{FF2B5EF4-FFF2-40B4-BE49-F238E27FC236}">
-                <a16:creationId xmlns="" xmlns:a16="http://schemas.microsoft.com/office/drawing/2014/main" id="{791376A8-6B7C-49D5-B3B0-B1D81BC15C2C}"/>
+                <a16:creationId xmlns:a16="http://schemas.microsoft.com/office/drawing/2014/main" id="{791376A8-6B7C-49D5-B3B0-B1D81BC15C2C}"/>
               </a:ext>
               <a:ext uri="{C183D7F6-B498-43B3-948B-1728B52AA6E4}">
-                <adec:decorative xmlns="" xmlns:adec="http://schemas.microsoft.com/office/drawing/2017/decorative" val="1"/>
+                <adec:decorative xmlns:adec="http://schemas.microsoft.com/office/drawing/2017/decorative" val="1"/>
               </a:ext>
             </a:extLst>
           </p:cNvPr>
@@ -13968,7 +13936,7 @@
           <p:nvPr>
             <p:extLst>
               <p:ext uri="{386F3935-93C4-4BCD-93E2-E3B085C9AB24}">
-                <p16:designElem xmlns="" xmlns:p16="http://schemas.microsoft.com/office/powerpoint/2015/main" val="1"/>
+                <p16:designElem xmlns:p16="http://schemas.microsoft.com/office/powerpoint/2015/main" val="1"/>
               </p:ext>
             </p:extLst>
           </p:nvPr>
@@ -14015,7 +13983,7 @@
           <p:cNvPr id="5" name="תמונה 4">
             <a:extLst>
               <a:ext uri="{FF2B5EF4-FFF2-40B4-BE49-F238E27FC236}">
-                <a16:creationId xmlns="" xmlns:a16="http://schemas.microsoft.com/office/drawing/2014/main" id="{5B3E5C2E-A74D-4532-BF87-6CD2C2B4C8FF}"/>
+                <a16:creationId xmlns:a16="http://schemas.microsoft.com/office/drawing/2014/main" id="{5B3E5C2E-A74D-4532-BF87-6CD2C2B4C8FF}"/>
               </a:ext>
             </a:extLst>
           </p:cNvPr>
@@ -14051,10 +14019,10 @@
           <p:cNvPr id="26" name="Straight Connector 25">
             <a:extLst>
               <a:ext uri="{FF2B5EF4-FFF2-40B4-BE49-F238E27FC236}">
-                <a16:creationId xmlns="" xmlns:a16="http://schemas.microsoft.com/office/drawing/2014/main" id="{73A16B78-E8EF-4C99-BDA5-80142980AE93}"/>
+                <a16:creationId xmlns:a16="http://schemas.microsoft.com/office/drawing/2014/main" id="{73A16B78-E8EF-4C99-BDA5-80142980AE93}"/>
               </a:ext>
               <a:ext uri="{C183D7F6-B498-43B3-948B-1728B52AA6E4}">
-                <adec:decorative xmlns="" xmlns:adec="http://schemas.microsoft.com/office/drawing/2017/decorative" val="1"/>
+                <adec:decorative xmlns:adec="http://schemas.microsoft.com/office/drawing/2017/decorative" val="1"/>
               </a:ext>
             </a:extLst>
           </p:cNvPr>
@@ -14064,7 +14032,7 @@
           <p:nvPr>
             <p:extLst>
               <p:ext uri="{386F3935-93C4-4BCD-93E2-E3B085C9AB24}">
-                <p16:designElem xmlns="" xmlns:p16="http://schemas.microsoft.com/office/powerpoint/2015/main" val="1"/>
+                <p16:designElem xmlns:p16="http://schemas.microsoft.com/office/powerpoint/2015/main" val="1"/>
               </p:ext>
             </p:extLst>
           </p:nvPr>
@@ -14105,10 +14073,10 @@
           <p:cNvPr id="28" name="Rectangle 27">
             <a:extLst>
               <a:ext uri="{FF2B5EF4-FFF2-40B4-BE49-F238E27FC236}">
-                <a16:creationId xmlns="" xmlns:a16="http://schemas.microsoft.com/office/drawing/2014/main" id="{3B0D8F16-5F3B-465F-9D06-983E2E8267E5}"/>
+                <a16:creationId xmlns:a16="http://schemas.microsoft.com/office/drawing/2014/main" id="{3B0D8F16-5F3B-465F-9D06-983E2E8267E5}"/>
               </a:ext>
               <a:ext uri="{C183D7F6-B498-43B3-948B-1728B52AA6E4}">
-                <adec:decorative xmlns="" xmlns:adec="http://schemas.microsoft.com/office/drawing/2017/decorative" val="1"/>
+                <adec:decorative xmlns:adec="http://schemas.microsoft.com/office/drawing/2017/decorative" val="1"/>
               </a:ext>
             </a:extLst>
           </p:cNvPr>
@@ -14118,7 +14086,7 @@
           <p:nvPr>
             <p:extLst>
               <p:ext uri="{386F3935-93C4-4BCD-93E2-E3B085C9AB24}">
-                <p16:designElem xmlns="" xmlns:p16="http://schemas.microsoft.com/office/powerpoint/2015/main" val="1"/>
+                <p16:designElem xmlns:p16="http://schemas.microsoft.com/office/powerpoint/2015/main" val="1"/>
               </p:ext>
             </p:extLst>
           </p:nvPr>
@@ -14160,10 +14128,10 @@
           <p:cNvPr id="30" name="Rectangle 29">
             <a:extLst>
               <a:ext uri="{FF2B5EF4-FFF2-40B4-BE49-F238E27FC236}">
-                <a16:creationId xmlns="" xmlns:a16="http://schemas.microsoft.com/office/drawing/2014/main" id="{5DED356E-7923-4393-BAEA-0116D9D7635D}"/>
+                <a16:creationId xmlns:a16="http://schemas.microsoft.com/office/drawing/2014/main" id="{5DED356E-7923-4393-BAEA-0116D9D7635D}"/>
               </a:ext>
               <a:ext uri="{C183D7F6-B498-43B3-948B-1728B52AA6E4}">
-                <adec:decorative xmlns="" xmlns:adec="http://schemas.microsoft.com/office/drawing/2017/decorative" val="1"/>
+                <adec:decorative xmlns:adec="http://schemas.microsoft.com/office/drawing/2017/decorative" val="1"/>
               </a:ext>
             </a:extLst>
           </p:cNvPr>
@@ -14173,7 +14141,7 @@
           <p:nvPr>
             <p:extLst>
               <p:ext uri="{386F3935-93C4-4BCD-93E2-E3B085C9AB24}">
-                <p16:designElem xmlns="" xmlns:p16="http://schemas.microsoft.com/office/powerpoint/2015/main" val="1"/>
+                <p16:designElem xmlns:p16="http://schemas.microsoft.com/office/powerpoint/2015/main" val="1"/>
               </p:ext>
             </p:extLst>
           </p:nvPr>
@@ -14253,10 +14221,10 @@
           <p:cNvPr id="12" name="Rectangle 11">
             <a:extLst>
               <a:ext uri="{FF2B5EF4-FFF2-40B4-BE49-F238E27FC236}">
-                <a16:creationId xmlns="" xmlns:a16="http://schemas.microsoft.com/office/drawing/2014/main" id="{BB2B8762-61F0-4F1B-9364-D633EE9D6AF5}"/>
+                <a16:creationId xmlns:a16="http://schemas.microsoft.com/office/drawing/2014/main" id="{BB2B8762-61F0-4F1B-9364-D633EE9D6AF5}"/>
               </a:ext>
               <a:ext uri="{C183D7F6-B498-43B3-948B-1728B52AA6E4}">
-                <adec:decorative xmlns="" xmlns:adec="http://schemas.microsoft.com/office/drawing/2017/decorative" val="1"/>
+                <adec:decorative xmlns:adec="http://schemas.microsoft.com/office/drawing/2017/decorative" val="1"/>
               </a:ext>
             </a:extLst>
           </p:cNvPr>
@@ -14266,7 +14234,7 @@
           <p:nvPr>
             <p:extLst>
               <p:ext uri="{386F3935-93C4-4BCD-93E2-E3B085C9AB24}">
-                <p16:designElem xmlns="" xmlns:p16="http://schemas.microsoft.com/office/powerpoint/2015/main" val="1"/>
+                <p16:designElem xmlns:p16="http://schemas.microsoft.com/office/powerpoint/2015/main" val="1"/>
               </p:ext>
             </p:extLst>
           </p:nvPr>
@@ -14308,10 +14276,10 @@
           <p:cNvPr id="14" name="Rectangle 13">
             <a:extLst>
               <a:ext uri="{FF2B5EF4-FFF2-40B4-BE49-F238E27FC236}">
-                <a16:creationId xmlns="" xmlns:a16="http://schemas.microsoft.com/office/drawing/2014/main" id="{E97675C8-1328-460C-9EBF-6B446B67EAD3}"/>
+                <a16:creationId xmlns:a16="http://schemas.microsoft.com/office/drawing/2014/main" id="{E97675C8-1328-460C-9EBF-6B446B67EAD3}"/>
               </a:ext>
               <a:ext uri="{C183D7F6-B498-43B3-948B-1728B52AA6E4}">
-                <adec:decorative xmlns="" xmlns:adec="http://schemas.microsoft.com/office/drawing/2017/decorative" val="1"/>
+                <adec:decorative xmlns:adec="http://schemas.microsoft.com/office/drawing/2017/decorative" val="1"/>
               </a:ext>
             </a:extLst>
           </p:cNvPr>
@@ -14321,7 +14289,7 @@
           <p:nvPr>
             <p:extLst>
               <p:ext uri="{386F3935-93C4-4BCD-93E2-E3B085C9AB24}">
-                <p16:designElem xmlns="" xmlns:p16="http://schemas.microsoft.com/office/powerpoint/2015/main" val="1"/>
+                <p16:designElem xmlns:p16="http://schemas.microsoft.com/office/powerpoint/2015/main" val="1"/>
               </p:ext>
             </p:extLst>
           </p:nvPr>
@@ -14363,10 +14331,10 @@
           <p:cNvPr id="16" name="Straight Connector 15">
             <a:extLst>
               <a:ext uri="{FF2B5EF4-FFF2-40B4-BE49-F238E27FC236}">
-                <a16:creationId xmlns="" xmlns:a16="http://schemas.microsoft.com/office/drawing/2014/main" id="{514EE78B-AF71-4195-A01B-F1165D9233BF}"/>
+                <a16:creationId xmlns:a16="http://schemas.microsoft.com/office/drawing/2014/main" id="{514EE78B-AF71-4195-A01B-F1165D9233BF}"/>
               </a:ext>
               <a:ext uri="{C183D7F6-B498-43B3-948B-1728B52AA6E4}">
-                <adec:decorative xmlns="" xmlns:adec="http://schemas.microsoft.com/office/drawing/2017/decorative" val="1"/>
+                <adec:decorative xmlns:adec="http://schemas.microsoft.com/office/drawing/2017/decorative" val="1"/>
               </a:ext>
             </a:extLst>
           </p:cNvPr>
@@ -14376,7 +14344,7 @@
           <p:nvPr>
             <p:extLst>
               <p:ext uri="{386F3935-93C4-4BCD-93E2-E3B085C9AB24}">
-                <p16:designElem xmlns="" xmlns:p16="http://schemas.microsoft.com/office/powerpoint/2015/main" val="1"/>
+                <p16:designElem xmlns:p16="http://schemas.microsoft.com/office/powerpoint/2015/main" val="1"/>
               </p:ext>
             </p:extLst>
           </p:nvPr>
@@ -14418,10 +14386,10 @@
           <p:cNvPr id="18" name="Rectangle 17">
             <a:extLst>
               <a:ext uri="{FF2B5EF4-FFF2-40B4-BE49-F238E27FC236}">
-                <a16:creationId xmlns="" xmlns:a16="http://schemas.microsoft.com/office/drawing/2014/main" id="{C6417104-D4C1-4710-9982-2154A7F48492}"/>
+                <a16:creationId xmlns:a16="http://schemas.microsoft.com/office/drawing/2014/main" id="{C6417104-D4C1-4710-9982-2154A7F48492}"/>
               </a:ext>
               <a:ext uri="{C183D7F6-B498-43B3-948B-1728B52AA6E4}">
-                <adec:decorative xmlns="" xmlns:adec="http://schemas.microsoft.com/office/drawing/2017/decorative" val="1"/>
+                <adec:decorative xmlns:adec="http://schemas.microsoft.com/office/drawing/2017/decorative" val="1"/>
               </a:ext>
             </a:extLst>
           </p:cNvPr>
@@ -14431,7 +14399,7 @@
           <p:nvPr>
             <p:extLst>
               <p:ext uri="{386F3935-93C4-4BCD-93E2-E3B085C9AB24}">
-                <p16:designElem xmlns="" xmlns:p16="http://schemas.microsoft.com/office/powerpoint/2015/main" val="1"/>
+                <p16:designElem xmlns:p16="http://schemas.microsoft.com/office/powerpoint/2015/main" val="1"/>
               </p:ext>
             </p:extLst>
           </p:nvPr>
@@ -14478,7 +14446,7 @@
           <p:cNvPr id="2" name="כותרת 1">
             <a:extLst>
               <a:ext uri="{FF2B5EF4-FFF2-40B4-BE49-F238E27FC236}">
-                <a16:creationId xmlns="" xmlns:a16="http://schemas.microsoft.com/office/drawing/2014/main" id="{A6CF7CD8-9353-4D28-BF79-7DE07BDA6A85}"/>
+                <a16:creationId xmlns:a16="http://schemas.microsoft.com/office/drawing/2014/main" id="{A6CF7CD8-9353-4D28-BF79-7DE07BDA6A85}"/>
               </a:ext>
             </a:extLst>
           </p:cNvPr>
@@ -14521,7 +14489,7 @@
           <p:cNvPr id="5" name="מציין מיקום תוכן 4" descr="תמונה שמכילה צילום מסך&#10;&#10;התיאור נוצר באופן אוטומטי">
             <a:extLst>
               <a:ext uri="{FF2B5EF4-FFF2-40B4-BE49-F238E27FC236}">
-                <a16:creationId xmlns="" xmlns:a16="http://schemas.microsoft.com/office/drawing/2014/main" id="{BCF39F62-6BAF-4664-BC00-4B69CB7C726B}"/>
+                <a16:creationId xmlns:a16="http://schemas.microsoft.com/office/drawing/2014/main" id="{BCF39F62-6BAF-4664-BC00-4B69CB7C726B}"/>
               </a:ext>
             </a:extLst>
           </p:cNvPr>
@@ -14559,10 +14527,10 @@
           <p:cNvPr id="20" name="Rectangle 19">
             <a:extLst>
               <a:ext uri="{FF2B5EF4-FFF2-40B4-BE49-F238E27FC236}">
-                <a16:creationId xmlns="" xmlns:a16="http://schemas.microsoft.com/office/drawing/2014/main" id="{626F1402-2DEC-4071-84AF-350C7BF00D43}"/>
+                <a16:creationId xmlns:a16="http://schemas.microsoft.com/office/drawing/2014/main" id="{626F1402-2DEC-4071-84AF-350C7BF00D43}"/>
               </a:ext>
               <a:ext uri="{C183D7F6-B498-43B3-948B-1728B52AA6E4}">
-                <adec:decorative xmlns="" xmlns:adec="http://schemas.microsoft.com/office/drawing/2017/decorative" val="1"/>
+                <adec:decorative xmlns:adec="http://schemas.microsoft.com/office/drawing/2017/decorative" val="1"/>
               </a:ext>
             </a:extLst>
           </p:cNvPr>
@@ -14572,7 +14540,7 @@
           <p:nvPr>
             <p:extLst>
               <p:ext uri="{386F3935-93C4-4BCD-93E2-E3B085C9AB24}">
-                <p16:designElem xmlns="" xmlns:p16="http://schemas.microsoft.com/office/powerpoint/2015/main" val="1"/>
+                <p16:designElem xmlns:p16="http://schemas.microsoft.com/office/powerpoint/2015/main" val="1"/>
               </p:ext>
             </p:extLst>
           </p:nvPr>
@@ -14619,7 +14587,7 @@
           <p:cNvPr id="7" name="תמונה 6" descr="תמונה שמכילה צילום מסך&#10;&#10;התיאור נוצר באופן אוטומטי">
             <a:extLst>
               <a:ext uri="{FF2B5EF4-FFF2-40B4-BE49-F238E27FC236}">
-                <a16:creationId xmlns="" xmlns:a16="http://schemas.microsoft.com/office/drawing/2014/main" id="{EDB2BD64-7D07-401D-A34C-2B9AFBFDCB4B}"/>
+                <a16:creationId xmlns:a16="http://schemas.microsoft.com/office/drawing/2014/main" id="{EDB2BD64-7D07-401D-A34C-2B9AFBFDCB4B}"/>
               </a:ext>
             </a:extLst>
           </p:cNvPr>
@@ -14655,10 +14623,10 @@
           <p:cNvPr id="22" name="Straight Connector 21">
             <a:extLst>
               <a:ext uri="{FF2B5EF4-FFF2-40B4-BE49-F238E27FC236}">
-                <a16:creationId xmlns="" xmlns:a16="http://schemas.microsoft.com/office/drawing/2014/main" id="{04733B62-1719-4677-A612-CA0AC0AD7482}"/>
+                <a16:creationId xmlns:a16="http://schemas.microsoft.com/office/drawing/2014/main" id="{04733B62-1719-4677-A612-CA0AC0AD7482}"/>
               </a:ext>
               <a:ext uri="{C183D7F6-B498-43B3-948B-1728B52AA6E4}">
-                <adec:decorative xmlns="" xmlns:adec="http://schemas.microsoft.com/office/drawing/2017/decorative" val="1"/>
+                <adec:decorative xmlns:adec="http://schemas.microsoft.com/office/drawing/2017/decorative" val="1"/>
               </a:ext>
             </a:extLst>
           </p:cNvPr>
@@ -14668,7 +14636,7 @@
           <p:nvPr>
             <p:extLst>
               <p:ext uri="{386F3935-93C4-4BCD-93E2-E3B085C9AB24}">
-                <p16:designElem xmlns="" xmlns:p16="http://schemas.microsoft.com/office/powerpoint/2015/main" val="1"/>
+                <p16:designElem xmlns:p16="http://schemas.microsoft.com/office/powerpoint/2015/main" val="1"/>
               </p:ext>
             </p:extLst>
           </p:nvPr>
@@ -14709,10 +14677,10 @@
           <p:cNvPr id="24" name="Rectangle 23">
             <a:extLst>
               <a:ext uri="{FF2B5EF4-FFF2-40B4-BE49-F238E27FC236}">
-                <a16:creationId xmlns="" xmlns:a16="http://schemas.microsoft.com/office/drawing/2014/main" id="{DA52A394-10F4-4AA5-90E4-634D1E919DBA}"/>
+                <a16:creationId xmlns:a16="http://schemas.microsoft.com/office/drawing/2014/main" id="{DA52A394-10F4-4AA5-90E4-634D1E919DBA}"/>
               </a:ext>
               <a:ext uri="{C183D7F6-B498-43B3-948B-1728B52AA6E4}">
-                <adec:decorative xmlns="" xmlns:adec="http://schemas.microsoft.com/office/drawing/2017/decorative" val="1"/>
+                <adec:decorative xmlns:adec="http://schemas.microsoft.com/office/drawing/2017/decorative" val="1"/>
               </a:ext>
             </a:extLst>
           </p:cNvPr>
@@ -14722,7 +14690,7 @@
           <p:nvPr>
             <p:extLst>
               <p:ext uri="{386F3935-93C4-4BCD-93E2-E3B085C9AB24}">
-                <p16:designElem xmlns="" xmlns:p16="http://schemas.microsoft.com/office/powerpoint/2015/main" val="1"/>
+                <p16:designElem xmlns:p16="http://schemas.microsoft.com/office/powerpoint/2015/main" val="1"/>
               </p:ext>
             </p:extLst>
           </p:nvPr>
@@ -14764,10 +14732,10 @@
           <p:cNvPr id="26" name="Rectangle 25">
             <a:extLst>
               <a:ext uri="{FF2B5EF4-FFF2-40B4-BE49-F238E27FC236}">
-                <a16:creationId xmlns="" xmlns:a16="http://schemas.microsoft.com/office/drawing/2014/main" id="{07BDDC51-8BB2-42BE-8EA8-39B3E9AC1EF6}"/>
+                <a16:creationId xmlns:a16="http://schemas.microsoft.com/office/drawing/2014/main" id="{07BDDC51-8BB2-42BE-8EA8-39B3E9AC1EF6}"/>
               </a:ext>
               <a:ext uri="{C183D7F6-B498-43B3-948B-1728B52AA6E4}">
-                <adec:decorative xmlns="" xmlns:adec="http://schemas.microsoft.com/office/drawing/2017/decorative" val="1"/>
+                <adec:decorative xmlns:adec="http://schemas.microsoft.com/office/drawing/2017/decorative" val="1"/>
               </a:ext>
             </a:extLst>
           </p:cNvPr>
@@ -14777,7 +14745,7 @@
           <p:nvPr>
             <p:extLst>
               <p:ext uri="{386F3935-93C4-4BCD-93E2-E3B085C9AB24}">
-                <p16:designElem xmlns="" xmlns:p16="http://schemas.microsoft.com/office/powerpoint/2015/main" val="1"/>
+                <p16:designElem xmlns:p16="http://schemas.microsoft.com/office/powerpoint/2015/main" val="1"/>
               </p:ext>
             </p:extLst>
           </p:nvPr>
@@ -14857,10 +14825,10 @@
           <p:cNvPr id="29" name="Rectangle 6">
             <a:extLst>
               <a:ext uri="{FF2B5EF4-FFF2-40B4-BE49-F238E27FC236}">
-                <a16:creationId xmlns="" xmlns:a16="http://schemas.microsoft.com/office/drawing/2014/main" id="{52C0B2E1-0268-42EC-ABD3-94F81A05BCBD}"/>
+                <a16:creationId xmlns:a16="http://schemas.microsoft.com/office/drawing/2014/main" id="{52C0B2E1-0268-42EC-ABD3-94F81A05BCBD}"/>
               </a:ext>
               <a:ext uri="{C183D7F6-B498-43B3-948B-1728B52AA6E4}">
-                <adec:decorative xmlns="" xmlns:adec="http://schemas.microsoft.com/office/drawing/2017/decorative" val="1"/>
+                <adec:decorative xmlns:adec="http://schemas.microsoft.com/office/drawing/2017/decorative" val="1"/>
               </a:ext>
             </a:extLst>
           </p:cNvPr>
@@ -14870,7 +14838,7 @@
           <p:nvPr>
             <p:extLst>
               <p:ext uri="{386F3935-93C4-4BCD-93E2-E3B085C9AB24}">
-                <p16:designElem xmlns="" xmlns:p16="http://schemas.microsoft.com/office/powerpoint/2015/main" val="1"/>
+                <p16:designElem xmlns:p16="http://schemas.microsoft.com/office/powerpoint/2015/main" val="1"/>
               </p:ext>
             </p:extLst>
           </p:nvPr>
@@ -14912,10 +14880,10 @@
           <p:cNvPr id="30" name="Rectangle 8">
             <a:extLst>
               <a:ext uri="{FF2B5EF4-FFF2-40B4-BE49-F238E27FC236}">
-                <a16:creationId xmlns="" xmlns:a16="http://schemas.microsoft.com/office/drawing/2014/main" id="{7D2256B4-48EA-40FC-BBC0-AA1EE6E0080C}"/>
+                <a16:creationId xmlns:a16="http://schemas.microsoft.com/office/drawing/2014/main" id="{7D2256B4-48EA-40FC-BBC0-AA1EE6E0080C}"/>
               </a:ext>
               <a:ext uri="{C183D7F6-B498-43B3-948B-1728B52AA6E4}">
-                <adec:decorative xmlns="" xmlns:adec="http://schemas.microsoft.com/office/drawing/2017/decorative" val="1"/>
+                <adec:decorative xmlns:adec="http://schemas.microsoft.com/office/drawing/2017/decorative" val="1"/>
               </a:ext>
             </a:extLst>
           </p:cNvPr>
@@ -14925,7 +14893,7 @@
           <p:nvPr>
             <p:extLst>
               <p:ext uri="{386F3935-93C4-4BCD-93E2-E3B085C9AB24}">
-                <p16:designElem xmlns="" xmlns:p16="http://schemas.microsoft.com/office/powerpoint/2015/main" val="1"/>
+                <p16:designElem xmlns:p16="http://schemas.microsoft.com/office/powerpoint/2015/main" val="1"/>
               </p:ext>
             </p:extLst>
           </p:nvPr>
@@ -14967,10 +14935,10 @@
           <p:cNvPr id="31" name="Straight Connector 10">
             <a:extLst>
               <a:ext uri="{FF2B5EF4-FFF2-40B4-BE49-F238E27FC236}">
-                <a16:creationId xmlns="" xmlns:a16="http://schemas.microsoft.com/office/drawing/2014/main" id="{3D44BCCA-102D-4A9D-B1E4-2450CAF0B05E}"/>
+                <a16:creationId xmlns:a16="http://schemas.microsoft.com/office/drawing/2014/main" id="{3D44BCCA-102D-4A9D-B1E4-2450CAF0B05E}"/>
               </a:ext>
               <a:ext uri="{C183D7F6-B498-43B3-948B-1728B52AA6E4}">
-                <adec:decorative xmlns="" xmlns:adec="http://schemas.microsoft.com/office/drawing/2017/decorative" val="1"/>
+                <adec:decorative xmlns:adec="http://schemas.microsoft.com/office/drawing/2017/decorative" val="1"/>
               </a:ext>
             </a:extLst>
           </p:cNvPr>
@@ -14980,7 +14948,7 @@
           <p:nvPr>
             <p:extLst>
               <p:ext uri="{386F3935-93C4-4BCD-93E2-E3B085C9AB24}">
-                <p16:designElem xmlns="" xmlns:p16="http://schemas.microsoft.com/office/powerpoint/2015/main" val="1"/>
+                <p16:designElem xmlns:p16="http://schemas.microsoft.com/office/powerpoint/2015/main" val="1"/>
               </p:ext>
             </p:extLst>
           </p:nvPr>
@@ -15022,10 +14990,10 @@
           <p:cNvPr id="32" name="Rectangle 12">
             <a:extLst>
               <a:ext uri="{FF2B5EF4-FFF2-40B4-BE49-F238E27FC236}">
-                <a16:creationId xmlns="" xmlns:a16="http://schemas.microsoft.com/office/drawing/2014/main" id="{FBDCECDC-EEE3-4128-AA5E-82A8C08796E8}"/>
+                <a16:creationId xmlns:a16="http://schemas.microsoft.com/office/drawing/2014/main" id="{FBDCECDC-EEE3-4128-AA5E-82A8C08796E8}"/>
               </a:ext>
               <a:ext uri="{C183D7F6-B498-43B3-948B-1728B52AA6E4}">
-                <adec:decorative xmlns="" xmlns:adec="http://schemas.microsoft.com/office/drawing/2017/decorative" val="1"/>
+                <adec:decorative xmlns:adec="http://schemas.microsoft.com/office/drawing/2017/decorative" val="1"/>
               </a:ext>
             </a:extLst>
           </p:cNvPr>
@@ -15035,7 +15003,7 @@
           <p:nvPr>
             <p:extLst>
               <p:ext uri="{386F3935-93C4-4BCD-93E2-E3B085C9AB24}">
-                <p16:designElem xmlns="" xmlns:p16="http://schemas.microsoft.com/office/powerpoint/2015/main" val="1"/>
+                <p16:designElem xmlns:p16="http://schemas.microsoft.com/office/powerpoint/2015/main" val="1"/>
               </p:ext>
             </p:extLst>
           </p:nvPr>
@@ -15082,7 +15050,7 @@
           <p:cNvPr id="2" name="Title 1">
             <a:extLst>
               <a:ext uri="{FF2B5EF4-FFF2-40B4-BE49-F238E27FC236}">
-                <a16:creationId xmlns="" xmlns:a16="http://schemas.microsoft.com/office/drawing/2014/main" id="{E920D128-541E-4FA1-8315-B032D354ADCC}"/>
+                <a16:creationId xmlns:a16="http://schemas.microsoft.com/office/drawing/2014/main" id="{E920D128-541E-4FA1-8315-B032D354ADCC}"/>
               </a:ext>
             </a:extLst>
           </p:cNvPr>
@@ -15166,10 +15134,10 @@
           <p:cNvPr id="33" name="Rectangle 14">
             <a:extLst>
               <a:ext uri="{FF2B5EF4-FFF2-40B4-BE49-F238E27FC236}">
-                <a16:creationId xmlns="" xmlns:a16="http://schemas.microsoft.com/office/drawing/2014/main" id="{4260EDE0-989C-4E16-AF94-F652294D828E}"/>
+                <a16:creationId xmlns:a16="http://schemas.microsoft.com/office/drawing/2014/main" id="{4260EDE0-989C-4E16-AF94-F652294D828E}"/>
               </a:ext>
               <a:ext uri="{C183D7F6-B498-43B3-948B-1728B52AA6E4}">
-                <adec:decorative xmlns="" xmlns:adec="http://schemas.microsoft.com/office/drawing/2017/decorative" val="1"/>
+                <adec:decorative xmlns:adec="http://schemas.microsoft.com/office/drawing/2017/decorative" val="1"/>
               </a:ext>
             </a:extLst>
           </p:cNvPr>
@@ -15179,7 +15147,7 @@
           <p:nvPr>
             <p:extLst>
               <p:ext uri="{386F3935-93C4-4BCD-93E2-E3B085C9AB24}">
-                <p16:designElem xmlns="" xmlns:p16="http://schemas.microsoft.com/office/powerpoint/2015/main" val="1"/>
+                <p16:designElem xmlns:p16="http://schemas.microsoft.com/office/powerpoint/2015/main" val="1"/>
               </p:ext>
             </p:extLst>
           </p:nvPr>
@@ -15221,10 +15189,10 @@
           <p:cNvPr id="34" name="Rectangle 16">
             <a:extLst>
               <a:ext uri="{FF2B5EF4-FFF2-40B4-BE49-F238E27FC236}">
-                <a16:creationId xmlns="" xmlns:a16="http://schemas.microsoft.com/office/drawing/2014/main" id="{1F3985C0-E548-44D2-B30E-F3E42DADE133}"/>
+                <a16:creationId xmlns:a16="http://schemas.microsoft.com/office/drawing/2014/main" id="{1F3985C0-E548-44D2-B30E-F3E42DADE133}"/>
               </a:ext>
               <a:ext uri="{C183D7F6-B498-43B3-948B-1728B52AA6E4}">
-                <adec:decorative xmlns="" xmlns:adec="http://schemas.microsoft.com/office/drawing/2017/decorative" val="1"/>
+                <adec:decorative xmlns:adec="http://schemas.microsoft.com/office/drawing/2017/decorative" val="1"/>
               </a:ext>
             </a:extLst>
           </p:cNvPr>
@@ -15234,7 +15202,7 @@
           <p:nvPr>
             <p:extLst>
               <p:ext uri="{386F3935-93C4-4BCD-93E2-E3B085C9AB24}">
-                <p16:designElem xmlns="" xmlns:p16="http://schemas.microsoft.com/office/powerpoint/2015/main" val="1"/>
+                <p16:designElem xmlns:p16="http://schemas.microsoft.com/office/powerpoint/2015/main" val="1"/>
               </p:ext>
             </p:extLst>
           </p:nvPr>
@@ -15314,10 +15282,10 @@
           <p:cNvPr id="13" name="Rectangle 12">
             <a:extLst>
               <a:ext uri="{FF2B5EF4-FFF2-40B4-BE49-F238E27FC236}">
-                <a16:creationId xmlns="" xmlns:a16="http://schemas.microsoft.com/office/drawing/2014/main" id="{C2579DAE-C141-48DB-810E-C070C300819E}"/>
+                <a16:creationId xmlns:a16="http://schemas.microsoft.com/office/drawing/2014/main" id="{C2579DAE-C141-48DB-810E-C070C300819E}"/>
               </a:ext>
               <a:ext uri="{C183D7F6-B498-43B3-948B-1728B52AA6E4}">
-                <adec:decorative xmlns="" xmlns:adec="http://schemas.microsoft.com/office/drawing/2017/decorative" val="1"/>
+                <adec:decorative xmlns:adec="http://schemas.microsoft.com/office/drawing/2017/decorative" val="1"/>
               </a:ext>
             </a:extLst>
           </p:cNvPr>
@@ -15327,7 +15295,7 @@
           <p:nvPr>
             <p:extLst>
               <p:ext uri="{386F3935-93C4-4BCD-93E2-E3B085C9AB24}">
-                <p16:designElem xmlns="" xmlns:p16="http://schemas.microsoft.com/office/powerpoint/2015/main" val="1"/>
+                <p16:designElem xmlns:p16="http://schemas.microsoft.com/office/powerpoint/2015/main" val="1"/>
               </p:ext>
             </p:extLst>
           </p:nvPr>
@@ -15369,10 +15337,10 @@
           <p:cNvPr id="15" name="Rectangle 14">
             <a:extLst>
               <a:ext uri="{FF2B5EF4-FFF2-40B4-BE49-F238E27FC236}">
-                <a16:creationId xmlns="" xmlns:a16="http://schemas.microsoft.com/office/drawing/2014/main" id="{02FD90C3-6350-4D5B-9738-6E94EDF30F74}"/>
+                <a16:creationId xmlns:a16="http://schemas.microsoft.com/office/drawing/2014/main" id="{02FD90C3-6350-4D5B-9738-6E94EDF30F74}"/>
               </a:ext>
               <a:ext uri="{C183D7F6-B498-43B3-948B-1728B52AA6E4}">
-                <adec:decorative xmlns="" xmlns:adec="http://schemas.microsoft.com/office/drawing/2017/decorative" val="1"/>
+                <adec:decorative xmlns:adec="http://schemas.microsoft.com/office/drawing/2017/decorative" val="1"/>
               </a:ext>
             </a:extLst>
           </p:cNvPr>
@@ -15382,7 +15350,7 @@
           <p:nvPr>
             <p:extLst>
               <p:ext uri="{386F3935-93C4-4BCD-93E2-E3B085C9AB24}">
-                <p16:designElem xmlns="" xmlns:p16="http://schemas.microsoft.com/office/powerpoint/2015/main" val="1"/>
+                <p16:designElem xmlns:p16="http://schemas.microsoft.com/office/powerpoint/2015/main" val="1"/>
               </p:ext>
             </p:extLst>
           </p:nvPr>
@@ -15424,7 +15392,7 @@
           <p:cNvPr id="8" name="Rectangle 1">
             <a:extLst>
               <a:ext uri="{FF2B5EF4-FFF2-40B4-BE49-F238E27FC236}">
-                <a16:creationId xmlns="" xmlns:a16="http://schemas.microsoft.com/office/drawing/2014/main" id="{9145609C-D9D9-422B-9CB3-0C126768B2F5}"/>
+                <a16:creationId xmlns:a16="http://schemas.microsoft.com/office/drawing/2014/main" id="{9145609C-D9D9-422B-9CB3-0C126768B2F5}"/>
               </a:ext>
             </a:extLst>
           </p:cNvPr>
@@ -15493,7 +15461,7 @@
           <p:cNvPr id="7" name="Table 6">
             <a:extLst>
               <a:ext uri="{FF2B5EF4-FFF2-40B4-BE49-F238E27FC236}">
-                <a16:creationId xmlns="" xmlns:a16="http://schemas.microsoft.com/office/drawing/2014/main" id="{F242358D-F27A-4A4B-996B-9DDB1F1A7006}"/>
+                <a16:creationId xmlns:a16="http://schemas.microsoft.com/office/drawing/2014/main" id="{F242358D-F27A-4A4B-996B-9DDB1F1A7006}"/>
               </a:ext>
             </a:extLst>
           </p:cNvPr>
@@ -15522,28 +15490,28 @@
                 <a:gridCol w="1949423">
                   <a:extLst>
                     <a:ext uri="{9D8B030D-6E8A-4147-A177-3AD203B41FA5}">
-                      <a16:colId xmlns="" xmlns:a16="http://schemas.microsoft.com/office/drawing/2014/main" val="2102482672"/>
+                      <a16:colId xmlns:a16="http://schemas.microsoft.com/office/drawing/2014/main" val="2102482672"/>
                     </a:ext>
                   </a:extLst>
                 </a:gridCol>
                 <a:gridCol w="1318038">
                   <a:extLst>
                     <a:ext uri="{9D8B030D-6E8A-4147-A177-3AD203B41FA5}">
-                      <a16:colId xmlns="" xmlns:a16="http://schemas.microsoft.com/office/drawing/2014/main" val="2913870729"/>
+                      <a16:colId xmlns:a16="http://schemas.microsoft.com/office/drawing/2014/main" val="2913870729"/>
                     </a:ext>
                   </a:extLst>
                 </a:gridCol>
                 <a:gridCol w="6573463">
                   <a:extLst>
                     <a:ext uri="{9D8B030D-6E8A-4147-A177-3AD203B41FA5}">
-                      <a16:colId xmlns="" xmlns:a16="http://schemas.microsoft.com/office/drawing/2014/main" val="2671776133"/>
+                      <a16:colId xmlns:a16="http://schemas.microsoft.com/office/drawing/2014/main" val="2671776133"/>
                     </a:ext>
                   </a:extLst>
                 </a:gridCol>
                 <a:gridCol w="1064144">
                   <a:extLst>
                     <a:ext uri="{9D8B030D-6E8A-4147-A177-3AD203B41FA5}">
-                      <a16:colId xmlns="" xmlns:a16="http://schemas.microsoft.com/office/drawing/2014/main" val="3087011925"/>
+                      <a16:colId xmlns:a16="http://schemas.microsoft.com/office/drawing/2014/main" val="3087011925"/>
                     </a:ext>
                   </a:extLst>
                 </a:gridCol>
@@ -15701,7 +15669,7 @@
                 </a:tc>
                 <a:extLst>
                   <a:ext uri="{0D108BD9-81ED-4DB2-BD59-A6C34878D82A}">
-                    <a16:rowId xmlns="" xmlns:a16="http://schemas.microsoft.com/office/drawing/2014/main" val="65071315"/>
+                    <a16:rowId xmlns:a16="http://schemas.microsoft.com/office/drawing/2014/main" val="65071315"/>
                   </a:ext>
                 </a:extLst>
               </a:tr>
@@ -15836,7 +15804,7 @@
                 </a:tc>
                 <a:extLst>
                   <a:ext uri="{0D108BD9-81ED-4DB2-BD59-A6C34878D82A}">
-                    <a16:rowId xmlns="" xmlns:a16="http://schemas.microsoft.com/office/drawing/2014/main" val="2052388475"/>
+                    <a16:rowId xmlns:a16="http://schemas.microsoft.com/office/drawing/2014/main" val="2052388475"/>
                   </a:ext>
                 </a:extLst>
               </a:tr>
@@ -15983,7 +15951,7 @@
                 </a:tc>
                 <a:extLst>
                   <a:ext uri="{0D108BD9-81ED-4DB2-BD59-A6C34878D82A}">
-                    <a16:rowId xmlns="" xmlns:a16="http://schemas.microsoft.com/office/drawing/2014/main" val="2777174897"/>
+                    <a16:rowId xmlns:a16="http://schemas.microsoft.com/office/drawing/2014/main" val="2777174897"/>
                   </a:ext>
                 </a:extLst>
               </a:tr>
@@ -16118,7 +16086,7 @@
                 </a:tc>
                 <a:extLst>
                   <a:ext uri="{0D108BD9-81ED-4DB2-BD59-A6C34878D82A}">
-                    <a16:rowId xmlns="" xmlns:a16="http://schemas.microsoft.com/office/drawing/2014/main" val="3383582087"/>
+                    <a16:rowId xmlns:a16="http://schemas.microsoft.com/office/drawing/2014/main" val="3383582087"/>
                   </a:ext>
                 </a:extLst>
               </a:tr>
@@ -16253,7 +16221,7 @@
                 </a:tc>
                 <a:extLst>
                   <a:ext uri="{0D108BD9-81ED-4DB2-BD59-A6C34878D82A}">
-                    <a16:rowId xmlns="" xmlns:a16="http://schemas.microsoft.com/office/drawing/2014/main" val="766757947"/>
+                    <a16:rowId xmlns:a16="http://schemas.microsoft.com/office/drawing/2014/main" val="766757947"/>
                   </a:ext>
                 </a:extLst>
               </a:tr>
@@ -16391,7 +16359,7 @@
                 </a:tc>
                 <a:extLst>
                   <a:ext uri="{0D108BD9-81ED-4DB2-BD59-A6C34878D82A}">
-                    <a16:rowId xmlns="" xmlns:a16="http://schemas.microsoft.com/office/drawing/2014/main" val="4108885570"/>
+                    <a16:rowId xmlns:a16="http://schemas.microsoft.com/office/drawing/2014/main" val="4108885570"/>
                   </a:ext>
                 </a:extLst>
               </a:tr>
@@ -16529,7 +16497,7 @@
                 </a:tc>
                 <a:extLst>
                   <a:ext uri="{0D108BD9-81ED-4DB2-BD59-A6C34878D82A}">
-                    <a16:rowId xmlns="" xmlns:a16="http://schemas.microsoft.com/office/drawing/2014/main" val="3942692519"/>
+                    <a16:rowId xmlns:a16="http://schemas.microsoft.com/office/drawing/2014/main" val="3942692519"/>
                   </a:ext>
                 </a:extLst>
               </a:tr>
@@ -16664,7 +16632,7 @@
                 </a:tc>
                 <a:extLst>
                   <a:ext uri="{0D108BD9-81ED-4DB2-BD59-A6C34878D82A}">
-                    <a16:rowId xmlns="" xmlns:a16="http://schemas.microsoft.com/office/drawing/2014/main" val="2018936694"/>
+                    <a16:rowId xmlns:a16="http://schemas.microsoft.com/office/drawing/2014/main" val="2018936694"/>
                   </a:ext>
                 </a:extLst>
               </a:tr>
@@ -16799,7 +16767,7 @@
                 </a:tc>
                 <a:extLst>
                   <a:ext uri="{0D108BD9-81ED-4DB2-BD59-A6C34878D82A}">
-                    <a16:rowId xmlns="" xmlns:a16="http://schemas.microsoft.com/office/drawing/2014/main" val="3483522926"/>
+                    <a16:rowId xmlns:a16="http://schemas.microsoft.com/office/drawing/2014/main" val="3483522926"/>
                   </a:ext>
                 </a:extLst>
               </a:tr>
@@ -16934,7 +16902,7 @@
                 </a:tc>
                 <a:extLst>
                   <a:ext uri="{0D108BD9-81ED-4DB2-BD59-A6C34878D82A}">
-                    <a16:rowId xmlns="" xmlns:a16="http://schemas.microsoft.com/office/drawing/2014/main" val="225303952"/>
+                    <a16:rowId xmlns:a16="http://schemas.microsoft.com/office/drawing/2014/main" val="225303952"/>
                   </a:ext>
                 </a:extLst>
               </a:tr>
@@ -17069,7 +17037,7 @@
                 </a:tc>
                 <a:extLst>
                   <a:ext uri="{0D108BD9-81ED-4DB2-BD59-A6C34878D82A}">
-                    <a16:rowId xmlns="" xmlns:a16="http://schemas.microsoft.com/office/drawing/2014/main" val="3752967449"/>
+                    <a16:rowId xmlns:a16="http://schemas.microsoft.com/office/drawing/2014/main" val="3752967449"/>
                   </a:ext>
                 </a:extLst>
               </a:tr>
@@ -17204,7 +17172,7 @@
                 </a:tc>
                 <a:extLst>
                   <a:ext uri="{0D108BD9-81ED-4DB2-BD59-A6C34878D82A}">
-                    <a16:rowId xmlns="" xmlns:a16="http://schemas.microsoft.com/office/drawing/2014/main" val="4001998025"/>
+                    <a16:rowId xmlns:a16="http://schemas.microsoft.com/office/drawing/2014/main" val="4001998025"/>
                   </a:ext>
                 </a:extLst>
               </a:tr>
@@ -17339,7 +17307,7 @@
                 </a:tc>
                 <a:extLst>
                   <a:ext uri="{0D108BD9-81ED-4DB2-BD59-A6C34878D82A}">
-                    <a16:rowId xmlns="" xmlns:a16="http://schemas.microsoft.com/office/drawing/2014/main" val="2688806595"/>
+                    <a16:rowId xmlns:a16="http://schemas.microsoft.com/office/drawing/2014/main" val="2688806595"/>
                   </a:ext>
                 </a:extLst>
               </a:tr>
@@ -17390,10 +17358,10 @@
           <p:cNvPr id="36" name="Rectangle 23">
             <a:extLst>
               <a:ext uri="{FF2B5EF4-FFF2-40B4-BE49-F238E27FC236}">
-                <a16:creationId xmlns="" xmlns:a16="http://schemas.microsoft.com/office/drawing/2014/main" id="{52C0B2E1-0268-42EC-ABD3-94F81A05BCBD}"/>
+                <a16:creationId xmlns:a16="http://schemas.microsoft.com/office/drawing/2014/main" id="{52C0B2E1-0268-42EC-ABD3-94F81A05BCBD}"/>
               </a:ext>
               <a:ext uri="{C183D7F6-B498-43B3-948B-1728B52AA6E4}">
-                <adec:decorative xmlns="" xmlns:adec="http://schemas.microsoft.com/office/drawing/2017/decorative" val="1"/>
+                <adec:decorative xmlns:adec="http://schemas.microsoft.com/office/drawing/2017/decorative" val="1"/>
               </a:ext>
             </a:extLst>
           </p:cNvPr>
@@ -17403,7 +17371,7 @@
           <p:nvPr>
             <p:extLst>
               <p:ext uri="{386F3935-93C4-4BCD-93E2-E3B085C9AB24}">
-                <p16:designElem xmlns="" xmlns:p16="http://schemas.microsoft.com/office/powerpoint/2015/main" val="1"/>
+                <p16:designElem xmlns:p16="http://schemas.microsoft.com/office/powerpoint/2015/main" val="1"/>
               </p:ext>
             </p:extLst>
           </p:nvPr>
@@ -17445,10 +17413,10 @@
           <p:cNvPr id="37" name="Rectangle 25">
             <a:extLst>
               <a:ext uri="{FF2B5EF4-FFF2-40B4-BE49-F238E27FC236}">
-                <a16:creationId xmlns="" xmlns:a16="http://schemas.microsoft.com/office/drawing/2014/main" id="{7D2256B4-48EA-40FC-BBC0-AA1EE6E0080C}"/>
+                <a16:creationId xmlns:a16="http://schemas.microsoft.com/office/drawing/2014/main" id="{7D2256B4-48EA-40FC-BBC0-AA1EE6E0080C}"/>
               </a:ext>
               <a:ext uri="{C183D7F6-B498-43B3-948B-1728B52AA6E4}">
-                <adec:decorative xmlns="" xmlns:adec="http://schemas.microsoft.com/office/drawing/2017/decorative" val="1"/>
+                <adec:decorative xmlns:adec="http://schemas.microsoft.com/office/drawing/2017/decorative" val="1"/>
               </a:ext>
             </a:extLst>
           </p:cNvPr>
@@ -17458,7 +17426,7 @@
           <p:nvPr>
             <p:extLst>
               <p:ext uri="{386F3935-93C4-4BCD-93E2-E3B085C9AB24}">
-                <p16:designElem xmlns="" xmlns:p16="http://schemas.microsoft.com/office/powerpoint/2015/main" val="1"/>
+                <p16:designElem xmlns:p16="http://schemas.microsoft.com/office/powerpoint/2015/main" val="1"/>
               </p:ext>
             </p:extLst>
           </p:nvPr>
@@ -17500,10 +17468,10 @@
           <p:cNvPr id="38" name="Straight Connector 27">
             <a:extLst>
               <a:ext uri="{FF2B5EF4-FFF2-40B4-BE49-F238E27FC236}">
-                <a16:creationId xmlns="" xmlns:a16="http://schemas.microsoft.com/office/drawing/2014/main" id="{3D44BCCA-102D-4A9D-B1E4-2450CAF0B05E}"/>
+                <a16:creationId xmlns:a16="http://schemas.microsoft.com/office/drawing/2014/main" id="{3D44BCCA-102D-4A9D-B1E4-2450CAF0B05E}"/>
               </a:ext>
               <a:ext uri="{C183D7F6-B498-43B3-948B-1728B52AA6E4}">
-                <adec:decorative xmlns="" xmlns:adec="http://schemas.microsoft.com/office/drawing/2017/decorative" val="1"/>
+                <adec:decorative xmlns:adec="http://schemas.microsoft.com/office/drawing/2017/decorative" val="1"/>
               </a:ext>
             </a:extLst>
           </p:cNvPr>
@@ -17513,7 +17481,7 @@
           <p:nvPr>
             <p:extLst>
               <p:ext uri="{386F3935-93C4-4BCD-93E2-E3B085C9AB24}">
-                <p16:designElem xmlns="" xmlns:p16="http://schemas.microsoft.com/office/powerpoint/2015/main" val="1"/>
+                <p16:designElem xmlns:p16="http://schemas.microsoft.com/office/powerpoint/2015/main" val="1"/>
               </p:ext>
             </p:extLst>
           </p:nvPr>
@@ -17555,10 +17523,10 @@
           <p:cNvPr id="39" name="Rectangle 29">
             <a:extLst>
               <a:ext uri="{FF2B5EF4-FFF2-40B4-BE49-F238E27FC236}">
-                <a16:creationId xmlns="" xmlns:a16="http://schemas.microsoft.com/office/drawing/2014/main" id="{FBDCECDC-EEE3-4128-AA5E-82A8C08796E8}"/>
+                <a16:creationId xmlns:a16="http://schemas.microsoft.com/office/drawing/2014/main" id="{FBDCECDC-EEE3-4128-AA5E-82A8C08796E8}"/>
               </a:ext>
               <a:ext uri="{C183D7F6-B498-43B3-948B-1728B52AA6E4}">
-                <adec:decorative xmlns="" xmlns:adec="http://schemas.microsoft.com/office/drawing/2017/decorative" val="1"/>
+                <adec:decorative xmlns:adec="http://schemas.microsoft.com/office/drawing/2017/decorative" val="1"/>
               </a:ext>
             </a:extLst>
           </p:cNvPr>
@@ -17568,7 +17536,7 @@
           <p:nvPr>
             <p:extLst>
               <p:ext uri="{386F3935-93C4-4BCD-93E2-E3B085C9AB24}">
-                <p16:designElem xmlns="" xmlns:p16="http://schemas.microsoft.com/office/powerpoint/2015/main" val="1"/>
+                <p16:designElem xmlns:p16="http://schemas.microsoft.com/office/powerpoint/2015/main" val="1"/>
               </p:ext>
             </p:extLst>
           </p:nvPr>
@@ -17615,7 +17583,7 @@
           <p:cNvPr id="4" name="כותרת 3">
             <a:extLst>
               <a:ext uri="{FF2B5EF4-FFF2-40B4-BE49-F238E27FC236}">
-                <a16:creationId xmlns="" xmlns:a16="http://schemas.microsoft.com/office/drawing/2014/main" id="{FE6FF9E2-8873-42D3-AED0-D3AFB2FB2C79}"/>
+                <a16:creationId xmlns:a16="http://schemas.microsoft.com/office/drawing/2014/main" id="{FE6FF9E2-8873-42D3-AED0-D3AFB2FB2C79}"/>
               </a:ext>
             </a:extLst>
           </p:cNvPr>
@@ -17666,10 +17634,10 @@
           <p:cNvPr id="40" name="Rectangle 31">
             <a:extLst>
               <a:ext uri="{FF2B5EF4-FFF2-40B4-BE49-F238E27FC236}">
-                <a16:creationId xmlns="" xmlns:a16="http://schemas.microsoft.com/office/drawing/2014/main" id="{4260EDE0-989C-4E16-AF94-F652294D828E}"/>
+                <a16:creationId xmlns:a16="http://schemas.microsoft.com/office/drawing/2014/main" id="{4260EDE0-989C-4E16-AF94-F652294D828E}"/>
               </a:ext>
               <a:ext uri="{C183D7F6-B498-43B3-948B-1728B52AA6E4}">
-                <adec:decorative xmlns="" xmlns:adec="http://schemas.microsoft.com/office/drawing/2017/decorative" val="1"/>
+                <adec:decorative xmlns:adec="http://schemas.microsoft.com/office/drawing/2017/decorative" val="1"/>
               </a:ext>
             </a:extLst>
           </p:cNvPr>
@@ -17679,7 +17647,7 @@
           <p:nvPr>
             <p:extLst>
               <p:ext uri="{386F3935-93C4-4BCD-93E2-E3B085C9AB24}">
-                <p16:designElem xmlns="" xmlns:p16="http://schemas.microsoft.com/office/powerpoint/2015/main" val="1"/>
+                <p16:designElem xmlns:p16="http://schemas.microsoft.com/office/powerpoint/2015/main" val="1"/>
               </p:ext>
             </p:extLst>
           </p:nvPr>
@@ -17721,10 +17689,10 @@
           <p:cNvPr id="41" name="Rectangle 33">
             <a:extLst>
               <a:ext uri="{FF2B5EF4-FFF2-40B4-BE49-F238E27FC236}">
-                <a16:creationId xmlns="" xmlns:a16="http://schemas.microsoft.com/office/drawing/2014/main" id="{1F3985C0-E548-44D2-B30E-F3E42DADE133}"/>
+                <a16:creationId xmlns:a16="http://schemas.microsoft.com/office/drawing/2014/main" id="{1F3985C0-E548-44D2-B30E-F3E42DADE133}"/>
               </a:ext>
               <a:ext uri="{C183D7F6-B498-43B3-948B-1728B52AA6E4}">
-                <adec:decorative xmlns="" xmlns:adec="http://schemas.microsoft.com/office/drawing/2017/decorative" val="1"/>
+                <adec:decorative xmlns:adec="http://schemas.microsoft.com/office/drawing/2017/decorative" val="1"/>
               </a:ext>
             </a:extLst>
           </p:cNvPr>
@@ -17734,7 +17702,7 @@
           <p:nvPr>
             <p:extLst>
               <p:ext uri="{386F3935-93C4-4BCD-93E2-E3B085C9AB24}">
-                <p16:designElem xmlns="" xmlns:p16="http://schemas.microsoft.com/office/powerpoint/2015/main" val="1"/>
+                <p16:designElem xmlns:p16="http://schemas.microsoft.com/office/powerpoint/2015/main" val="1"/>
               </p:ext>
             </p:extLst>
           </p:nvPr>
@@ -17814,10 +17782,10 @@
           <p:cNvPr id="63" name="Rectangle 62">
             <a:extLst>
               <a:ext uri="{FF2B5EF4-FFF2-40B4-BE49-F238E27FC236}">
-                <a16:creationId xmlns="" xmlns:a16="http://schemas.microsoft.com/office/drawing/2014/main" id="{4E4490D0-3672-446A-AC12-B4830333BDDD}"/>
+                <a16:creationId xmlns:a16="http://schemas.microsoft.com/office/drawing/2014/main" id="{4E4490D0-3672-446A-AC12-B4830333BDDD}"/>
               </a:ext>
               <a:ext uri="{C183D7F6-B498-43B3-948B-1728B52AA6E4}">
-                <adec:decorative xmlns="" xmlns:adec="http://schemas.microsoft.com/office/drawing/2017/decorative" val="1"/>
+                <adec:decorative xmlns:adec="http://schemas.microsoft.com/office/drawing/2017/decorative" val="1"/>
               </a:ext>
             </a:extLst>
           </p:cNvPr>
@@ -17827,7 +17795,7 @@
           <p:nvPr>
             <p:extLst>
               <p:ext uri="{386F3935-93C4-4BCD-93E2-E3B085C9AB24}">
-                <p16:designElem xmlns="" xmlns:p16="http://schemas.microsoft.com/office/powerpoint/2015/main" val="1"/>
+                <p16:designElem xmlns:p16="http://schemas.microsoft.com/office/powerpoint/2015/main" val="1"/>
               </p:ext>
             </p:extLst>
           </p:nvPr>
@@ -17869,10 +17837,10 @@
           <p:cNvPr id="65" name="Rectangle 64">
             <a:extLst>
               <a:ext uri="{FF2B5EF4-FFF2-40B4-BE49-F238E27FC236}">
-                <a16:creationId xmlns="" xmlns:a16="http://schemas.microsoft.com/office/drawing/2014/main" id="{39CB82C2-DF65-4EC1-8280-F201D50F570B}"/>
+                <a16:creationId xmlns:a16="http://schemas.microsoft.com/office/drawing/2014/main" id="{39CB82C2-DF65-4EC1-8280-F201D50F570B}"/>
               </a:ext>
               <a:ext uri="{C183D7F6-B498-43B3-948B-1728B52AA6E4}">
-                <adec:decorative xmlns="" xmlns:adec="http://schemas.microsoft.com/office/drawing/2017/decorative" val="1"/>
+                <adec:decorative xmlns:adec="http://schemas.microsoft.com/office/drawing/2017/decorative" val="1"/>
               </a:ext>
             </a:extLst>
           </p:cNvPr>
@@ -17882,7 +17850,7 @@
           <p:nvPr>
             <p:extLst>
               <p:ext uri="{386F3935-93C4-4BCD-93E2-E3B085C9AB24}">
-                <p16:designElem xmlns="" xmlns:p16="http://schemas.microsoft.com/office/powerpoint/2015/main" val="1"/>
+                <p16:designElem xmlns:p16="http://schemas.microsoft.com/office/powerpoint/2015/main" val="1"/>
               </p:ext>
             </p:extLst>
           </p:nvPr>
@@ -17924,10 +17892,10 @@
           <p:cNvPr id="67" name="Straight Connector 66">
             <a:extLst>
               <a:ext uri="{FF2B5EF4-FFF2-40B4-BE49-F238E27FC236}">
-                <a16:creationId xmlns="" xmlns:a16="http://schemas.microsoft.com/office/drawing/2014/main" id="{7E1D4427-852B-4B37-8E76-0E9F1810BA2A}"/>
+                <a16:creationId xmlns:a16="http://schemas.microsoft.com/office/drawing/2014/main" id="{7E1D4427-852B-4B37-8E76-0E9F1810BA2A}"/>
               </a:ext>
               <a:ext uri="{C183D7F6-B498-43B3-948B-1728B52AA6E4}">
-                <adec:decorative xmlns="" xmlns:adec="http://schemas.microsoft.com/office/drawing/2017/decorative" val="1"/>
+                <adec:decorative xmlns:adec="http://schemas.microsoft.com/office/drawing/2017/decorative" val="1"/>
               </a:ext>
             </a:extLst>
           </p:cNvPr>
@@ -17937,7 +17905,7 @@
           <p:nvPr>
             <p:extLst>
               <p:ext uri="{386F3935-93C4-4BCD-93E2-E3B085C9AB24}">
-                <p16:designElem xmlns="" xmlns:p16="http://schemas.microsoft.com/office/powerpoint/2015/main" val="1"/>
+                <p16:designElem xmlns:p16="http://schemas.microsoft.com/office/powerpoint/2015/main" val="1"/>
               </p:ext>
             </p:extLst>
           </p:nvPr>
@@ -17979,10 +17947,10 @@
           <p:cNvPr id="69" name="Rectangle 68">
             <a:extLst>
               <a:ext uri="{FF2B5EF4-FFF2-40B4-BE49-F238E27FC236}">
-                <a16:creationId xmlns="" xmlns:a16="http://schemas.microsoft.com/office/drawing/2014/main" id="{FA4CD5CB-D209-4D70-8CA4-629731C59219}"/>
+                <a16:creationId xmlns:a16="http://schemas.microsoft.com/office/drawing/2014/main" id="{FA4CD5CB-D209-4D70-8CA4-629731C59219}"/>
               </a:ext>
               <a:ext uri="{C183D7F6-B498-43B3-948B-1728B52AA6E4}">
-                <adec:decorative xmlns="" xmlns:adec="http://schemas.microsoft.com/office/drawing/2017/decorative" val="1"/>
+                <adec:decorative xmlns:adec="http://schemas.microsoft.com/office/drawing/2017/decorative" val="1"/>
               </a:ext>
             </a:extLst>
           </p:cNvPr>
@@ -17992,7 +17960,7 @@
           <p:nvPr>
             <p:extLst>
               <p:ext uri="{386F3935-93C4-4BCD-93E2-E3B085C9AB24}">
-                <p16:designElem xmlns="" xmlns:p16="http://schemas.microsoft.com/office/powerpoint/2015/main" val="1"/>
+                <p16:designElem xmlns:p16="http://schemas.microsoft.com/office/powerpoint/2015/main" val="1"/>
               </p:ext>
             </p:extLst>
           </p:nvPr>
@@ -18039,7 +18007,7 @@
           <p:cNvPr id="58" name="TextBox 57">
             <a:extLst>
               <a:ext uri="{FF2B5EF4-FFF2-40B4-BE49-F238E27FC236}">
-                <a16:creationId xmlns="" xmlns:a16="http://schemas.microsoft.com/office/drawing/2014/main" id="{7DBA33AB-25C1-4FA5-8502-E5FF579C6A06}"/>
+                <a16:creationId xmlns:a16="http://schemas.microsoft.com/office/drawing/2014/main" id="{7DBA33AB-25C1-4FA5-8502-E5FF579C6A06}"/>
               </a:ext>
             </a:extLst>
           </p:cNvPr>
@@ -18094,7 +18062,7 @@
           <p:cNvPr id="57" name="Picture 56">
             <a:extLst>
               <a:ext uri="{FF2B5EF4-FFF2-40B4-BE49-F238E27FC236}">
-                <a16:creationId xmlns="" xmlns:a16="http://schemas.microsoft.com/office/drawing/2014/main" id="{7857BA62-CB89-4DF8-BCC5-FA8FEDC60C94}"/>
+                <a16:creationId xmlns:a16="http://schemas.microsoft.com/office/drawing/2014/main" id="{7857BA62-CB89-4DF8-BCC5-FA8FEDC60C94}"/>
               </a:ext>
             </a:extLst>
           </p:cNvPr>
@@ -18124,10 +18092,10 @@
           <p:cNvPr id="71" name="Straight Connector 70">
             <a:extLst>
               <a:ext uri="{FF2B5EF4-FFF2-40B4-BE49-F238E27FC236}">
-                <a16:creationId xmlns="" xmlns:a16="http://schemas.microsoft.com/office/drawing/2014/main" id="{5C6A2BAE-B461-4B55-8E1F-0722ABDD1393}"/>
+                <a16:creationId xmlns:a16="http://schemas.microsoft.com/office/drawing/2014/main" id="{5C6A2BAE-B461-4B55-8E1F-0722ABDD1393}"/>
               </a:ext>
               <a:ext uri="{C183D7F6-B498-43B3-948B-1728B52AA6E4}">
-                <adec:decorative xmlns="" xmlns:adec="http://schemas.microsoft.com/office/drawing/2017/decorative" val="1"/>
+                <adec:decorative xmlns:adec="http://schemas.microsoft.com/office/drawing/2017/decorative" val="1"/>
               </a:ext>
             </a:extLst>
           </p:cNvPr>
@@ -18137,7 +18105,7 @@
           <p:nvPr>
             <p:extLst>
               <p:ext uri="{386F3935-93C4-4BCD-93E2-E3B085C9AB24}">
-                <p16:designElem xmlns="" xmlns:p16="http://schemas.microsoft.com/office/powerpoint/2015/main" val="1"/>
+                <p16:designElem xmlns:p16="http://schemas.microsoft.com/office/powerpoint/2015/main" val="1"/>
               </p:ext>
             </p:extLst>
           </p:nvPr>
@@ -18178,10 +18146,10 @@
           <p:cNvPr id="73" name="Rectangle 72">
             <a:extLst>
               <a:ext uri="{FF2B5EF4-FFF2-40B4-BE49-F238E27FC236}">
-                <a16:creationId xmlns="" xmlns:a16="http://schemas.microsoft.com/office/drawing/2014/main" id="{B4C27B90-DF2B-4D00-BA07-18ED774CD2F1}"/>
+                <a16:creationId xmlns:a16="http://schemas.microsoft.com/office/drawing/2014/main" id="{B4C27B90-DF2B-4D00-BA07-18ED774CD2F1}"/>
               </a:ext>
               <a:ext uri="{C183D7F6-B498-43B3-948B-1728B52AA6E4}">
-                <adec:decorative xmlns="" xmlns:adec="http://schemas.microsoft.com/office/drawing/2017/decorative" val="1"/>
+                <adec:decorative xmlns:adec="http://schemas.microsoft.com/office/drawing/2017/decorative" val="1"/>
               </a:ext>
             </a:extLst>
           </p:cNvPr>
@@ -18191,7 +18159,7 @@
           <p:nvPr>
             <p:extLst>
               <p:ext uri="{386F3935-93C4-4BCD-93E2-E3B085C9AB24}">
-                <p16:designElem xmlns="" xmlns:p16="http://schemas.microsoft.com/office/powerpoint/2015/main" val="1"/>
+                <p16:designElem xmlns:p16="http://schemas.microsoft.com/office/powerpoint/2015/main" val="1"/>
               </p:ext>
             </p:extLst>
           </p:nvPr>
@@ -18233,10 +18201,10 @@
           <p:cNvPr id="75" name="Rectangle 74">
             <a:extLst>
               <a:ext uri="{FF2B5EF4-FFF2-40B4-BE49-F238E27FC236}">
-                <a16:creationId xmlns="" xmlns:a16="http://schemas.microsoft.com/office/drawing/2014/main" id="{593ACC25-C262-417A-8AA9-0641C772BDB6}"/>
+                <a16:creationId xmlns:a16="http://schemas.microsoft.com/office/drawing/2014/main" id="{593ACC25-C262-417A-8AA9-0641C772BDB6}"/>
               </a:ext>
               <a:ext uri="{C183D7F6-B498-43B3-948B-1728B52AA6E4}">
-                <adec:decorative xmlns="" xmlns:adec="http://schemas.microsoft.com/office/drawing/2017/decorative" val="1"/>
+                <adec:decorative xmlns:adec="http://schemas.microsoft.com/office/drawing/2017/decorative" val="1"/>
               </a:ext>
             </a:extLst>
           </p:cNvPr>
@@ -18246,7 +18214,7 @@
           <p:nvPr>
             <p:extLst>
               <p:ext uri="{386F3935-93C4-4BCD-93E2-E3B085C9AB24}">
-                <p16:designElem xmlns="" xmlns:p16="http://schemas.microsoft.com/office/powerpoint/2015/main" val="1"/>
+                <p16:designElem xmlns:p16="http://schemas.microsoft.com/office/powerpoint/2015/main" val="1"/>
               </p:ext>
             </p:extLst>
           </p:nvPr>
@@ -18326,10 +18294,10 @@
           <p:cNvPr id="21" name="Rectangle 20">
             <a:extLst>
               <a:ext uri="{FF2B5EF4-FFF2-40B4-BE49-F238E27FC236}">
-                <a16:creationId xmlns="" xmlns:a16="http://schemas.microsoft.com/office/drawing/2014/main" id="{4E4490D0-3672-446A-AC12-B4830333BDDD}"/>
+                <a16:creationId xmlns:a16="http://schemas.microsoft.com/office/drawing/2014/main" id="{4E4490D0-3672-446A-AC12-B4830333BDDD}"/>
               </a:ext>
               <a:ext uri="{C183D7F6-B498-43B3-948B-1728B52AA6E4}">
-                <adec:decorative xmlns="" xmlns:adec="http://schemas.microsoft.com/office/drawing/2017/decorative" val="1"/>
+                <adec:decorative xmlns:adec="http://schemas.microsoft.com/office/drawing/2017/decorative" val="1"/>
               </a:ext>
             </a:extLst>
           </p:cNvPr>
@@ -18339,7 +18307,7 @@
           <p:nvPr>
             <p:extLst>
               <p:ext uri="{386F3935-93C4-4BCD-93E2-E3B085C9AB24}">
-                <p16:designElem xmlns="" xmlns:p16="http://schemas.microsoft.com/office/powerpoint/2015/main" val="1"/>
+                <p16:designElem xmlns:p16="http://schemas.microsoft.com/office/powerpoint/2015/main" val="1"/>
               </p:ext>
             </p:extLst>
           </p:nvPr>
@@ -18381,10 +18349,10 @@
           <p:cNvPr id="23" name="Rectangle 22">
             <a:extLst>
               <a:ext uri="{FF2B5EF4-FFF2-40B4-BE49-F238E27FC236}">
-                <a16:creationId xmlns="" xmlns:a16="http://schemas.microsoft.com/office/drawing/2014/main" id="{39CB82C2-DF65-4EC1-8280-F201D50F570B}"/>
+                <a16:creationId xmlns:a16="http://schemas.microsoft.com/office/drawing/2014/main" id="{39CB82C2-DF65-4EC1-8280-F201D50F570B}"/>
               </a:ext>
               <a:ext uri="{C183D7F6-B498-43B3-948B-1728B52AA6E4}">
-                <adec:decorative xmlns="" xmlns:adec="http://schemas.microsoft.com/office/drawing/2017/decorative" val="1"/>
+                <adec:decorative xmlns:adec="http://schemas.microsoft.com/office/drawing/2017/decorative" val="1"/>
               </a:ext>
             </a:extLst>
           </p:cNvPr>
@@ -18394,7 +18362,7 @@
           <p:nvPr>
             <p:extLst>
               <p:ext uri="{386F3935-93C4-4BCD-93E2-E3B085C9AB24}">
-                <p16:designElem xmlns="" xmlns:p16="http://schemas.microsoft.com/office/powerpoint/2015/main" val="1"/>
+                <p16:designElem xmlns:p16="http://schemas.microsoft.com/office/powerpoint/2015/main" val="1"/>
               </p:ext>
             </p:extLst>
           </p:nvPr>
@@ -18436,10 +18404,10 @@
           <p:cNvPr id="25" name="Straight Connector 24">
             <a:extLst>
               <a:ext uri="{FF2B5EF4-FFF2-40B4-BE49-F238E27FC236}">
-                <a16:creationId xmlns="" xmlns:a16="http://schemas.microsoft.com/office/drawing/2014/main" id="{7E1D4427-852B-4B37-8E76-0E9F1810BA2A}"/>
+                <a16:creationId xmlns:a16="http://schemas.microsoft.com/office/drawing/2014/main" id="{7E1D4427-852B-4B37-8E76-0E9F1810BA2A}"/>
               </a:ext>
               <a:ext uri="{C183D7F6-B498-43B3-948B-1728B52AA6E4}">
-                <adec:decorative xmlns="" xmlns:adec="http://schemas.microsoft.com/office/drawing/2017/decorative" val="1"/>
+                <adec:decorative xmlns:adec="http://schemas.microsoft.com/office/drawing/2017/decorative" val="1"/>
               </a:ext>
             </a:extLst>
           </p:cNvPr>
@@ -18449,7 +18417,7 @@
           <p:nvPr>
             <p:extLst>
               <p:ext uri="{386F3935-93C4-4BCD-93E2-E3B085C9AB24}">
-                <p16:designElem xmlns="" xmlns:p16="http://schemas.microsoft.com/office/powerpoint/2015/main" val="1"/>
+                <p16:designElem xmlns:p16="http://schemas.microsoft.com/office/powerpoint/2015/main" val="1"/>
               </p:ext>
             </p:extLst>
           </p:nvPr>
@@ -18491,10 +18459,10 @@
           <p:cNvPr id="27" name="Rectangle 26">
             <a:extLst>
               <a:ext uri="{FF2B5EF4-FFF2-40B4-BE49-F238E27FC236}">
-                <a16:creationId xmlns="" xmlns:a16="http://schemas.microsoft.com/office/drawing/2014/main" id="{FA4CD5CB-D209-4D70-8CA4-629731C59219}"/>
+                <a16:creationId xmlns:a16="http://schemas.microsoft.com/office/drawing/2014/main" id="{FA4CD5CB-D209-4D70-8CA4-629731C59219}"/>
               </a:ext>
               <a:ext uri="{C183D7F6-B498-43B3-948B-1728B52AA6E4}">
-                <adec:decorative xmlns="" xmlns:adec="http://schemas.microsoft.com/office/drawing/2017/decorative" val="1"/>
+                <adec:decorative xmlns:adec="http://schemas.microsoft.com/office/drawing/2017/decorative" val="1"/>
               </a:ext>
             </a:extLst>
           </p:cNvPr>
@@ -18504,7 +18472,7 @@
           <p:nvPr>
             <p:extLst>
               <p:ext uri="{386F3935-93C4-4BCD-93E2-E3B085C9AB24}">
-                <p16:designElem xmlns="" xmlns:p16="http://schemas.microsoft.com/office/powerpoint/2015/main" val="1"/>
+                <p16:designElem xmlns:p16="http://schemas.microsoft.com/office/powerpoint/2015/main" val="1"/>
               </p:ext>
             </p:extLst>
           </p:nvPr>
@@ -18551,7 +18519,7 @@
           <p:cNvPr id="16" name="TextBox 15">
             <a:extLst>
               <a:ext uri="{FF2B5EF4-FFF2-40B4-BE49-F238E27FC236}">
-                <a16:creationId xmlns="" xmlns:a16="http://schemas.microsoft.com/office/drawing/2014/main" id="{A02266C9-004A-48A1-BCA1-EFC555C2E9A1}"/>
+                <a16:creationId xmlns:a16="http://schemas.microsoft.com/office/drawing/2014/main" id="{A02266C9-004A-48A1-BCA1-EFC555C2E9A1}"/>
               </a:ext>
             </a:extLst>
           </p:cNvPr>
@@ -18606,7 +18574,7 @@
           <p:cNvPr id="15" name="Content Placeholder 14" descr="A close up of text on a white background&#10;&#10;Description automatically generated">
             <a:extLst>
               <a:ext uri="{FF2B5EF4-FFF2-40B4-BE49-F238E27FC236}">
-                <a16:creationId xmlns="" xmlns:a16="http://schemas.microsoft.com/office/drawing/2014/main" id="{6BED0835-C3AB-43D8-B0F3-4B765C929866}"/>
+                <a16:creationId xmlns:a16="http://schemas.microsoft.com/office/drawing/2014/main" id="{6BED0835-C3AB-43D8-B0F3-4B765C929866}"/>
               </a:ext>
             </a:extLst>
           </p:cNvPr>
@@ -18644,10 +18612,10 @@
           <p:cNvPr id="29" name="Straight Connector 28">
             <a:extLst>
               <a:ext uri="{FF2B5EF4-FFF2-40B4-BE49-F238E27FC236}">
-                <a16:creationId xmlns="" xmlns:a16="http://schemas.microsoft.com/office/drawing/2014/main" id="{5C6A2BAE-B461-4B55-8E1F-0722ABDD1393}"/>
+                <a16:creationId xmlns:a16="http://schemas.microsoft.com/office/drawing/2014/main" id="{5C6A2BAE-B461-4B55-8E1F-0722ABDD1393}"/>
               </a:ext>
               <a:ext uri="{C183D7F6-B498-43B3-948B-1728B52AA6E4}">
-                <adec:decorative xmlns="" xmlns:adec="http://schemas.microsoft.com/office/drawing/2017/decorative" val="1"/>
+                <adec:decorative xmlns:adec="http://schemas.microsoft.com/office/drawing/2017/decorative" val="1"/>
               </a:ext>
             </a:extLst>
           </p:cNvPr>
@@ -18657,7 +18625,7 @@
           <p:nvPr>
             <p:extLst>
               <p:ext uri="{386F3935-93C4-4BCD-93E2-E3B085C9AB24}">
-                <p16:designElem xmlns="" xmlns:p16="http://schemas.microsoft.com/office/powerpoint/2015/main" val="1"/>
+                <p16:designElem xmlns:p16="http://schemas.microsoft.com/office/powerpoint/2015/main" val="1"/>
               </p:ext>
             </p:extLst>
           </p:nvPr>
@@ -18698,10 +18666,10 @@
           <p:cNvPr id="31" name="Rectangle 30">
             <a:extLst>
               <a:ext uri="{FF2B5EF4-FFF2-40B4-BE49-F238E27FC236}">
-                <a16:creationId xmlns="" xmlns:a16="http://schemas.microsoft.com/office/drawing/2014/main" id="{B4C27B90-DF2B-4D00-BA07-18ED774CD2F1}"/>
+                <a16:creationId xmlns:a16="http://schemas.microsoft.com/office/drawing/2014/main" id="{B4C27B90-DF2B-4D00-BA07-18ED774CD2F1}"/>
               </a:ext>
               <a:ext uri="{C183D7F6-B498-43B3-948B-1728B52AA6E4}">
-                <adec:decorative xmlns="" xmlns:adec="http://schemas.microsoft.com/office/drawing/2017/decorative" val="1"/>
+                <adec:decorative xmlns:adec="http://schemas.microsoft.com/office/drawing/2017/decorative" val="1"/>
               </a:ext>
             </a:extLst>
           </p:cNvPr>
@@ -18711,7 +18679,7 @@
           <p:nvPr>
             <p:extLst>
               <p:ext uri="{386F3935-93C4-4BCD-93E2-E3B085C9AB24}">
-                <p16:designElem xmlns="" xmlns:p16="http://schemas.microsoft.com/office/powerpoint/2015/main" val="1"/>
+                <p16:designElem xmlns:p16="http://schemas.microsoft.com/office/powerpoint/2015/main" val="1"/>
               </p:ext>
             </p:extLst>
           </p:nvPr>
@@ -18753,10 +18721,10 @@
           <p:cNvPr id="33" name="Rectangle 32">
             <a:extLst>
               <a:ext uri="{FF2B5EF4-FFF2-40B4-BE49-F238E27FC236}">
-                <a16:creationId xmlns="" xmlns:a16="http://schemas.microsoft.com/office/drawing/2014/main" id="{593ACC25-C262-417A-8AA9-0641C772BDB6}"/>
+                <a16:creationId xmlns:a16="http://schemas.microsoft.com/office/drawing/2014/main" id="{593ACC25-C262-417A-8AA9-0641C772BDB6}"/>
               </a:ext>
               <a:ext uri="{C183D7F6-B498-43B3-948B-1728B52AA6E4}">
-                <adec:decorative xmlns="" xmlns:adec="http://schemas.microsoft.com/office/drawing/2017/decorative" val="1"/>
+                <adec:decorative xmlns:adec="http://schemas.microsoft.com/office/drawing/2017/decorative" val="1"/>
               </a:ext>
             </a:extLst>
           </p:cNvPr>
@@ -18766,7 +18734,7 @@
           <p:nvPr>
             <p:extLst>
               <p:ext uri="{386F3935-93C4-4BCD-93E2-E3B085C9AB24}">
-                <p16:designElem xmlns="" xmlns:p16="http://schemas.microsoft.com/office/powerpoint/2015/main" val="1"/>
+                <p16:designElem xmlns:p16="http://schemas.microsoft.com/office/powerpoint/2015/main" val="1"/>
               </p:ext>
             </p:extLst>
           </p:nvPr>
@@ -18846,10 +18814,10 @@
           <p:cNvPr id="11" name="Rectangle 10">
             <a:extLst>
               <a:ext uri="{FF2B5EF4-FFF2-40B4-BE49-F238E27FC236}">
-                <a16:creationId xmlns="" xmlns:a16="http://schemas.microsoft.com/office/drawing/2014/main" id="{4E4490D0-3672-446A-AC12-B4830333BDDD}"/>
+                <a16:creationId xmlns:a16="http://schemas.microsoft.com/office/drawing/2014/main" id="{4E4490D0-3672-446A-AC12-B4830333BDDD}"/>
               </a:ext>
               <a:ext uri="{C183D7F6-B498-43B3-948B-1728B52AA6E4}">
-                <adec:decorative xmlns="" xmlns:adec="http://schemas.microsoft.com/office/drawing/2017/decorative" val="1"/>
+                <adec:decorative xmlns:adec="http://schemas.microsoft.com/office/drawing/2017/decorative" val="1"/>
               </a:ext>
             </a:extLst>
           </p:cNvPr>
@@ -18859,7 +18827,7 @@
           <p:nvPr>
             <p:extLst>
               <p:ext uri="{386F3935-93C4-4BCD-93E2-E3B085C9AB24}">
-                <p16:designElem xmlns="" xmlns:p16="http://schemas.microsoft.com/office/powerpoint/2015/main" val="1"/>
+                <p16:designElem xmlns:p16="http://schemas.microsoft.com/office/powerpoint/2015/main" val="1"/>
               </p:ext>
             </p:extLst>
           </p:nvPr>
@@ -18901,10 +18869,10 @@
           <p:cNvPr id="13" name="Rectangle 12">
             <a:extLst>
               <a:ext uri="{FF2B5EF4-FFF2-40B4-BE49-F238E27FC236}">
-                <a16:creationId xmlns="" xmlns:a16="http://schemas.microsoft.com/office/drawing/2014/main" id="{39CB82C2-DF65-4EC1-8280-F201D50F570B}"/>
+                <a16:creationId xmlns:a16="http://schemas.microsoft.com/office/drawing/2014/main" id="{39CB82C2-DF65-4EC1-8280-F201D50F570B}"/>
               </a:ext>
               <a:ext uri="{C183D7F6-B498-43B3-948B-1728B52AA6E4}">
-                <adec:decorative xmlns="" xmlns:adec="http://schemas.microsoft.com/office/drawing/2017/decorative" val="1"/>
+                <adec:decorative xmlns:adec="http://schemas.microsoft.com/office/drawing/2017/decorative" val="1"/>
               </a:ext>
             </a:extLst>
           </p:cNvPr>
@@ -18914,7 +18882,7 @@
           <p:nvPr>
             <p:extLst>
               <p:ext uri="{386F3935-93C4-4BCD-93E2-E3B085C9AB24}">
-                <p16:designElem xmlns="" xmlns:p16="http://schemas.microsoft.com/office/powerpoint/2015/main" val="1"/>
+                <p16:designElem xmlns:p16="http://schemas.microsoft.com/office/powerpoint/2015/main" val="1"/>
               </p:ext>
             </p:extLst>
           </p:nvPr>
@@ -18956,10 +18924,10 @@
           <p:cNvPr id="15" name="Straight Connector 14">
             <a:extLst>
               <a:ext uri="{FF2B5EF4-FFF2-40B4-BE49-F238E27FC236}">
-                <a16:creationId xmlns="" xmlns:a16="http://schemas.microsoft.com/office/drawing/2014/main" id="{7E1D4427-852B-4B37-8E76-0E9F1810BA2A}"/>
+                <a16:creationId xmlns:a16="http://schemas.microsoft.com/office/drawing/2014/main" id="{7E1D4427-852B-4B37-8E76-0E9F1810BA2A}"/>
               </a:ext>
               <a:ext uri="{C183D7F6-B498-43B3-948B-1728B52AA6E4}">
-                <adec:decorative xmlns="" xmlns:adec="http://schemas.microsoft.com/office/drawing/2017/decorative" val="1"/>
+                <adec:decorative xmlns:adec="http://schemas.microsoft.com/office/drawing/2017/decorative" val="1"/>
               </a:ext>
             </a:extLst>
           </p:cNvPr>
@@ -18969,7 +18937,7 @@
           <p:nvPr>
             <p:extLst>
               <p:ext uri="{386F3935-93C4-4BCD-93E2-E3B085C9AB24}">
-                <p16:designElem xmlns="" xmlns:p16="http://schemas.microsoft.com/office/powerpoint/2015/main" val="1"/>
+                <p16:designElem xmlns:p16="http://schemas.microsoft.com/office/powerpoint/2015/main" val="1"/>
               </p:ext>
             </p:extLst>
           </p:nvPr>
@@ -19011,10 +18979,10 @@
           <p:cNvPr id="17" name="Rectangle 16">
             <a:extLst>
               <a:ext uri="{FF2B5EF4-FFF2-40B4-BE49-F238E27FC236}">
-                <a16:creationId xmlns="" xmlns:a16="http://schemas.microsoft.com/office/drawing/2014/main" id="{FA4CD5CB-D209-4D70-8CA4-629731C59219}"/>
+                <a16:creationId xmlns:a16="http://schemas.microsoft.com/office/drawing/2014/main" id="{FA4CD5CB-D209-4D70-8CA4-629731C59219}"/>
               </a:ext>
               <a:ext uri="{C183D7F6-B498-43B3-948B-1728B52AA6E4}">
-                <adec:decorative xmlns="" xmlns:adec="http://schemas.microsoft.com/office/drawing/2017/decorative" val="1"/>
+                <adec:decorative xmlns:adec="http://schemas.microsoft.com/office/drawing/2017/decorative" val="1"/>
               </a:ext>
             </a:extLst>
           </p:cNvPr>
@@ -19024,7 +18992,7 @@
           <p:nvPr>
             <p:extLst>
               <p:ext uri="{386F3935-93C4-4BCD-93E2-E3B085C9AB24}">
-                <p16:designElem xmlns="" xmlns:p16="http://schemas.microsoft.com/office/powerpoint/2015/main" val="1"/>
+                <p16:designElem xmlns:p16="http://schemas.microsoft.com/office/powerpoint/2015/main" val="1"/>
               </p:ext>
             </p:extLst>
           </p:nvPr>
@@ -19071,7 +19039,7 @@
           <p:cNvPr id="6" name="TextBox 5">
             <a:extLst>
               <a:ext uri="{FF2B5EF4-FFF2-40B4-BE49-F238E27FC236}">
-                <a16:creationId xmlns="" xmlns:a16="http://schemas.microsoft.com/office/drawing/2014/main" id="{83F21E25-E20C-47F9-BDE7-8C26DE362F5F}"/>
+                <a16:creationId xmlns:a16="http://schemas.microsoft.com/office/drawing/2014/main" id="{83F21E25-E20C-47F9-BDE7-8C26DE362F5F}"/>
               </a:ext>
             </a:extLst>
           </p:cNvPr>
@@ -19126,7 +19094,7 @@
           <p:cNvPr id="5" name="Picture 4">
             <a:extLst>
               <a:ext uri="{FF2B5EF4-FFF2-40B4-BE49-F238E27FC236}">
-                <a16:creationId xmlns="" xmlns:a16="http://schemas.microsoft.com/office/drawing/2014/main" id="{7F4AD340-C270-4273-B3FB-30D525CB1123}"/>
+                <a16:creationId xmlns:a16="http://schemas.microsoft.com/office/drawing/2014/main" id="{7F4AD340-C270-4273-B3FB-30D525CB1123}"/>
               </a:ext>
             </a:extLst>
           </p:cNvPr>
@@ -19162,10 +19130,10 @@
           <p:cNvPr id="19" name="Straight Connector 18">
             <a:extLst>
               <a:ext uri="{FF2B5EF4-FFF2-40B4-BE49-F238E27FC236}">
-                <a16:creationId xmlns="" xmlns:a16="http://schemas.microsoft.com/office/drawing/2014/main" id="{5C6A2BAE-B461-4B55-8E1F-0722ABDD1393}"/>
+                <a16:creationId xmlns:a16="http://schemas.microsoft.com/office/drawing/2014/main" id="{5C6A2BAE-B461-4B55-8E1F-0722ABDD1393}"/>
               </a:ext>
               <a:ext uri="{C183D7F6-B498-43B3-948B-1728B52AA6E4}">
-                <adec:decorative xmlns="" xmlns:adec="http://schemas.microsoft.com/office/drawing/2017/decorative" val="1"/>
+                <adec:decorative xmlns:adec="http://schemas.microsoft.com/office/drawing/2017/decorative" val="1"/>
               </a:ext>
             </a:extLst>
           </p:cNvPr>
@@ -19175,7 +19143,7 @@
           <p:nvPr>
             <p:extLst>
               <p:ext uri="{386F3935-93C4-4BCD-93E2-E3B085C9AB24}">
-                <p16:designElem xmlns="" xmlns:p16="http://schemas.microsoft.com/office/powerpoint/2015/main" val="1"/>
+                <p16:designElem xmlns:p16="http://schemas.microsoft.com/office/powerpoint/2015/main" val="1"/>
               </p:ext>
             </p:extLst>
           </p:nvPr>
@@ -19216,10 +19184,10 @@
           <p:cNvPr id="21" name="Rectangle 20">
             <a:extLst>
               <a:ext uri="{FF2B5EF4-FFF2-40B4-BE49-F238E27FC236}">
-                <a16:creationId xmlns="" xmlns:a16="http://schemas.microsoft.com/office/drawing/2014/main" id="{B4C27B90-DF2B-4D00-BA07-18ED774CD2F1}"/>
+                <a16:creationId xmlns:a16="http://schemas.microsoft.com/office/drawing/2014/main" id="{B4C27B90-DF2B-4D00-BA07-18ED774CD2F1}"/>
               </a:ext>
               <a:ext uri="{C183D7F6-B498-43B3-948B-1728B52AA6E4}">
-                <adec:decorative xmlns="" xmlns:adec="http://schemas.microsoft.com/office/drawing/2017/decorative" val="1"/>
+                <adec:decorative xmlns:adec="http://schemas.microsoft.com/office/drawing/2017/decorative" val="1"/>
               </a:ext>
             </a:extLst>
           </p:cNvPr>
@@ -19229,7 +19197,7 @@
           <p:nvPr>
             <p:extLst>
               <p:ext uri="{386F3935-93C4-4BCD-93E2-E3B085C9AB24}">
-                <p16:designElem xmlns="" xmlns:p16="http://schemas.microsoft.com/office/powerpoint/2015/main" val="1"/>
+                <p16:designElem xmlns:p16="http://schemas.microsoft.com/office/powerpoint/2015/main" val="1"/>
               </p:ext>
             </p:extLst>
           </p:nvPr>
@@ -19271,10 +19239,10 @@
           <p:cNvPr id="23" name="Rectangle 22">
             <a:extLst>
               <a:ext uri="{FF2B5EF4-FFF2-40B4-BE49-F238E27FC236}">
-                <a16:creationId xmlns="" xmlns:a16="http://schemas.microsoft.com/office/drawing/2014/main" id="{593ACC25-C262-417A-8AA9-0641C772BDB6}"/>
+                <a16:creationId xmlns:a16="http://schemas.microsoft.com/office/drawing/2014/main" id="{593ACC25-C262-417A-8AA9-0641C772BDB6}"/>
               </a:ext>
               <a:ext uri="{C183D7F6-B498-43B3-948B-1728B52AA6E4}">
-                <adec:decorative xmlns="" xmlns:adec="http://schemas.microsoft.com/office/drawing/2017/decorative" val="1"/>
+                <adec:decorative xmlns:adec="http://schemas.microsoft.com/office/drawing/2017/decorative" val="1"/>
               </a:ext>
             </a:extLst>
           </p:cNvPr>
@@ -19284,7 +19252,7 @@
           <p:nvPr>
             <p:extLst>
               <p:ext uri="{386F3935-93C4-4BCD-93E2-E3B085C9AB24}">
-                <p16:designElem xmlns="" xmlns:p16="http://schemas.microsoft.com/office/powerpoint/2015/main" val="1"/>
+                <p16:designElem xmlns:p16="http://schemas.microsoft.com/office/powerpoint/2015/main" val="1"/>
               </p:ext>
             </p:extLst>
           </p:nvPr>
@@ -19364,10 +19332,10 @@
           <p:cNvPr id="11" name="Rectangle 10">
             <a:extLst>
               <a:ext uri="{FF2B5EF4-FFF2-40B4-BE49-F238E27FC236}">
-                <a16:creationId xmlns="" xmlns:a16="http://schemas.microsoft.com/office/drawing/2014/main" id="{4E4490D0-3672-446A-AC12-B4830333BDDD}"/>
+                <a16:creationId xmlns:a16="http://schemas.microsoft.com/office/drawing/2014/main" id="{4E4490D0-3672-446A-AC12-B4830333BDDD}"/>
               </a:ext>
               <a:ext uri="{C183D7F6-B498-43B3-948B-1728B52AA6E4}">
-                <adec:decorative xmlns="" xmlns:adec="http://schemas.microsoft.com/office/drawing/2017/decorative" val="1"/>
+                <adec:decorative xmlns:adec="http://schemas.microsoft.com/office/drawing/2017/decorative" val="1"/>
               </a:ext>
             </a:extLst>
           </p:cNvPr>
@@ -19377,7 +19345,7 @@
           <p:nvPr>
             <p:extLst>
               <p:ext uri="{386F3935-93C4-4BCD-93E2-E3B085C9AB24}">
-                <p16:designElem xmlns="" xmlns:p16="http://schemas.microsoft.com/office/powerpoint/2015/main" val="1"/>
+                <p16:designElem xmlns:p16="http://schemas.microsoft.com/office/powerpoint/2015/main" val="1"/>
               </p:ext>
             </p:extLst>
           </p:nvPr>
@@ -19419,10 +19387,10 @@
           <p:cNvPr id="13" name="Rectangle 12">
             <a:extLst>
               <a:ext uri="{FF2B5EF4-FFF2-40B4-BE49-F238E27FC236}">
-                <a16:creationId xmlns="" xmlns:a16="http://schemas.microsoft.com/office/drawing/2014/main" id="{39CB82C2-DF65-4EC1-8280-F201D50F570B}"/>
+                <a16:creationId xmlns:a16="http://schemas.microsoft.com/office/drawing/2014/main" id="{39CB82C2-DF65-4EC1-8280-F201D50F570B}"/>
               </a:ext>
               <a:ext uri="{C183D7F6-B498-43B3-948B-1728B52AA6E4}">
-                <adec:decorative xmlns="" xmlns:adec="http://schemas.microsoft.com/office/drawing/2017/decorative" val="1"/>
+                <adec:decorative xmlns:adec="http://schemas.microsoft.com/office/drawing/2017/decorative" val="1"/>
               </a:ext>
             </a:extLst>
           </p:cNvPr>
@@ -19432,7 +19400,7 @@
           <p:nvPr>
             <p:extLst>
               <p:ext uri="{386F3935-93C4-4BCD-93E2-E3B085C9AB24}">
-                <p16:designElem xmlns="" xmlns:p16="http://schemas.microsoft.com/office/powerpoint/2015/main" val="1"/>
+                <p16:designElem xmlns:p16="http://schemas.microsoft.com/office/powerpoint/2015/main" val="1"/>
               </p:ext>
             </p:extLst>
           </p:nvPr>
@@ -19474,10 +19442,10 @@
           <p:cNvPr id="15" name="Straight Connector 14">
             <a:extLst>
               <a:ext uri="{FF2B5EF4-FFF2-40B4-BE49-F238E27FC236}">
-                <a16:creationId xmlns="" xmlns:a16="http://schemas.microsoft.com/office/drawing/2014/main" id="{7E1D4427-852B-4B37-8E76-0E9F1810BA2A}"/>
+                <a16:creationId xmlns:a16="http://schemas.microsoft.com/office/drawing/2014/main" id="{7E1D4427-852B-4B37-8E76-0E9F1810BA2A}"/>
               </a:ext>
               <a:ext uri="{C183D7F6-B498-43B3-948B-1728B52AA6E4}">
-                <adec:decorative xmlns="" xmlns:adec="http://schemas.microsoft.com/office/drawing/2017/decorative" val="1"/>
+                <adec:decorative xmlns:adec="http://schemas.microsoft.com/office/drawing/2017/decorative" val="1"/>
               </a:ext>
             </a:extLst>
           </p:cNvPr>
@@ -19487,7 +19455,7 @@
           <p:nvPr>
             <p:extLst>
               <p:ext uri="{386F3935-93C4-4BCD-93E2-E3B085C9AB24}">
-                <p16:designElem xmlns="" xmlns:p16="http://schemas.microsoft.com/office/powerpoint/2015/main" val="1"/>
+                <p16:designElem xmlns:p16="http://schemas.microsoft.com/office/powerpoint/2015/main" val="1"/>
               </p:ext>
             </p:extLst>
           </p:nvPr>
@@ -19529,10 +19497,10 @@
           <p:cNvPr id="17" name="Rectangle 16">
             <a:extLst>
               <a:ext uri="{FF2B5EF4-FFF2-40B4-BE49-F238E27FC236}">
-                <a16:creationId xmlns="" xmlns:a16="http://schemas.microsoft.com/office/drawing/2014/main" id="{FA4CD5CB-D209-4D70-8CA4-629731C59219}"/>
+                <a16:creationId xmlns:a16="http://schemas.microsoft.com/office/drawing/2014/main" id="{FA4CD5CB-D209-4D70-8CA4-629731C59219}"/>
               </a:ext>
               <a:ext uri="{C183D7F6-B498-43B3-948B-1728B52AA6E4}">
-                <adec:decorative xmlns="" xmlns:adec="http://schemas.microsoft.com/office/drawing/2017/decorative" val="1"/>
+                <adec:decorative xmlns:adec="http://schemas.microsoft.com/office/drawing/2017/decorative" val="1"/>
               </a:ext>
             </a:extLst>
           </p:cNvPr>
@@ -19542,7 +19510,7 @@
           <p:nvPr>
             <p:extLst>
               <p:ext uri="{386F3935-93C4-4BCD-93E2-E3B085C9AB24}">
-                <p16:designElem xmlns="" xmlns:p16="http://schemas.microsoft.com/office/powerpoint/2015/main" val="1"/>
+                <p16:designElem xmlns:p16="http://schemas.microsoft.com/office/powerpoint/2015/main" val="1"/>
               </p:ext>
             </p:extLst>
           </p:nvPr>
@@ -19589,7 +19557,7 @@
           <p:cNvPr id="6" name="TextBox 5">
             <a:extLst>
               <a:ext uri="{FF2B5EF4-FFF2-40B4-BE49-F238E27FC236}">
-                <a16:creationId xmlns="" xmlns:a16="http://schemas.microsoft.com/office/drawing/2014/main" id="{03A2050B-5278-4C26-AD1A-C6426527FE9D}"/>
+                <a16:creationId xmlns:a16="http://schemas.microsoft.com/office/drawing/2014/main" id="{03A2050B-5278-4C26-AD1A-C6426527FE9D}"/>
               </a:ext>
             </a:extLst>
           </p:cNvPr>
@@ -19644,7 +19612,7 @@
           <p:cNvPr id="5" name="Picture 4" descr="A close up of text on a white background&#10;&#10;Description automatically generated">
             <a:extLst>
               <a:ext uri="{FF2B5EF4-FFF2-40B4-BE49-F238E27FC236}">
-                <a16:creationId xmlns="" xmlns:a16="http://schemas.microsoft.com/office/drawing/2014/main" id="{F28DF458-D7A2-45DD-82B8-A67159054FDE}"/>
+                <a16:creationId xmlns:a16="http://schemas.microsoft.com/office/drawing/2014/main" id="{F28DF458-D7A2-45DD-82B8-A67159054FDE}"/>
               </a:ext>
             </a:extLst>
           </p:cNvPr>
@@ -19680,10 +19648,10 @@
           <p:cNvPr id="19" name="Straight Connector 18">
             <a:extLst>
               <a:ext uri="{FF2B5EF4-FFF2-40B4-BE49-F238E27FC236}">
-                <a16:creationId xmlns="" xmlns:a16="http://schemas.microsoft.com/office/drawing/2014/main" id="{5C6A2BAE-B461-4B55-8E1F-0722ABDD1393}"/>
+                <a16:creationId xmlns:a16="http://schemas.microsoft.com/office/drawing/2014/main" id="{5C6A2BAE-B461-4B55-8E1F-0722ABDD1393}"/>
               </a:ext>
               <a:ext uri="{C183D7F6-B498-43B3-948B-1728B52AA6E4}">
-                <adec:decorative xmlns="" xmlns:adec="http://schemas.microsoft.com/office/drawing/2017/decorative" val="1"/>
+                <adec:decorative xmlns:adec="http://schemas.microsoft.com/office/drawing/2017/decorative" val="1"/>
               </a:ext>
             </a:extLst>
           </p:cNvPr>
@@ -19693,7 +19661,7 @@
           <p:nvPr>
             <p:extLst>
               <p:ext uri="{386F3935-93C4-4BCD-93E2-E3B085C9AB24}">
-                <p16:designElem xmlns="" xmlns:p16="http://schemas.microsoft.com/office/powerpoint/2015/main" val="1"/>
+                <p16:designElem xmlns:p16="http://schemas.microsoft.com/office/powerpoint/2015/main" val="1"/>
               </p:ext>
             </p:extLst>
           </p:nvPr>
@@ -19734,10 +19702,10 @@
           <p:cNvPr id="21" name="Rectangle 20">
             <a:extLst>
               <a:ext uri="{FF2B5EF4-FFF2-40B4-BE49-F238E27FC236}">
-                <a16:creationId xmlns="" xmlns:a16="http://schemas.microsoft.com/office/drawing/2014/main" id="{B4C27B90-DF2B-4D00-BA07-18ED774CD2F1}"/>
+                <a16:creationId xmlns:a16="http://schemas.microsoft.com/office/drawing/2014/main" id="{B4C27B90-DF2B-4D00-BA07-18ED774CD2F1}"/>
               </a:ext>
               <a:ext uri="{C183D7F6-B498-43B3-948B-1728B52AA6E4}">
-                <adec:decorative xmlns="" xmlns:adec="http://schemas.microsoft.com/office/drawing/2017/decorative" val="1"/>
+                <adec:decorative xmlns:adec="http://schemas.microsoft.com/office/drawing/2017/decorative" val="1"/>
               </a:ext>
             </a:extLst>
           </p:cNvPr>
@@ -19747,7 +19715,7 @@
           <p:nvPr>
             <p:extLst>
               <p:ext uri="{386F3935-93C4-4BCD-93E2-E3B085C9AB24}">
-                <p16:designElem xmlns="" xmlns:p16="http://schemas.microsoft.com/office/powerpoint/2015/main" val="1"/>
+                <p16:designElem xmlns:p16="http://schemas.microsoft.com/office/powerpoint/2015/main" val="1"/>
               </p:ext>
             </p:extLst>
           </p:nvPr>
@@ -19789,10 +19757,10 @@
           <p:cNvPr id="23" name="Rectangle 22">
             <a:extLst>
               <a:ext uri="{FF2B5EF4-FFF2-40B4-BE49-F238E27FC236}">
-                <a16:creationId xmlns="" xmlns:a16="http://schemas.microsoft.com/office/drawing/2014/main" id="{593ACC25-C262-417A-8AA9-0641C772BDB6}"/>
+                <a16:creationId xmlns:a16="http://schemas.microsoft.com/office/drawing/2014/main" id="{593ACC25-C262-417A-8AA9-0641C772BDB6}"/>
               </a:ext>
               <a:ext uri="{C183D7F6-B498-43B3-948B-1728B52AA6E4}">
-                <adec:decorative xmlns="" xmlns:adec="http://schemas.microsoft.com/office/drawing/2017/decorative" val="1"/>
+                <adec:decorative xmlns:adec="http://schemas.microsoft.com/office/drawing/2017/decorative" val="1"/>
               </a:ext>
             </a:extLst>
           </p:cNvPr>
@@ -19802,7 +19770,7 @@
           <p:nvPr>
             <p:extLst>
               <p:ext uri="{386F3935-93C4-4BCD-93E2-E3B085C9AB24}">
-                <p16:designElem xmlns="" xmlns:p16="http://schemas.microsoft.com/office/powerpoint/2015/main" val="1"/>
+                <p16:designElem xmlns:p16="http://schemas.microsoft.com/office/powerpoint/2015/main" val="1"/>
               </p:ext>
             </p:extLst>
           </p:nvPr>
@@ -19882,10 +19850,10 @@
           <p:cNvPr id="9" name="Rectangle 8">
             <a:extLst>
               <a:ext uri="{FF2B5EF4-FFF2-40B4-BE49-F238E27FC236}">
-                <a16:creationId xmlns="" xmlns:a16="http://schemas.microsoft.com/office/drawing/2014/main" id="{4E4490D0-3672-446A-AC12-B4830333BDDD}"/>
+                <a16:creationId xmlns:a16="http://schemas.microsoft.com/office/drawing/2014/main" id="{4E4490D0-3672-446A-AC12-B4830333BDDD}"/>
               </a:ext>
               <a:ext uri="{C183D7F6-B498-43B3-948B-1728B52AA6E4}">
-                <adec:decorative xmlns="" xmlns:adec="http://schemas.microsoft.com/office/drawing/2017/decorative" val="1"/>
+                <adec:decorative xmlns:adec="http://schemas.microsoft.com/office/drawing/2017/decorative" val="1"/>
               </a:ext>
             </a:extLst>
           </p:cNvPr>
@@ -19895,7 +19863,7 @@
           <p:nvPr>
             <p:extLst>
               <p:ext uri="{386F3935-93C4-4BCD-93E2-E3B085C9AB24}">
-                <p16:designElem xmlns="" xmlns:p16="http://schemas.microsoft.com/office/powerpoint/2015/main" val="1"/>
+                <p16:designElem xmlns:p16="http://schemas.microsoft.com/office/powerpoint/2015/main" val="1"/>
               </p:ext>
             </p:extLst>
           </p:nvPr>
@@ -19937,10 +19905,10 @@
           <p:cNvPr id="11" name="Rectangle 10">
             <a:extLst>
               <a:ext uri="{FF2B5EF4-FFF2-40B4-BE49-F238E27FC236}">
-                <a16:creationId xmlns="" xmlns:a16="http://schemas.microsoft.com/office/drawing/2014/main" id="{39CB82C2-DF65-4EC1-8280-F201D50F570B}"/>
+                <a16:creationId xmlns:a16="http://schemas.microsoft.com/office/drawing/2014/main" id="{39CB82C2-DF65-4EC1-8280-F201D50F570B}"/>
               </a:ext>
               <a:ext uri="{C183D7F6-B498-43B3-948B-1728B52AA6E4}">
-                <adec:decorative xmlns="" xmlns:adec="http://schemas.microsoft.com/office/drawing/2017/decorative" val="1"/>
+                <adec:decorative xmlns:adec="http://schemas.microsoft.com/office/drawing/2017/decorative" val="1"/>
               </a:ext>
             </a:extLst>
           </p:cNvPr>
@@ -19950,7 +19918,7 @@
           <p:nvPr>
             <p:extLst>
               <p:ext uri="{386F3935-93C4-4BCD-93E2-E3B085C9AB24}">
-                <p16:designElem xmlns="" xmlns:p16="http://schemas.microsoft.com/office/powerpoint/2015/main" val="1"/>
+                <p16:designElem xmlns:p16="http://schemas.microsoft.com/office/powerpoint/2015/main" val="1"/>
               </p:ext>
             </p:extLst>
           </p:nvPr>
@@ -19992,10 +19960,10 @@
           <p:cNvPr id="13" name="Straight Connector 12">
             <a:extLst>
               <a:ext uri="{FF2B5EF4-FFF2-40B4-BE49-F238E27FC236}">
-                <a16:creationId xmlns="" xmlns:a16="http://schemas.microsoft.com/office/drawing/2014/main" id="{7E1D4427-852B-4B37-8E76-0E9F1810BA2A}"/>
+                <a16:creationId xmlns:a16="http://schemas.microsoft.com/office/drawing/2014/main" id="{7E1D4427-852B-4B37-8E76-0E9F1810BA2A}"/>
               </a:ext>
               <a:ext uri="{C183D7F6-B498-43B3-948B-1728B52AA6E4}">
-                <adec:decorative xmlns="" xmlns:adec="http://schemas.microsoft.com/office/drawing/2017/decorative" val="1"/>
+                <adec:decorative xmlns:adec="http://schemas.microsoft.com/office/drawing/2017/decorative" val="1"/>
               </a:ext>
             </a:extLst>
           </p:cNvPr>
@@ -20005,7 +19973,7 @@
           <p:nvPr>
             <p:extLst>
               <p:ext uri="{386F3935-93C4-4BCD-93E2-E3B085C9AB24}">
-                <p16:designElem xmlns="" xmlns:p16="http://schemas.microsoft.com/office/powerpoint/2015/main" val="1"/>
+                <p16:designElem xmlns:p16="http://schemas.microsoft.com/office/powerpoint/2015/main" val="1"/>
               </p:ext>
             </p:extLst>
           </p:nvPr>
@@ -20047,10 +20015,10 @@
           <p:cNvPr id="15" name="Rectangle 14">
             <a:extLst>
               <a:ext uri="{FF2B5EF4-FFF2-40B4-BE49-F238E27FC236}">
-                <a16:creationId xmlns="" xmlns:a16="http://schemas.microsoft.com/office/drawing/2014/main" id="{FA4CD5CB-D209-4D70-8CA4-629731C59219}"/>
+                <a16:creationId xmlns:a16="http://schemas.microsoft.com/office/drawing/2014/main" id="{FA4CD5CB-D209-4D70-8CA4-629731C59219}"/>
               </a:ext>
               <a:ext uri="{C183D7F6-B498-43B3-948B-1728B52AA6E4}">
-                <adec:decorative xmlns="" xmlns:adec="http://schemas.microsoft.com/office/drawing/2017/decorative" val="1"/>
+                <adec:decorative xmlns:adec="http://schemas.microsoft.com/office/drawing/2017/decorative" val="1"/>
               </a:ext>
             </a:extLst>
           </p:cNvPr>
@@ -20060,7 +20028,7 @@
           <p:nvPr>
             <p:extLst>
               <p:ext uri="{386F3935-93C4-4BCD-93E2-E3B085C9AB24}">
-                <p16:designElem xmlns="" xmlns:p16="http://schemas.microsoft.com/office/powerpoint/2015/main" val="1"/>
+                <p16:designElem xmlns:p16="http://schemas.microsoft.com/office/powerpoint/2015/main" val="1"/>
               </p:ext>
             </p:extLst>
           </p:nvPr>
@@ -20107,7 +20075,7 @@
           <p:cNvPr id="2" name="Title 1">
             <a:extLst>
               <a:ext uri="{FF2B5EF4-FFF2-40B4-BE49-F238E27FC236}">
-                <a16:creationId xmlns="" xmlns:a16="http://schemas.microsoft.com/office/drawing/2014/main" id="{A120E5B0-30AF-44FB-A2BD-78A5210B20B7}"/>
+                <a16:creationId xmlns:a16="http://schemas.microsoft.com/office/drawing/2014/main" id="{A120E5B0-30AF-44FB-A2BD-78A5210B20B7}"/>
               </a:ext>
             </a:extLst>
           </p:cNvPr>
@@ -20150,7 +20118,7 @@
           <p:cNvPr id="4" name="Content Placeholder 3">
             <a:extLst>
               <a:ext uri="{FF2B5EF4-FFF2-40B4-BE49-F238E27FC236}">
-                <a16:creationId xmlns="" xmlns:a16="http://schemas.microsoft.com/office/drawing/2014/main" id="{E726CF38-6829-4BBF-BF9D-7B532D4FA562}"/>
+                <a16:creationId xmlns:a16="http://schemas.microsoft.com/office/drawing/2014/main" id="{E726CF38-6829-4BBF-BF9D-7B532D4FA562}"/>
               </a:ext>
             </a:extLst>
           </p:cNvPr>
@@ -20182,10 +20150,10 @@
           <p:cNvPr id="17" name="Straight Connector 16">
             <a:extLst>
               <a:ext uri="{FF2B5EF4-FFF2-40B4-BE49-F238E27FC236}">
-                <a16:creationId xmlns="" xmlns:a16="http://schemas.microsoft.com/office/drawing/2014/main" id="{5C6A2BAE-B461-4B55-8E1F-0722ABDD1393}"/>
+                <a16:creationId xmlns:a16="http://schemas.microsoft.com/office/drawing/2014/main" id="{5C6A2BAE-B461-4B55-8E1F-0722ABDD1393}"/>
               </a:ext>
               <a:ext uri="{C183D7F6-B498-43B3-948B-1728B52AA6E4}">
-                <adec:decorative xmlns="" xmlns:adec="http://schemas.microsoft.com/office/drawing/2017/decorative" val="1"/>
+                <adec:decorative xmlns:adec="http://schemas.microsoft.com/office/drawing/2017/decorative" val="1"/>
               </a:ext>
             </a:extLst>
           </p:cNvPr>
@@ -20195,7 +20163,7 @@
           <p:nvPr>
             <p:extLst>
               <p:ext uri="{386F3935-93C4-4BCD-93E2-E3B085C9AB24}">
-                <p16:designElem xmlns="" xmlns:p16="http://schemas.microsoft.com/office/powerpoint/2015/main" val="1"/>
+                <p16:designElem xmlns:p16="http://schemas.microsoft.com/office/powerpoint/2015/main" val="1"/>
               </p:ext>
             </p:extLst>
           </p:nvPr>
@@ -20236,10 +20204,10 @@
           <p:cNvPr id="19" name="Rectangle 18">
             <a:extLst>
               <a:ext uri="{FF2B5EF4-FFF2-40B4-BE49-F238E27FC236}">
-                <a16:creationId xmlns="" xmlns:a16="http://schemas.microsoft.com/office/drawing/2014/main" id="{B4C27B90-DF2B-4D00-BA07-18ED774CD2F1}"/>
+                <a16:creationId xmlns:a16="http://schemas.microsoft.com/office/drawing/2014/main" id="{B4C27B90-DF2B-4D00-BA07-18ED774CD2F1}"/>
               </a:ext>
               <a:ext uri="{C183D7F6-B498-43B3-948B-1728B52AA6E4}">
-                <adec:decorative xmlns="" xmlns:adec="http://schemas.microsoft.com/office/drawing/2017/decorative" val="1"/>
+                <adec:decorative xmlns:adec="http://schemas.microsoft.com/office/drawing/2017/decorative" val="1"/>
               </a:ext>
             </a:extLst>
           </p:cNvPr>
@@ -20249,7 +20217,7 @@
           <p:nvPr>
             <p:extLst>
               <p:ext uri="{386F3935-93C4-4BCD-93E2-E3B085C9AB24}">
-                <p16:designElem xmlns="" xmlns:p16="http://schemas.microsoft.com/office/powerpoint/2015/main" val="1"/>
+                <p16:designElem xmlns:p16="http://schemas.microsoft.com/office/powerpoint/2015/main" val="1"/>
               </p:ext>
             </p:extLst>
           </p:nvPr>
@@ -20291,10 +20259,10 @@
           <p:cNvPr id="21" name="Rectangle 20">
             <a:extLst>
               <a:ext uri="{FF2B5EF4-FFF2-40B4-BE49-F238E27FC236}">
-                <a16:creationId xmlns="" xmlns:a16="http://schemas.microsoft.com/office/drawing/2014/main" id="{593ACC25-C262-417A-8AA9-0641C772BDB6}"/>
+                <a16:creationId xmlns:a16="http://schemas.microsoft.com/office/drawing/2014/main" id="{593ACC25-C262-417A-8AA9-0641C772BDB6}"/>
               </a:ext>
               <a:ext uri="{C183D7F6-B498-43B3-948B-1728B52AA6E4}">
-                <adec:decorative xmlns="" xmlns:adec="http://schemas.microsoft.com/office/drawing/2017/decorative" val="1"/>
+                <adec:decorative xmlns:adec="http://schemas.microsoft.com/office/drawing/2017/decorative" val="1"/>
               </a:ext>
             </a:extLst>
           </p:cNvPr>
@@ -20304,7 +20272,7 @@
           <p:nvPr>
             <p:extLst>
               <p:ext uri="{386F3935-93C4-4BCD-93E2-E3B085C9AB24}">
-                <p16:designElem xmlns="" xmlns:p16="http://schemas.microsoft.com/office/powerpoint/2015/main" val="1"/>
+                <p16:designElem xmlns:p16="http://schemas.microsoft.com/office/powerpoint/2015/main" val="1"/>
               </p:ext>
             </p:extLst>
           </p:nvPr>
@@ -20884,7 +20852,7 @@
   <a:extraClrSchemeLst/>
   <a:extLst>
     <a:ext uri="{05A4C25C-085E-4340-85A3-A5531E510DB2}">
-      <thm15:themeFamily xmlns="" xmlns:thm15="http://schemas.microsoft.com/office/thememl/2012/main" name="Retrospect" id="{5F128B03-DCCA-4EEB-AB3B-CF2899314A46}" vid="{3F1AAB62-24C6-49D2-8E01-B56FAC9A3DCD}"/>
+      <thm15:themeFamily xmlns:thm15="http://schemas.microsoft.com/office/thememl/2012/main" name="Retrospect" id="{5F128B03-DCCA-4EEB-AB3B-CF2899314A46}" vid="{3F1AAB62-24C6-49D2-8E01-B56FAC9A3DCD}"/>
     </a:ext>
   </a:extLst>
 </a:theme>
@@ -21179,7 +21147,7 @@
   <a:extraClrSchemeLst/>
   <a:extLst>
     <a:ext uri="{05A4C25C-085E-4340-85A3-A5531E510DB2}">
-      <thm15:themeFamily xmlns="" xmlns:thm15="http://schemas.microsoft.com/office/thememl/2012/main" name="Office Theme" id="{62F939B6-93AF-4DB8-9C6B-D6C7DFDC589F}" vid="{4A3C46E8-61CC-4603-A589-7422A47A8E4A}"/>
+      <thm15:themeFamily xmlns:thm15="http://schemas.microsoft.com/office/thememl/2012/main" name="Office Theme" id="{62F939B6-93AF-4DB8-9C6B-D6C7DFDC589F}" vid="{4A3C46E8-61CC-4603-A589-7422A47A8E4A}"/>
     </a:ext>
   </a:extLst>
 </a:theme>
